--- a/flowchart for lab practice 1.pptx
+++ b/flowchart for lab practice 1.pptx
@@ -8,6 +8,9 @@
     <p:sldId id="257" r:id="rId3"/>
     <p:sldId id="256" r:id="rId4"/>
     <p:sldId id="258" r:id="rId5"/>
+    <p:sldId id="260" r:id="rId6"/>
+    <p:sldId id="261" r:id="rId7"/>
+    <p:sldId id="262" r:id="rId8"/>
   </p:sldIdLst>
   <p:sldSz cx="12192000" cy="6858000"/>
   <p:notesSz cx="6858000" cy="9144000"/>
@@ -3231,9 +3234,9 @@
           <p:nvPr/>
         </p:nvCxnSpPr>
         <p:spPr>
-          <a:xfrm flipH="1">
-            <a:off x="4476750" y="2506980"/>
-            <a:ext cx="23495" cy="452120"/>
+          <a:xfrm>
+            <a:off x="4500245" y="2506980"/>
+            <a:ext cx="10795" cy="370840"/>
           </a:xfrm>
           <a:prstGeom prst="straightConnector1">
             <a:avLst/>
@@ -4653,6 +4656,2703 @@
             <a:spAutoFit/>
           </a:bodyPr>
           <a:p>
+            <a:r>
+              <a:rPr lang="en-GB" altLang="en-US"/>
+              <a:t>END</a:t>
+            </a:r>
+            <a:endParaRPr lang="en-GB" altLang="en-US"/>
+          </a:p>
+        </p:txBody>
+      </p:sp>
+    </p:spTree>
+  </p:cSld>
+  <p:clrMapOvr>
+    <a:masterClrMapping/>
+  </p:clrMapOvr>
+</p:sld>
+</file>
+
+<file path=ppt/slides/slide4.xml><?xml version="1.0" encoding="utf-8"?>
+<p:sld xmlns:a="http://schemas.openxmlformats.org/drawingml/2006/main" xmlns:r="http://schemas.openxmlformats.org/officeDocument/2006/relationships" xmlns:p="http://schemas.openxmlformats.org/presentationml/2006/main">
+  <p:cSld>
+    <p:spTree>
+      <p:nvGrpSpPr>
+        <p:cNvPr id="1" name=""/>
+        <p:cNvGrpSpPr/>
+        <p:nvPr/>
+      </p:nvGrpSpPr>
+      <p:grpSpPr/>
+      <p:sp>
+        <p:nvSpPr>
+          <p:cNvPr id="2" name="Title 1"/>
+          <p:cNvSpPr>
+            <a:spLocks noGrp="1"/>
+          </p:cNvSpPr>
+          <p:nvPr>
+            <p:ph type="title"/>
+          </p:nvPr>
+        </p:nvSpPr>
+        <p:spPr>
+          <a:xfrm>
+            <a:off x="0" y="156210"/>
+            <a:ext cx="4615815" cy="1116965"/>
+          </a:xfrm>
+        </p:spPr>
+        <p:txBody>
+          <a:bodyPr/>
+          <a:p>
+            <a:r>
+              <a:rPr lang="en-GB" altLang="en-US"/>
+              <a:t>Exercise </a:t>
+            </a:r>
+            <a:r>
+              <a:rPr lang="en-GB" altLang="en-US" b="1"/>
+              <a:t>III</a:t>
+            </a:r>
+            <a:endParaRPr lang="en-GB" altLang="en-US" b="1"/>
+          </a:p>
+        </p:txBody>
+      </p:sp>
+      <p:sp>
+        <p:nvSpPr>
+          <p:cNvPr id="5" name="Flowchart: Terminator 4"/>
+          <p:cNvSpPr/>
+          <p:nvPr/>
+        </p:nvSpPr>
+        <p:spPr>
+          <a:xfrm>
+            <a:off x="4615815" y="281305"/>
+            <a:ext cx="2402840" cy="835660"/>
+          </a:xfrm>
+          <a:prstGeom prst="flowChartTerminator">
+            <a:avLst/>
+          </a:prstGeom>
+        </p:spPr>
+        <p:style>
+          <a:lnRef idx="2">
+            <a:schemeClr val="accent1">
+              <a:shade val="50000"/>
+            </a:schemeClr>
+          </a:lnRef>
+          <a:fillRef idx="1">
+            <a:schemeClr val="accent1"/>
+          </a:fillRef>
+          <a:effectRef idx="0">
+            <a:schemeClr val="accent1"/>
+          </a:effectRef>
+          <a:fontRef idx="minor">
+            <a:schemeClr val="lt1"/>
+          </a:fontRef>
+        </p:style>
+        <p:txBody>
+          <a:bodyPr rtlCol="0" anchor="ctr"/>
+          <a:p>
+            <a:pPr algn="ctr"/>
+            <a:endParaRPr lang="en-US"/>
+          </a:p>
+        </p:txBody>
+      </p:sp>
+      <p:cxnSp>
+        <p:nvCxnSpPr>
+          <p:cNvPr id="6" name="Straight Arrow Connector 5"/>
+          <p:cNvCxnSpPr>
+            <a:stCxn id="5" idx="2"/>
+            <a:endCxn id="7" idx="0"/>
+          </p:cNvCxnSpPr>
+          <p:nvPr/>
+        </p:nvCxnSpPr>
+        <p:spPr>
+          <a:xfrm flipH="1">
+            <a:off x="5800725" y="1116965"/>
+            <a:ext cx="16510" cy="541020"/>
+          </a:xfrm>
+          <a:prstGeom prst="straightConnector1">
+            <a:avLst/>
+          </a:prstGeom>
+          <a:ln>
+            <a:tailEnd type="arrow"/>
+          </a:ln>
+        </p:spPr>
+        <p:style>
+          <a:lnRef idx="1">
+            <a:schemeClr val="accent1"/>
+          </a:lnRef>
+          <a:fillRef idx="0">
+            <a:schemeClr val="accent1"/>
+          </a:fillRef>
+          <a:effectRef idx="0">
+            <a:schemeClr val="accent1"/>
+          </a:effectRef>
+          <a:fontRef idx="minor">
+            <a:schemeClr val="tx1"/>
+          </a:fontRef>
+        </p:style>
+      </p:cxnSp>
+      <p:sp>
+        <p:nvSpPr>
+          <p:cNvPr id="7" name="Flowchart: Decision 6"/>
+          <p:cNvSpPr/>
+          <p:nvPr/>
+        </p:nvSpPr>
+        <p:spPr>
+          <a:xfrm>
+            <a:off x="4704715" y="1657985"/>
+            <a:ext cx="2191385" cy="1357630"/>
+          </a:xfrm>
+          <a:prstGeom prst="flowChartDecision">
+            <a:avLst/>
+          </a:prstGeom>
+        </p:spPr>
+        <p:style>
+          <a:lnRef idx="2">
+            <a:schemeClr val="accent1">
+              <a:shade val="50000"/>
+            </a:schemeClr>
+          </a:lnRef>
+          <a:fillRef idx="1">
+            <a:schemeClr val="accent1"/>
+          </a:fillRef>
+          <a:effectRef idx="0">
+            <a:schemeClr val="accent1"/>
+          </a:effectRef>
+          <a:fontRef idx="minor">
+            <a:schemeClr val="lt1"/>
+          </a:fontRef>
+        </p:style>
+        <p:txBody>
+          <a:bodyPr rtlCol="0" anchor="ctr"/>
+          <a:p>
+            <a:pPr algn="ctr"/>
+            <a:endParaRPr lang="en-US"/>
+          </a:p>
+        </p:txBody>
+      </p:sp>
+      <p:cxnSp>
+        <p:nvCxnSpPr>
+          <p:cNvPr id="8" name="Straight Arrow Connector 7"/>
+          <p:cNvCxnSpPr>
+            <a:stCxn id="7" idx="2"/>
+          </p:cNvCxnSpPr>
+          <p:nvPr/>
+        </p:nvCxnSpPr>
+        <p:spPr>
+          <a:xfrm>
+            <a:off x="5800725" y="3015615"/>
+            <a:ext cx="3810" cy="313055"/>
+          </a:xfrm>
+          <a:prstGeom prst="straightConnector1">
+            <a:avLst/>
+          </a:prstGeom>
+          <a:ln>
+            <a:tailEnd type="arrow"/>
+          </a:ln>
+        </p:spPr>
+        <p:style>
+          <a:lnRef idx="1">
+            <a:schemeClr val="accent1"/>
+          </a:lnRef>
+          <a:fillRef idx="0">
+            <a:schemeClr val="accent1"/>
+          </a:fillRef>
+          <a:effectRef idx="0">
+            <a:schemeClr val="accent1"/>
+          </a:effectRef>
+          <a:fontRef idx="minor">
+            <a:schemeClr val="tx1"/>
+          </a:fontRef>
+        </p:style>
+      </p:cxnSp>
+      <p:sp>
+        <p:nvSpPr>
+          <p:cNvPr id="9" name="Flowchart: Decision 8"/>
+          <p:cNvSpPr/>
+          <p:nvPr/>
+        </p:nvSpPr>
+        <p:spPr>
+          <a:xfrm>
+            <a:off x="4831715" y="3328670"/>
+            <a:ext cx="1936750" cy="1096645"/>
+          </a:xfrm>
+          <a:prstGeom prst="flowChartDecision">
+            <a:avLst/>
+          </a:prstGeom>
+        </p:spPr>
+        <p:style>
+          <a:lnRef idx="2">
+            <a:schemeClr val="accent1">
+              <a:shade val="50000"/>
+            </a:schemeClr>
+          </a:lnRef>
+          <a:fillRef idx="1">
+            <a:schemeClr val="accent1"/>
+          </a:fillRef>
+          <a:effectRef idx="0">
+            <a:schemeClr val="accent1"/>
+          </a:effectRef>
+          <a:fontRef idx="minor">
+            <a:schemeClr val="lt1"/>
+          </a:fontRef>
+        </p:style>
+        <p:txBody>
+          <a:bodyPr rtlCol="0" anchor="ctr"/>
+          <a:p>
+            <a:pPr algn="ctr"/>
+            <a:endParaRPr lang="en-US"/>
+          </a:p>
+        </p:txBody>
+      </p:sp>
+      <p:cxnSp>
+        <p:nvCxnSpPr>
+          <p:cNvPr id="10" name="Straight Arrow Connector 9"/>
+          <p:cNvCxnSpPr>
+            <a:stCxn id="9" idx="2"/>
+          </p:cNvCxnSpPr>
+          <p:nvPr/>
+        </p:nvCxnSpPr>
+        <p:spPr>
+          <a:xfrm flipH="1">
+            <a:off x="5789295" y="4425315"/>
+            <a:ext cx="10795" cy="548005"/>
+          </a:xfrm>
+          <a:prstGeom prst="straightConnector1">
+            <a:avLst/>
+          </a:prstGeom>
+          <a:ln>
+            <a:tailEnd type="arrow"/>
+          </a:ln>
+        </p:spPr>
+        <p:style>
+          <a:lnRef idx="1">
+            <a:schemeClr val="accent1"/>
+          </a:lnRef>
+          <a:fillRef idx="0">
+            <a:schemeClr val="accent1"/>
+          </a:fillRef>
+          <a:effectRef idx="0">
+            <a:schemeClr val="accent1"/>
+          </a:effectRef>
+          <a:fontRef idx="minor">
+            <a:schemeClr val="tx1"/>
+          </a:fontRef>
+        </p:style>
+      </p:cxnSp>
+      <p:sp>
+        <p:nvSpPr>
+          <p:cNvPr id="11" name="Flowchart: Decision 10"/>
+          <p:cNvSpPr/>
+          <p:nvPr/>
+        </p:nvSpPr>
+        <p:spPr>
+          <a:xfrm>
+            <a:off x="4752340" y="4946015"/>
+            <a:ext cx="2129155" cy="1249045"/>
+          </a:xfrm>
+          <a:prstGeom prst="flowChartDecision">
+            <a:avLst/>
+          </a:prstGeom>
+        </p:spPr>
+        <p:style>
+          <a:lnRef idx="2">
+            <a:schemeClr val="accent1">
+              <a:shade val="50000"/>
+            </a:schemeClr>
+          </a:lnRef>
+          <a:fillRef idx="1">
+            <a:schemeClr val="accent1"/>
+          </a:fillRef>
+          <a:effectRef idx="0">
+            <a:schemeClr val="accent1"/>
+          </a:effectRef>
+          <a:fontRef idx="minor">
+            <a:schemeClr val="lt1"/>
+          </a:fontRef>
+        </p:style>
+        <p:txBody>
+          <a:bodyPr rtlCol="0" anchor="ctr"/>
+          <a:p>
+            <a:pPr algn="ctr"/>
+            <a:endParaRPr lang="en-US"/>
+          </a:p>
+        </p:txBody>
+      </p:sp>
+      <p:cxnSp>
+        <p:nvCxnSpPr>
+          <p:cNvPr id="12" name="Straight Arrow Connector 11"/>
+          <p:cNvCxnSpPr/>
+          <p:nvPr/>
+        </p:nvCxnSpPr>
+        <p:spPr>
+          <a:xfrm flipH="1">
+            <a:off x="3828415" y="5576570"/>
+            <a:ext cx="923925" cy="7620"/>
+          </a:xfrm>
+          <a:prstGeom prst="straightConnector1">
+            <a:avLst/>
+          </a:prstGeom>
+          <a:ln>
+            <a:tailEnd type="arrow"/>
+          </a:ln>
+        </p:spPr>
+        <p:style>
+          <a:lnRef idx="1">
+            <a:schemeClr val="accent1"/>
+          </a:lnRef>
+          <a:fillRef idx="0">
+            <a:schemeClr val="accent1"/>
+          </a:fillRef>
+          <a:effectRef idx="0">
+            <a:schemeClr val="accent1"/>
+          </a:effectRef>
+          <a:fontRef idx="minor">
+            <a:schemeClr val="tx1"/>
+          </a:fontRef>
+        </p:style>
+      </p:cxnSp>
+      <p:sp>
+        <p:nvSpPr>
+          <p:cNvPr id="13" name="Flowchart: Decision 12"/>
+          <p:cNvSpPr/>
+          <p:nvPr/>
+        </p:nvSpPr>
+        <p:spPr>
+          <a:xfrm>
+            <a:off x="2637790" y="4899660"/>
+            <a:ext cx="1190625" cy="1341755"/>
+          </a:xfrm>
+          <a:prstGeom prst="flowChartDecision">
+            <a:avLst/>
+          </a:prstGeom>
+        </p:spPr>
+        <p:style>
+          <a:lnRef idx="2">
+            <a:schemeClr val="accent1">
+              <a:shade val="50000"/>
+            </a:schemeClr>
+          </a:lnRef>
+          <a:fillRef idx="1">
+            <a:schemeClr val="accent1"/>
+          </a:fillRef>
+          <a:effectRef idx="0">
+            <a:schemeClr val="accent1"/>
+          </a:effectRef>
+          <a:fontRef idx="minor">
+            <a:schemeClr val="lt1"/>
+          </a:fontRef>
+        </p:style>
+        <p:txBody>
+          <a:bodyPr rtlCol="0" anchor="ctr"/>
+          <a:p>
+            <a:pPr algn="ctr"/>
+            <a:endParaRPr lang="en-US"/>
+          </a:p>
+        </p:txBody>
+      </p:sp>
+      <p:cxnSp>
+        <p:nvCxnSpPr>
+          <p:cNvPr id="14" name="Straight Arrow Connector 13"/>
+          <p:cNvCxnSpPr>
+            <a:stCxn id="13" idx="1"/>
+          </p:cNvCxnSpPr>
+          <p:nvPr/>
+        </p:nvCxnSpPr>
+        <p:spPr>
+          <a:xfrm flipH="1">
+            <a:off x="1487805" y="5570855"/>
+            <a:ext cx="1149985" cy="13335"/>
+          </a:xfrm>
+          <a:prstGeom prst="straightConnector1">
+            <a:avLst/>
+          </a:prstGeom>
+          <a:ln>
+            <a:tailEnd type="arrow"/>
+          </a:ln>
+        </p:spPr>
+        <p:style>
+          <a:lnRef idx="1">
+            <a:schemeClr val="accent1"/>
+          </a:lnRef>
+          <a:fillRef idx="0">
+            <a:schemeClr val="accent1"/>
+          </a:fillRef>
+          <a:effectRef idx="0">
+            <a:schemeClr val="accent1"/>
+          </a:effectRef>
+          <a:fontRef idx="minor">
+            <a:schemeClr val="tx1"/>
+          </a:fontRef>
+        </p:style>
+      </p:cxnSp>
+      <p:sp>
+        <p:nvSpPr>
+          <p:cNvPr id="15" name="Flowchart: Process 14"/>
+          <p:cNvSpPr/>
+          <p:nvPr/>
+        </p:nvSpPr>
+        <p:spPr>
+          <a:xfrm>
+            <a:off x="0" y="4931410"/>
+            <a:ext cx="1487805" cy="1159510"/>
+          </a:xfrm>
+          <a:prstGeom prst="flowChartProcess">
+            <a:avLst/>
+          </a:prstGeom>
+        </p:spPr>
+        <p:style>
+          <a:lnRef idx="2">
+            <a:schemeClr val="accent1">
+              <a:shade val="50000"/>
+            </a:schemeClr>
+          </a:lnRef>
+          <a:fillRef idx="1">
+            <a:schemeClr val="accent1"/>
+          </a:fillRef>
+          <a:effectRef idx="0">
+            <a:schemeClr val="accent1"/>
+          </a:effectRef>
+          <a:fontRef idx="minor">
+            <a:schemeClr val="lt1"/>
+          </a:fontRef>
+        </p:style>
+        <p:txBody>
+          <a:bodyPr rtlCol="0" anchor="ctr"/>
+          <a:p>
+            <a:pPr algn="ctr"/>
+            <a:endParaRPr lang="en-US"/>
+          </a:p>
+        </p:txBody>
+      </p:sp>
+      <p:sp>
+        <p:nvSpPr>
+          <p:cNvPr id="16" name="Flowchart: Process 15"/>
+          <p:cNvSpPr/>
+          <p:nvPr/>
+        </p:nvSpPr>
+        <p:spPr>
+          <a:xfrm>
+            <a:off x="7564755" y="1940560"/>
+            <a:ext cx="2166620" cy="757555"/>
+          </a:xfrm>
+          <a:prstGeom prst="flowChartProcess">
+            <a:avLst/>
+          </a:prstGeom>
+        </p:spPr>
+        <p:style>
+          <a:lnRef idx="2">
+            <a:schemeClr val="accent1">
+              <a:shade val="50000"/>
+            </a:schemeClr>
+          </a:lnRef>
+          <a:fillRef idx="1">
+            <a:schemeClr val="accent1"/>
+          </a:fillRef>
+          <a:effectRef idx="0">
+            <a:schemeClr val="accent1"/>
+          </a:effectRef>
+          <a:fontRef idx="minor">
+            <a:schemeClr val="lt1"/>
+          </a:fontRef>
+        </p:style>
+        <p:txBody>
+          <a:bodyPr rtlCol="0" anchor="ctr"/>
+          <a:p>
+            <a:pPr algn="ctr"/>
+            <a:endParaRPr lang="en-US"/>
+          </a:p>
+        </p:txBody>
+      </p:sp>
+      <p:sp>
+        <p:nvSpPr>
+          <p:cNvPr id="18" name="Flowchart: Process 17"/>
+          <p:cNvSpPr/>
+          <p:nvPr/>
+        </p:nvSpPr>
+        <p:spPr>
+          <a:xfrm>
+            <a:off x="9706610" y="4590415"/>
+            <a:ext cx="2166620" cy="757555"/>
+          </a:xfrm>
+          <a:prstGeom prst="flowChartProcess">
+            <a:avLst/>
+          </a:prstGeom>
+        </p:spPr>
+        <p:style>
+          <a:lnRef idx="2">
+            <a:schemeClr val="accent1">
+              <a:shade val="50000"/>
+            </a:schemeClr>
+          </a:lnRef>
+          <a:fillRef idx="1">
+            <a:schemeClr val="accent1"/>
+          </a:fillRef>
+          <a:effectRef idx="0">
+            <a:schemeClr val="accent1"/>
+          </a:effectRef>
+          <a:fontRef idx="minor">
+            <a:schemeClr val="lt1"/>
+          </a:fontRef>
+        </p:style>
+        <p:txBody>
+          <a:bodyPr rtlCol="0" anchor="ctr"/>
+          <a:p>
+            <a:pPr algn="ctr"/>
+            <a:endParaRPr lang="en-US"/>
+          </a:p>
+        </p:txBody>
+      </p:sp>
+      <p:cxnSp>
+        <p:nvCxnSpPr>
+          <p:cNvPr id="21" name="Elbow Connector 20"/>
+          <p:cNvCxnSpPr>
+            <a:stCxn id="11" idx="3"/>
+            <a:endCxn id="16" idx="2"/>
+          </p:cNvCxnSpPr>
+          <p:nvPr/>
+        </p:nvCxnSpPr>
+        <p:spPr>
+          <a:xfrm flipV="1">
+            <a:off x="6881495" y="2698115"/>
+            <a:ext cx="1766570" cy="2872740"/>
+          </a:xfrm>
+          <a:prstGeom prst="bentConnector2">
+            <a:avLst/>
+          </a:prstGeom>
+          <a:ln>
+            <a:tailEnd type="arrow"/>
+          </a:ln>
+        </p:spPr>
+        <p:style>
+          <a:lnRef idx="1">
+            <a:schemeClr val="accent1"/>
+          </a:lnRef>
+          <a:fillRef idx="0">
+            <a:schemeClr val="accent1"/>
+          </a:fillRef>
+          <a:effectRef idx="0">
+            <a:schemeClr val="accent1"/>
+          </a:effectRef>
+          <a:fontRef idx="minor">
+            <a:schemeClr val="tx1"/>
+          </a:fontRef>
+        </p:style>
+      </p:cxnSp>
+      <p:cxnSp>
+        <p:nvCxnSpPr>
+          <p:cNvPr id="22" name="Straight Arrow Connector 21"/>
+          <p:cNvCxnSpPr>
+            <a:stCxn id="9" idx="3"/>
+          </p:cNvCxnSpPr>
+          <p:nvPr/>
+        </p:nvCxnSpPr>
+        <p:spPr>
+          <a:xfrm flipV="1">
+            <a:off x="6768465" y="3853180"/>
+            <a:ext cx="1875790" cy="24130"/>
+          </a:xfrm>
+          <a:prstGeom prst="straightConnector1">
+            <a:avLst/>
+          </a:prstGeom>
+          <a:ln>
+            <a:tailEnd type="arrow"/>
+          </a:ln>
+        </p:spPr>
+        <p:style>
+          <a:lnRef idx="1">
+            <a:schemeClr val="accent1"/>
+          </a:lnRef>
+          <a:fillRef idx="0">
+            <a:schemeClr val="accent1"/>
+          </a:fillRef>
+          <a:effectRef idx="0">
+            <a:schemeClr val="accent1"/>
+          </a:effectRef>
+          <a:fontRef idx="minor">
+            <a:schemeClr val="tx1"/>
+          </a:fontRef>
+        </p:style>
+      </p:cxnSp>
+      <p:cxnSp>
+        <p:nvCxnSpPr>
+          <p:cNvPr id="23" name="Straight Arrow Connector 22"/>
+          <p:cNvCxnSpPr>
+            <a:endCxn id="16" idx="1"/>
+          </p:cNvCxnSpPr>
+          <p:nvPr/>
+        </p:nvCxnSpPr>
+        <p:spPr>
+          <a:xfrm flipV="1">
+            <a:off x="6896100" y="2319655"/>
+            <a:ext cx="668655" cy="26035"/>
+          </a:xfrm>
+          <a:prstGeom prst="straightConnector1">
+            <a:avLst/>
+          </a:prstGeom>
+          <a:ln>
+            <a:tailEnd type="arrow"/>
+          </a:ln>
+        </p:spPr>
+        <p:style>
+          <a:lnRef idx="1">
+            <a:schemeClr val="accent1"/>
+          </a:lnRef>
+          <a:fillRef idx="0">
+            <a:schemeClr val="accent1"/>
+          </a:fillRef>
+          <a:effectRef idx="0">
+            <a:schemeClr val="accent1"/>
+          </a:effectRef>
+          <a:fontRef idx="minor">
+            <a:schemeClr val="tx1"/>
+          </a:fontRef>
+        </p:style>
+      </p:cxnSp>
+      <p:cxnSp>
+        <p:nvCxnSpPr>
+          <p:cNvPr id="26" name="Elbow Connector 25"/>
+          <p:cNvCxnSpPr/>
+          <p:nvPr/>
+        </p:nvCxnSpPr>
+        <p:spPr>
+          <a:xfrm>
+            <a:off x="9731375" y="2293620"/>
+            <a:ext cx="1074420" cy="2270760"/>
+          </a:xfrm>
+          <a:prstGeom prst="bentConnector2">
+            <a:avLst/>
+          </a:prstGeom>
+          <a:ln>
+            <a:tailEnd type="arrow"/>
+          </a:ln>
+        </p:spPr>
+        <p:style>
+          <a:lnRef idx="1">
+            <a:schemeClr val="accent1"/>
+          </a:lnRef>
+          <a:fillRef idx="0">
+            <a:schemeClr val="accent1"/>
+          </a:fillRef>
+          <a:effectRef idx="0">
+            <a:schemeClr val="accent1"/>
+          </a:effectRef>
+          <a:fontRef idx="minor">
+            <a:schemeClr val="tx1"/>
+          </a:fontRef>
+        </p:style>
+      </p:cxnSp>
+      <p:cxnSp>
+        <p:nvCxnSpPr>
+          <p:cNvPr id="27" name="Straight Arrow Connector 26"/>
+          <p:cNvCxnSpPr/>
+          <p:nvPr/>
+        </p:nvCxnSpPr>
+        <p:spPr>
+          <a:xfrm>
+            <a:off x="10789920" y="5347970"/>
+            <a:ext cx="0" cy="626745"/>
+          </a:xfrm>
+          <a:prstGeom prst="straightConnector1">
+            <a:avLst/>
+          </a:prstGeom>
+          <a:ln>
+            <a:tailEnd type="arrow"/>
+          </a:ln>
+        </p:spPr>
+        <p:style>
+          <a:lnRef idx="1">
+            <a:schemeClr val="accent1"/>
+          </a:lnRef>
+          <a:fillRef idx="0">
+            <a:schemeClr val="accent1"/>
+          </a:fillRef>
+          <a:effectRef idx="0">
+            <a:schemeClr val="accent1"/>
+          </a:effectRef>
+          <a:fontRef idx="minor">
+            <a:schemeClr val="tx1"/>
+          </a:fontRef>
+        </p:style>
+      </p:cxnSp>
+      <p:sp>
+        <p:nvSpPr>
+          <p:cNvPr id="28" name="Flowchart: Terminator 27"/>
+          <p:cNvSpPr/>
+          <p:nvPr/>
+        </p:nvSpPr>
+        <p:spPr>
+          <a:xfrm>
+            <a:off x="8976360" y="5974715"/>
+            <a:ext cx="2896870" cy="808990"/>
+          </a:xfrm>
+          <a:prstGeom prst="flowChartTerminator">
+            <a:avLst/>
+          </a:prstGeom>
+        </p:spPr>
+        <p:style>
+          <a:lnRef idx="2">
+            <a:schemeClr val="accent1">
+              <a:shade val="50000"/>
+            </a:schemeClr>
+          </a:lnRef>
+          <a:fillRef idx="1">
+            <a:schemeClr val="accent1"/>
+          </a:fillRef>
+          <a:effectRef idx="0">
+            <a:schemeClr val="accent1"/>
+          </a:effectRef>
+          <a:fontRef idx="minor">
+            <a:schemeClr val="lt1"/>
+          </a:fontRef>
+        </p:style>
+        <p:txBody>
+          <a:bodyPr rtlCol="0" anchor="ctr"/>
+          <a:p>
+            <a:pPr algn="ctr"/>
+            <a:endParaRPr lang="en-US"/>
+          </a:p>
+        </p:txBody>
+      </p:sp>
+      <p:cxnSp>
+        <p:nvCxnSpPr>
+          <p:cNvPr id="29" name="Elbow Connector 28"/>
+          <p:cNvCxnSpPr>
+            <a:stCxn id="15" idx="2"/>
+            <a:endCxn id="28" idx="1"/>
+          </p:cNvCxnSpPr>
+          <p:nvPr/>
+        </p:nvCxnSpPr>
+        <p:spPr>
+          <a:xfrm rot="5400000" flipV="1">
+            <a:off x="4716145" y="2118995"/>
+            <a:ext cx="288290" cy="8232140"/>
+          </a:xfrm>
+          <a:prstGeom prst="bentConnector2">
+            <a:avLst/>
+          </a:prstGeom>
+          <a:ln>
+            <a:tailEnd type="arrow"/>
+          </a:ln>
+        </p:spPr>
+        <p:style>
+          <a:lnRef idx="1">
+            <a:schemeClr val="accent1"/>
+          </a:lnRef>
+          <a:fillRef idx="0">
+            <a:schemeClr val="accent1"/>
+          </a:fillRef>
+          <a:effectRef idx="0">
+            <a:schemeClr val="accent1"/>
+          </a:effectRef>
+          <a:fontRef idx="minor">
+            <a:schemeClr val="tx1"/>
+          </a:fontRef>
+        </p:style>
+      </p:cxnSp>
+      <p:sp>
+        <p:nvSpPr>
+          <p:cNvPr id="31" name="Text Box 30"/>
+          <p:cNvSpPr txBox="1"/>
+          <p:nvPr/>
+        </p:nvSpPr>
+        <p:spPr>
+          <a:xfrm>
+            <a:off x="4876800" y="376555"/>
+            <a:ext cx="1847215" cy="645160"/>
+          </a:xfrm>
+          <a:prstGeom prst="rect">
+            <a:avLst/>
+          </a:prstGeom>
+          <a:noFill/>
+        </p:spPr>
+        <p:txBody>
+          <a:bodyPr wrap="square" rtlCol="0">
+            <a:spAutoFit/>
+          </a:bodyPr>
+          <a:p>
+            <a:r>
+              <a:rPr lang="en-GB" altLang="en-US"/>
+              <a:t>Start quality_check</a:t>
+            </a:r>
+            <a:endParaRPr lang="en-GB" altLang="en-US"/>
+          </a:p>
+        </p:txBody>
+      </p:sp>
+      <p:sp>
+        <p:nvSpPr>
+          <p:cNvPr id="34" name="Text Box 33"/>
+          <p:cNvSpPr txBox="1"/>
+          <p:nvPr/>
+        </p:nvSpPr>
+        <p:spPr>
+          <a:xfrm>
+            <a:off x="5351780" y="2152650"/>
+            <a:ext cx="923925" cy="368300"/>
+          </a:xfrm>
+          <a:prstGeom prst="rect">
+            <a:avLst/>
+          </a:prstGeom>
+          <a:noFill/>
+        </p:spPr>
+        <p:txBody>
+          <a:bodyPr wrap="square" rtlCol="0">
+            <a:spAutoFit/>
+          </a:bodyPr>
+          <a:p>
+            <a:r>
+              <a:rPr lang="en-GB" altLang="en-US"/>
+              <a:t>if e==y</a:t>
+            </a:r>
+            <a:endParaRPr lang="en-GB" altLang="en-US"/>
+          </a:p>
+        </p:txBody>
+      </p:sp>
+      <p:sp>
+        <p:nvSpPr>
+          <p:cNvPr id="35" name="Text Box 34"/>
+          <p:cNvSpPr txBox="1"/>
+          <p:nvPr/>
+        </p:nvSpPr>
+        <p:spPr>
+          <a:xfrm>
+            <a:off x="6929755" y="2049780"/>
+            <a:ext cx="626110" cy="368300"/>
+          </a:xfrm>
+          <a:prstGeom prst="rect">
+            <a:avLst/>
+          </a:prstGeom>
+          <a:noFill/>
+        </p:spPr>
+        <p:txBody>
+          <a:bodyPr wrap="square" rtlCol="0">
+            <a:spAutoFit/>
+          </a:bodyPr>
+          <a:p>
+            <a:r>
+              <a:rPr lang="en-GB" altLang="en-US"/>
+              <a:t>true</a:t>
+            </a:r>
+            <a:endParaRPr lang="en-GB" altLang="en-US"/>
+          </a:p>
+        </p:txBody>
+      </p:sp>
+      <p:sp>
+        <p:nvSpPr>
+          <p:cNvPr id="37" name="Text Box 36"/>
+          <p:cNvSpPr txBox="1"/>
+          <p:nvPr/>
+        </p:nvSpPr>
+        <p:spPr>
+          <a:xfrm>
+            <a:off x="7764780" y="2199005"/>
+            <a:ext cx="1788160" cy="368300"/>
+          </a:xfrm>
+          <a:prstGeom prst="rect">
+            <a:avLst/>
+          </a:prstGeom>
+          <a:noFill/>
+        </p:spPr>
+        <p:txBody>
+          <a:bodyPr wrap="square" rtlCol="0">
+            <a:spAutoFit/>
+          </a:bodyPr>
+          <a:p>
+            <a:r>
+              <a:rPr lang="en-GB" altLang="en-US"/>
+              <a:t>return True</a:t>
+            </a:r>
+            <a:endParaRPr lang="en-GB" altLang="en-US"/>
+          </a:p>
+        </p:txBody>
+      </p:sp>
+      <p:sp>
+        <p:nvSpPr>
+          <p:cNvPr id="38" name="Text Box 37"/>
+          <p:cNvSpPr txBox="1"/>
+          <p:nvPr/>
+        </p:nvSpPr>
+        <p:spPr>
+          <a:xfrm>
+            <a:off x="9830435" y="4590415"/>
+            <a:ext cx="1918970" cy="583565"/>
+          </a:xfrm>
+          <a:prstGeom prst="rect">
+            <a:avLst/>
+          </a:prstGeom>
+          <a:noFill/>
+        </p:spPr>
+        <p:txBody>
+          <a:bodyPr wrap="square" rtlCol="0">
+            <a:spAutoFit/>
+          </a:bodyPr>
+          <a:p>
+            <a:r>
+              <a:rPr lang="en-GB" altLang="en-US" sz="1600"/>
+              <a:t>print (quality_check(2,2))</a:t>
+            </a:r>
+            <a:endParaRPr lang="en-GB" altLang="en-US" sz="1600"/>
+          </a:p>
+        </p:txBody>
+      </p:sp>
+      <p:sp>
+        <p:nvSpPr>
+          <p:cNvPr id="39" name="Text Box 38"/>
+          <p:cNvSpPr txBox="1"/>
+          <p:nvPr/>
+        </p:nvSpPr>
+        <p:spPr>
+          <a:xfrm>
+            <a:off x="10043795" y="6195060"/>
+            <a:ext cx="1461770" cy="368300"/>
+          </a:xfrm>
+          <a:prstGeom prst="rect">
+            <a:avLst/>
+          </a:prstGeom>
+          <a:noFill/>
+        </p:spPr>
+        <p:txBody>
+          <a:bodyPr wrap="square" rtlCol="0">
+            <a:spAutoFit/>
+          </a:bodyPr>
+          <a:p>
+            <a:r>
+              <a:rPr lang="en-GB" altLang="en-US"/>
+              <a:t>END</a:t>
+            </a:r>
+            <a:endParaRPr lang="en-GB" altLang="en-US"/>
+          </a:p>
+        </p:txBody>
+      </p:sp>
+      <p:sp>
+        <p:nvSpPr>
+          <p:cNvPr id="40" name="Text Box 39"/>
+          <p:cNvSpPr txBox="1"/>
+          <p:nvPr/>
+        </p:nvSpPr>
+        <p:spPr>
+          <a:xfrm>
+            <a:off x="5237480" y="3742690"/>
+            <a:ext cx="1781175" cy="275590"/>
+          </a:xfrm>
+          <a:prstGeom prst="rect">
+            <a:avLst/>
+          </a:prstGeom>
+          <a:noFill/>
+        </p:spPr>
+        <p:txBody>
+          <a:bodyPr wrap="square" rtlCol="0">
+            <a:spAutoFit/>
+          </a:bodyPr>
+          <a:p>
+            <a:r>
+              <a:rPr lang="en-GB" altLang="en-US" sz="1200"/>
+              <a:t>elif (e + y) ==9</a:t>
+            </a:r>
+            <a:endParaRPr lang="en-GB" altLang="en-US" sz="1200"/>
+          </a:p>
+        </p:txBody>
+      </p:sp>
+      <p:sp>
+        <p:nvSpPr>
+          <p:cNvPr id="42" name="Text Box 41"/>
+          <p:cNvSpPr txBox="1"/>
+          <p:nvPr/>
+        </p:nvSpPr>
+        <p:spPr>
+          <a:xfrm>
+            <a:off x="5269230" y="5433060"/>
+            <a:ext cx="1222375" cy="306705"/>
+          </a:xfrm>
+          <a:prstGeom prst="rect">
+            <a:avLst/>
+          </a:prstGeom>
+          <a:noFill/>
+        </p:spPr>
+        <p:txBody>
+          <a:bodyPr wrap="square" rtlCol="0">
+            <a:spAutoFit/>
+          </a:bodyPr>
+          <a:p>
+            <a:r>
+              <a:rPr lang="en-GB" altLang="en-US" sz="1400"/>
+              <a:t>elif (e - y) ==9</a:t>
+            </a:r>
+            <a:endParaRPr lang="en-GB" altLang="en-US" sz="1400"/>
+          </a:p>
+        </p:txBody>
+      </p:sp>
+      <p:sp>
+        <p:nvSpPr>
+          <p:cNvPr id="43" name="Text Box 42"/>
+          <p:cNvSpPr txBox="1"/>
+          <p:nvPr/>
+        </p:nvSpPr>
+        <p:spPr>
+          <a:xfrm>
+            <a:off x="2860040" y="5327015"/>
+            <a:ext cx="745490" cy="368300"/>
+          </a:xfrm>
+          <a:prstGeom prst="rect">
+            <a:avLst/>
+          </a:prstGeom>
+          <a:noFill/>
+        </p:spPr>
+        <p:txBody>
+          <a:bodyPr wrap="square" rtlCol="0">
+            <a:spAutoFit/>
+          </a:bodyPr>
+          <a:p>
+            <a:r>
+              <a:rPr lang="en-GB" altLang="en-US"/>
+              <a:t>else:</a:t>
+            </a:r>
+            <a:endParaRPr lang="en-GB" altLang="en-US"/>
+          </a:p>
+        </p:txBody>
+      </p:sp>
+      <p:sp>
+        <p:nvSpPr>
+          <p:cNvPr id="44" name="Text Box 43"/>
+          <p:cNvSpPr txBox="1"/>
+          <p:nvPr/>
+        </p:nvSpPr>
+        <p:spPr>
+          <a:xfrm>
+            <a:off x="154940" y="5188585"/>
+            <a:ext cx="1177290" cy="645160"/>
+          </a:xfrm>
+          <a:prstGeom prst="rect">
+            <a:avLst/>
+          </a:prstGeom>
+          <a:noFill/>
+        </p:spPr>
+        <p:txBody>
+          <a:bodyPr wrap="square" rtlCol="0">
+            <a:spAutoFit/>
+          </a:bodyPr>
+          <a:p>
+            <a:r>
+              <a:rPr lang="en-GB" altLang="en-US"/>
+              <a:t>return</a:t>
+            </a:r>
+            <a:endParaRPr lang="en-GB" altLang="en-US"/>
+          </a:p>
+          <a:p>
+            <a:r>
+              <a:rPr lang="en-GB" altLang="en-US"/>
+              <a:t>False</a:t>
+            </a:r>
+            <a:endParaRPr lang="en-GB" altLang="en-US"/>
+          </a:p>
+        </p:txBody>
+      </p:sp>
+      <p:sp>
+        <p:nvSpPr>
+          <p:cNvPr id="45" name="Text Box 44"/>
+          <p:cNvSpPr txBox="1"/>
+          <p:nvPr/>
+        </p:nvSpPr>
+        <p:spPr>
+          <a:xfrm>
+            <a:off x="7132320" y="3495675"/>
+            <a:ext cx="939165" cy="368300"/>
+          </a:xfrm>
+          <a:prstGeom prst="rect">
+            <a:avLst/>
+          </a:prstGeom>
+          <a:noFill/>
+        </p:spPr>
+        <p:txBody>
+          <a:bodyPr wrap="square" rtlCol="0">
+            <a:spAutoFit/>
+          </a:bodyPr>
+          <a:p>
+            <a:r>
+              <a:rPr lang="en-GB" altLang="en-US"/>
+              <a:t>true</a:t>
+            </a:r>
+            <a:endParaRPr lang="en-GB" altLang="en-US"/>
+          </a:p>
+        </p:txBody>
+      </p:sp>
+      <p:sp>
+        <p:nvSpPr>
+          <p:cNvPr id="46" name="Text Box 45"/>
+          <p:cNvSpPr txBox="1"/>
+          <p:nvPr/>
+        </p:nvSpPr>
+        <p:spPr>
+          <a:xfrm>
+            <a:off x="7177405" y="5173980"/>
+            <a:ext cx="1057910" cy="368300"/>
+          </a:xfrm>
+          <a:prstGeom prst="rect">
+            <a:avLst/>
+          </a:prstGeom>
+          <a:noFill/>
+        </p:spPr>
+        <p:txBody>
+          <a:bodyPr wrap="square" rtlCol="0">
+            <a:spAutoFit/>
+          </a:bodyPr>
+          <a:p>
+            <a:r>
+              <a:rPr lang="en-GB" altLang="en-US"/>
+              <a:t>true</a:t>
+            </a:r>
+            <a:endParaRPr lang="en-GB" altLang="en-US"/>
+          </a:p>
+        </p:txBody>
+      </p:sp>
+    </p:spTree>
+  </p:cSld>
+  <p:clrMapOvr>
+    <a:masterClrMapping/>
+  </p:clrMapOvr>
+</p:sld>
+</file>
+
+<file path=ppt/slides/slide5.xml><?xml version="1.0" encoding="utf-8"?>
+<p:sld xmlns:a="http://schemas.openxmlformats.org/drawingml/2006/main" xmlns:r="http://schemas.openxmlformats.org/officeDocument/2006/relationships" xmlns:p="http://schemas.openxmlformats.org/presentationml/2006/main">
+  <p:cSld>
+    <p:spTree>
+      <p:nvGrpSpPr>
+        <p:cNvPr id="1" name=""/>
+        <p:cNvGrpSpPr/>
+        <p:nvPr/>
+      </p:nvGrpSpPr>
+      <p:grpSpPr/>
+      <p:sp>
+        <p:nvSpPr>
+          <p:cNvPr id="2" name="Title 1"/>
+          <p:cNvSpPr>
+            <a:spLocks noGrp="1"/>
+          </p:cNvSpPr>
+          <p:nvPr>
+            <p:ph type="title"/>
+          </p:nvPr>
+        </p:nvSpPr>
+        <p:spPr>
+          <a:xfrm>
+            <a:off x="234315" y="108585"/>
+            <a:ext cx="3921760" cy="965200"/>
+          </a:xfrm>
+        </p:spPr>
+        <p:txBody>
+          <a:bodyPr/>
+          <a:p>
+            <a:r>
+              <a:rPr lang="en-GB" altLang="en-US"/>
+              <a:t>Excercise </a:t>
+            </a:r>
+            <a:r>
+              <a:rPr lang="en-GB" altLang="en-US" b="1"/>
+              <a:t>IV</a:t>
+            </a:r>
+            <a:endParaRPr lang="en-GB" altLang="en-US" b="1"/>
+          </a:p>
+        </p:txBody>
+      </p:sp>
+      <p:sp>
+        <p:nvSpPr>
+          <p:cNvPr id="4" name="Flowchart: Terminator 3"/>
+          <p:cNvSpPr/>
+          <p:nvPr/>
+        </p:nvSpPr>
+        <p:spPr>
+          <a:xfrm>
+            <a:off x="5145405" y="213995"/>
+            <a:ext cx="2187575" cy="754380"/>
+          </a:xfrm>
+          <a:prstGeom prst="flowChartTerminator">
+            <a:avLst/>
+          </a:prstGeom>
+        </p:spPr>
+        <p:style>
+          <a:lnRef idx="2">
+            <a:schemeClr val="accent1">
+              <a:shade val="50000"/>
+            </a:schemeClr>
+          </a:lnRef>
+          <a:fillRef idx="1">
+            <a:schemeClr val="accent1"/>
+          </a:fillRef>
+          <a:effectRef idx="0">
+            <a:schemeClr val="accent1"/>
+          </a:effectRef>
+          <a:fontRef idx="minor">
+            <a:schemeClr val="lt1"/>
+          </a:fontRef>
+        </p:style>
+        <p:txBody>
+          <a:bodyPr rtlCol="0" anchor="ctr"/>
+          <a:p>
+            <a:pPr algn="ctr"/>
+            <a:endParaRPr lang="en-US"/>
+          </a:p>
+        </p:txBody>
+      </p:sp>
+      <p:cxnSp>
+        <p:nvCxnSpPr>
+          <p:cNvPr id="5" name="Straight Arrow Connector 4"/>
+          <p:cNvCxnSpPr>
+            <a:stCxn id="4" idx="2"/>
+          </p:cNvCxnSpPr>
+          <p:nvPr/>
+        </p:nvCxnSpPr>
+        <p:spPr>
+          <a:xfrm flipH="1">
+            <a:off x="6231255" y="968375"/>
+            <a:ext cx="8255" cy="309880"/>
+          </a:xfrm>
+          <a:prstGeom prst="straightConnector1">
+            <a:avLst/>
+          </a:prstGeom>
+          <a:ln>
+            <a:tailEnd type="arrow"/>
+          </a:ln>
+        </p:spPr>
+        <p:style>
+          <a:lnRef idx="1">
+            <a:schemeClr val="accent1"/>
+          </a:lnRef>
+          <a:fillRef idx="0">
+            <a:schemeClr val="accent1"/>
+          </a:fillRef>
+          <a:effectRef idx="0">
+            <a:schemeClr val="accent1"/>
+          </a:effectRef>
+          <a:fontRef idx="minor">
+            <a:schemeClr val="tx1"/>
+          </a:fontRef>
+        </p:style>
+      </p:cxnSp>
+      <p:sp>
+        <p:nvSpPr>
+          <p:cNvPr id="6" name="Flowchart: Process 5"/>
+          <p:cNvSpPr/>
+          <p:nvPr/>
+        </p:nvSpPr>
+        <p:spPr>
+          <a:xfrm>
+            <a:off x="5160010" y="1278255"/>
+            <a:ext cx="2972435" cy="1010920"/>
+          </a:xfrm>
+          <a:prstGeom prst="flowChartProcess">
+            <a:avLst/>
+          </a:prstGeom>
+        </p:spPr>
+        <p:style>
+          <a:lnRef idx="2">
+            <a:schemeClr val="accent1">
+              <a:shade val="50000"/>
+            </a:schemeClr>
+          </a:lnRef>
+          <a:fillRef idx="1">
+            <a:schemeClr val="accent1"/>
+          </a:fillRef>
+          <a:effectRef idx="0">
+            <a:schemeClr val="accent1"/>
+          </a:effectRef>
+          <a:fontRef idx="minor">
+            <a:schemeClr val="lt1"/>
+          </a:fontRef>
+        </p:style>
+        <p:txBody>
+          <a:bodyPr rtlCol="0" anchor="ctr"/>
+          <a:p>
+            <a:pPr algn="ctr"/>
+            <a:endParaRPr lang="en-GB" altLang="en-US"/>
+          </a:p>
+        </p:txBody>
+      </p:sp>
+      <p:cxnSp>
+        <p:nvCxnSpPr>
+          <p:cNvPr id="7" name="Straight Arrow Connector 6"/>
+          <p:cNvCxnSpPr/>
+          <p:nvPr/>
+        </p:nvCxnSpPr>
+        <p:spPr>
+          <a:xfrm flipH="1">
+            <a:off x="6239510" y="2289175"/>
+            <a:ext cx="15240" cy="391795"/>
+          </a:xfrm>
+          <a:prstGeom prst="straightConnector1">
+            <a:avLst/>
+          </a:prstGeom>
+          <a:ln>
+            <a:tailEnd type="arrow"/>
+          </a:ln>
+        </p:spPr>
+        <p:style>
+          <a:lnRef idx="1">
+            <a:schemeClr val="accent1"/>
+          </a:lnRef>
+          <a:fillRef idx="0">
+            <a:schemeClr val="accent1"/>
+          </a:fillRef>
+          <a:effectRef idx="0">
+            <a:schemeClr val="accent1"/>
+          </a:effectRef>
+          <a:fontRef idx="minor">
+            <a:schemeClr val="tx1"/>
+          </a:fontRef>
+        </p:style>
+      </p:cxnSp>
+      <p:sp>
+        <p:nvSpPr>
+          <p:cNvPr id="8" name="Parallelogram 7"/>
+          <p:cNvSpPr/>
+          <p:nvPr/>
+        </p:nvSpPr>
+        <p:spPr>
+          <a:xfrm>
+            <a:off x="4980305" y="2680970"/>
+            <a:ext cx="3151505" cy="723900"/>
+          </a:xfrm>
+          <a:prstGeom prst="parallelogram">
+            <a:avLst/>
+          </a:prstGeom>
+        </p:spPr>
+        <p:style>
+          <a:lnRef idx="2">
+            <a:schemeClr val="accent1">
+              <a:shade val="50000"/>
+            </a:schemeClr>
+          </a:lnRef>
+          <a:fillRef idx="1">
+            <a:schemeClr val="accent1"/>
+          </a:fillRef>
+          <a:effectRef idx="0">
+            <a:schemeClr val="accent1"/>
+          </a:effectRef>
+          <a:fontRef idx="minor">
+            <a:schemeClr val="lt1"/>
+          </a:fontRef>
+        </p:style>
+        <p:txBody>
+          <a:bodyPr rtlCol="0" anchor="ctr"/>
+          <a:p>
+            <a:pPr algn="ctr"/>
+            <a:endParaRPr lang="en-US"/>
+          </a:p>
+        </p:txBody>
+      </p:sp>
+      <p:cxnSp>
+        <p:nvCxnSpPr>
+          <p:cNvPr id="9" name="Straight Arrow Connector 8"/>
+          <p:cNvCxnSpPr>
+            <a:stCxn id="8" idx="4"/>
+          </p:cNvCxnSpPr>
+          <p:nvPr/>
+        </p:nvCxnSpPr>
+        <p:spPr>
+          <a:xfrm flipH="1">
+            <a:off x="6541135" y="3404870"/>
+            <a:ext cx="15240" cy="589280"/>
+          </a:xfrm>
+          <a:prstGeom prst="straightConnector1">
+            <a:avLst/>
+          </a:prstGeom>
+          <a:ln>
+            <a:tailEnd type="arrow"/>
+          </a:ln>
+        </p:spPr>
+        <p:style>
+          <a:lnRef idx="1">
+            <a:schemeClr val="accent1"/>
+          </a:lnRef>
+          <a:fillRef idx="0">
+            <a:schemeClr val="accent1"/>
+          </a:fillRef>
+          <a:effectRef idx="0">
+            <a:schemeClr val="accent1"/>
+          </a:effectRef>
+          <a:fontRef idx="minor">
+            <a:schemeClr val="tx1"/>
+          </a:fontRef>
+        </p:style>
+      </p:cxnSp>
+      <p:sp>
+        <p:nvSpPr>
+          <p:cNvPr id="10" name="Flowchart: Process 9"/>
+          <p:cNvSpPr/>
+          <p:nvPr/>
+        </p:nvSpPr>
+        <p:spPr>
+          <a:xfrm>
+            <a:off x="4980305" y="3994150"/>
+            <a:ext cx="3151505" cy="755015"/>
+          </a:xfrm>
+          <a:prstGeom prst="flowChartProcess">
+            <a:avLst/>
+          </a:prstGeom>
+        </p:spPr>
+        <p:style>
+          <a:lnRef idx="2">
+            <a:schemeClr val="accent1">
+              <a:shade val="50000"/>
+            </a:schemeClr>
+          </a:lnRef>
+          <a:fillRef idx="1">
+            <a:schemeClr val="accent1"/>
+          </a:fillRef>
+          <a:effectRef idx="0">
+            <a:schemeClr val="accent1"/>
+          </a:effectRef>
+          <a:fontRef idx="minor">
+            <a:schemeClr val="lt1"/>
+          </a:fontRef>
+        </p:style>
+        <p:txBody>
+          <a:bodyPr rtlCol="0" anchor="ctr"/>
+          <a:p>
+            <a:pPr algn="ctr"/>
+            <a:endParaRPr lang="en-US"/>
+          </a:p>
+        </p:txBody>
+      </p:sp>
+      <p:cxnSp>
+        <p:nvCxnSpPr>
+          <p:cNvPr id="11" name="Straight Arrow Connector 10"/>
+          <p:cNvCxnSpPr>
+            <a:stCxn id="10" idx="2"/>
+          </p:cNvCxnSpPr>
+          <p:nvPr/>
+        </p:nvCxnSpPr>
+        <p:spPr>
+          <a:xfrm>
+            <a:off x="6556375" y="4749165"/>
+            <a:ext cx="13970" cy="467360"/>
+          </a:xfrm>
+          <a:prstGeom prst="straightConnector1">
+            <a:avLst/>
+          </a:prstGeom>
+          <a:ln>
+            <a:tailEnd type="arrow"/>
+          </a:ln>
+        </p:spPr>
+        <p:style>
+          <a:lnRef idx="1">
+            <a:schemeClr val="accent1"/>
+          </a:lnRef>
+          <a:fillRef idx="0">
+            <a:schemeClr val="accent1"/>
+          </a:fillRef>
+          <a:effectRef idx="0">
+            <a:schemeClr val="accent1"/>
+          </a:effectRef>
+          <a:fontRef idx="minor">
+            <a:schemeClr val="tx1"/>
+          </a:fontRef>
+        </p:style>
+      </p:cxnSp>
+      <p:sp>
+        <p:nvSpPr>
+          <p:cNvPr id="12" name="Flowchart: Process 11"/>
+          <p:cNvSpPr/>
+          <p:nvPr/>
+        </p:nvSpPr>
+        <p:spPr>
+          <a:xfrm>
+            <a:off x="4919345" y="5216525"/>
+            <a:ext cx="2948940" cy="694055"/>
+          </a:xfrm>
+          <a:prstGeom prst="flowChartProcess">
+            <a:avLst/>
+          </a:prstGeom>
+        </p:spPr>
+        <p:style>
+          <a:lnRef idx="2">
+            <a:schemeClr val="accent1">
+              <a:shade val="50000"/>
+            </a:schemeClr>
+          </a:lnRef>
+          <a:fillRef idx="1">
+            <a:schemeClr val="accent1"/>
+          </a:fillRef>
+          <a:effectRef idx="0">
+            <a:schemeClr val="accent1"/>
+          </a:effectRef>
+          <a:fontRef idx="minor">
+            <a:schemeClr val="lt1"/>
+          </a:fontRef>
+        </p:style>
+        <p:txBody>
+          <a:bodyPr rtlCol="0" anchor="ctr"/>
+          <a:p>
+            <a:pPr algn="ctr"/>
+            <a:endParaRPr lang="en-US"/>
+          </a:p>
+        </p:txBody>
+      </p:sp>
+      <p:cxnSp>
+        <p:nvCxnSpPr>
+          <p:cNvPr id="13" name="Straight Arrow Connector 12"/>
+          <p:cNvCxnSpPr/>
+          <p:nvPr/>
+        </p:nvCxnSpPr>
+        <p:spPr>
+          <a:xfrm flipH="1">
+            <a:off x="6525895" y="5910580"/>
+            <a:ext cx="15240" cy="287020"/>
+          </a:xfrm>
+          <a:prstGeom prst="straightConnector1">
+            <a:avLst/>
+          </a:prstGeom>
+          <a:ln>
+            <a:tailEnd type="arrow"/>
+          </a:ln>
+        </p:spPr>
+        <p:style>
+          <a:lnRef idx="1">
+            <a:schemeClr val="accent1"/>
+          </a:lnRef>
+          <a:fillRef idx="0">
+            <a:schemeClr val="accent1"/>
+          </a:fillRef>
+          <a:effectRef idx="0">
+            <a:schemeClr val="accent1"/>
+          </a:effectRef>
+          <a:fontRef idx="minor">
+            <a:schemeClr val="tx1"/>
+          </a:fontRef>
+        </p:style>
+      </p:cxnSp>
+      <p:sp>
+        <p:nvSpPr>
+          <p:cNvPr id="15" name="Flowchart: Terminator 14"/>
+          <p:cNvSpPr/>
+          <p:nvPr/>
+        </p:nvSpPr>
+        <p:spPr>
+          <a:xfrm>
+            <a:off x="4919345" y="6197600"/>
+            <a:ext cx="2949575" cy="660400"/>
+          </a:xfrm>
+          <a:prstGeom prst="flowChartTerminator">
+            <a:avLst/>
+          </a:prstGeom>
+        </p:spPr>
+        <p:style>
+          <a:lnRef idx="2">
+            <a:schemeClr val="accent1">
+              <a:shade val="50000"/>
+            </a:schemeClr>
+          </a:lnRef>
+          <a:fillRef idx="1">
+            <a:schemeClr val="accent1"/>
+          </a:fillRef>
+          <a:effectRef idx="0">
+            <a:schemeClr val="accent1"/>
+          </a:effectRef>
+          <a:fontRef idx="minor">
+            <a:schemeClr val="lt1"/>
+          </a:fontRef>
+        </p:style>
+        <p:txBody>
+          <a:bodyPr rtlCol="0" anchor="ctr"/>
+          <a:p>
+            <a:pPr algn="ctr"/>
+            <a:endParaRPr lang="en-US"/>
+          </a:p>
+        </p:txBody>
+      </p:sp>
+      <p:sp>
+        <p:nvSpPr>
+          <p:cNvPr id="16" name="Text Box 15"/>
+          <p:cNvSpPr txBox="1"/>
+          <p:nvPr/>
+        </p:nvSpPr>
+        <p:spPr>
+          <a:xfrm>
+            <a:off x="5371465" y="448310"/>
+            <a:ext cx="1825625" cy="368300"/>
+          </a:xfrm>
+          <a:prstGeom prst="rect">
+            <a:avLst/>
+          </a:prstGeom>
+          <a:noFill/>
+        </p:spPr>
+        <p:txBody>
+          <a:bodyPr wrap="square" rtlCol="0">
+            <a:spAutoFit/>
+          </a:bodyPr>
+          <a:p>
+            <a:pPr algn="ctr"/>
+            <a:r>
+              <a:rPr lang="en-GB" altLang="en-US"/>
+              <a:t>Start</a:t>
+            </a:r>
+            <a:endParaRPr lang="en-GB" altLang="en-US"/>
+          </a:p>
+        </p:txBody>
+      </p:sp>
+      <p:sp>
+        <p:nvSpPr>
+          <p:cNvPr id="18" name="Text Box 17"/>
+          <p:cNvSpPr txBox="1"/>
+          <p:nvPr/>
+        </p:nvSpPr>
+        <p:spPr>
+          <a:xfrm>
+            <a:off x="5311140" y="1278255"/>
+            <a:ext cx="2701925" cy="1599565"/>
+          </a:xfrm>
+          <a:prstGeom prst="rect">
+            <a:avLst/>
+          </a:prstGeom>
+          <a:noFill/>
+        </p:spPr>
+        <p:txBody>
+          <a:bodyPr wrap="square" rtlCol="0">
+            <a:spAutoFit/>
+          </a:bodyPr>
+          <a:p>
+            <a:r>
+              <a:rPr lang="en-GB" altLang="en-US" sz="1600"/>
+              <a:t>x= int(input(’input first value’)</a:t>
+            </a:r>
+            <a:endParaRPr lang="en-GB" altLang="en-US" sz="1600"/>
+          </a:p>
+          <a:p>
+            <a:r>
+              <a:rPr lang="en-GB" altLang="en-US" sz="1600"/>
+              <a:t>y=</a:t>
+            </a:r>
+            <a:r>
+              <a:rPr lang="en-GB" altLang="en-US" sz="1600">
+                <a:sym typeface="+mn-ea"/>
+              </a:rPr>
+              <a:t>int(input(’input second value’)</a:t>
+            </a:r>
+            <a:endParaRPr lang="en-GB" altLang="en-US" sz="1600">
+              <a:sym typeface="+mn-ea"/>
+            </a:endParaRPr>
+          </a:p>
+          <a:p>
+            <a:r>
+              <a:rPr lang="en-GB" altLang="en-US" sz="1600">
+                <a:sym typeface="+mn-ea"/>
+              </a:rPr>
+              <a:t>z=int(input(’input third value’)</a:t>
+            </a:r>
+            <a:endParaRPr lang="en-GB" altLang="en-US" sz="1600"/>
+          </a:p>
+          <a:p>
+            <a:endParaRPr lang="en-GB" altLang="en-US" sz="1000"/>
+          </a:p>
+          <a:p>
+            <a:endParaRPr lang="en-GB" altLang="en-US" sz="1200"/>
+          </a:p>
+          <a:p>
+            <a:endParaRPr lang="en-GB" altLang="en-US" sz="1200"/>
+          </a:p>
+        </p:txBody>
+      </p:sp>
+      <p:sp>
+        <p:nvSpPr>
+          <p:cNvPr id="20" name="Text Box 19"/>
+          <p:cNvSpPr txBox="1"/>
+          <p:nvPr/>
+        </p:nvSpPr>
+        <p:spPr>
+          <a:xfrm>
+            <a:off x="5228590" y="2680970"/>
+            <a:ext cx="2639695" cy="737235"/>
+          </a:xfrm>
+          <a:prstGeom prst="rect">
+            <a:avLst/>
+          </a:prstGeom>
+          <a:noFill/>
+        </p:spPr>
+        <p:txBody>
+          <a:bodyPr wrap="square" rtlCol="0">
+            <a:spAutoFit/>
+          </a:bodyPr>
+          <a:p>
+            <a:r>
+              <a:rPr lang="en-GB" altLang="en-US" sz="1400"/>
+              <a:t>input first value </a:t>
+            </a:r>
+            <a:endParaRPr lang="en-GB" altLang="en-US" sz="1400"/>
+          </a:p>
+          <a:p>
+            <a:r>
+              <a:rPr lang="en-GB" altLang="en-US" sz="1400"/>
+              <a:t>input second value </a:t>
+            </a:r>
+            <a:endParaRPr lang="en-GB" altLang="en-US" sz="1400"/>
+          </a:p>
+          <a:p>
+            <a:r>
+              <a:rPr lang="en-GB" altLang="en-US" sz="1400"/>
+              <a:t>input third value</a:t>
+            </a:r>
+            <a:endParaRPr lang="en-GB" altLang="en-US" sz="1400"/>
+          </a:p>
+        </p:txBody>
+      </p:sp>
+      <p:sp>
+        <p:nvSpPr>
+          <p:cNvPr id="21" name="Text Box 20"/>
+          <p:cNvSpPr txBox="1"/>
+          <p:nvPr/>
+        </p:nvSpPr>
+        <p:spPr>
+          <a:xfrm>
+            <a:off x="5160010" y="3994150"/>
+            <a:ext cx="3674745" cy="829945"/>
+          </a:xfrm>
+          <a:prstGeom prst="rect">
+            <a:avLst/>
+          </a:prstGeom>
+          <a:noFill/>
+        </p:spPr>
+        <p:txBody>
+          <a:bodyPr wrap="square" rtlCol="0">
+            <a:spAutoFit/>
+          </a:bodyPr>
+          <a:p>
+            <a:r>
+              <a:rPr lang="en-GB" altLang="en-US" sz="1600"/>
+              <a:t>q= min(x,y,z)</a:t>
+            </a:r>
+            <a:endParaRPr lang="en-GB" altLang="en-US" sz="1600"/>
+          </a:p>
+          <a:p>
+            <a:r>
+              <a:rPr lang="en-GB" altLang="en-US" sz="1600"/>
+              <a:t>r= max(x,y,z)</a:t>
+            </a:r>
+            <a:endParaRPr lang="en-GB" altLang="en-US" sz="1600"/>
+          </a:p>
+          <a:p>
+            <a:r>
+              <a:rPr lang="en-GB" altLang="en-US" sz="1600"/>
+              <a:t>s= (x+y+z) - q -r</a:t>
+            </a:r>
+            <a:endParaRPr lang="en-GB" altLang="en-US" sz="1600"/>
+          </a:p>
+        </p:txBody>
+      </p:sp>
+      <p:sp>
+        <p:nvSpPr>
+          <p:cNvPr id="22" name="Text Box 21"/>
+          <p:cNvSpPr txBox="1"/>
+          <p:nvPr/>
+        </p:nvSpPr>
+        <p:spPr>
+          <a:xfrm>
+            <a:off x="5160010" y="5276850"/>
+            <a:ext cx="2369185" cy="645160"/>
+          </a:xfrm>
+          <a:prstGeom prst="rect">
+            <a:avLst/>
+          </a:prstGeom>
+          <a:noFill/>
+        </p:spPr>
+        <p:txBody>
+          <a:bodyPr wrap="square" rtlCol="0">
+            <a:spAutoFit/>
+          </a:bodyPr>
+          <a:p>
+            <a:r>
+              <a:rPr lang="en-GB" altLang="en-US"/>
+              <a:t>print(‘Numbers in sorted order: ‘ , q,r, s)</a:t>
+            </a:r>
+            <a:endParaRPr lang="en-GB" altLang="en-US"/>
+          </a:p>
+        </p:txBody>
+      </p:sp>
+      <p:sp>
+        <p:nvSpPr>
+          <p:cNvPr id="23" name="Text Box 22"/>
+          <p:cNvSpPr txBox="1"/>
+          <p:nvPr/>
+        </p:nvSpPr>
+        <p:spPr>
+          <a:xfrm>
+            <a:off x="5782310" y="6343650"/>
+            <a:ext cx="1727835" cy="368300"/>
+          </a:xfrm>
+          <a:prstGeom prst="rect">
+            <a:avLst/>
+          </a:prstGeom>
+          <a:noFill/>
+        </p:spPr>
+        <p:txBody>
+          <a:bodyPr wrap="square" rtlCol="0">
+            <a:spAutoFit/>
+          </a:bodyPr>
+          <a:p>
+            <a:r>
+              <a:rPr lang="en-GB" altLang="en-US"/>
+              <a:t>END</a:t>
+            </a:r>
+            <a:endParaRPr lang="en-GB" altLang="en-US"/>
+          </a:p>
+        </p:txBody>
+      </p:sp>
+    </p:spTree>
+  </p:cSld>
+  <p:clrMapOvr>
+    <a:masterClrMapping/>
+  </p:clrMapOvr>
+</p:sld>
+</file>
+
+<file path=ppt/slides/slide6.xml><?xml version="1.0" encoding="utf-8"?>
+<p:sld xmlns:a="http://schemas.openxmlformats.org/drawingml/2006/main" xmlns:r="http://schemas.openxmlformats.org/officeDocument/2006/relationships" xmlns:p="http://schemas.openxmlformats.org/presentationml/2006/main">
+  <p:cSld>
+    <p:spTree>
+      <p:nvGrpSpPr>
+        <p:cNvPr id="1" name=""/>
+        <p:cNvGrpSpPr/>
+        <p:nvPr/>
+      </p:nvGrpSpPr>
+      <p:grpSpPr/>
+      <p:sp>
+        <p:nvSpPr>
+          <p:cNvPr id="2" name="Title 1"/>
+          <p:cNvSpPr>
+            <a:spLocks noGrp="1"/>
+          </p:cNvSpPr>
+          <p:nvPr>
+            <p:ph type="title"/>
+          </p:nvPr>
+        </p:nvSpPr>
+        <p:spPr>
+          <a:xfrm>
+            <a:off x="0" y="0"/>
+            <a:ext cx="5339715" cy="1235075"/>
+          </a:xfrm>
+        </p:spPr>
+        <p:txBody>
+          <a:bodyPr/>
+          <a:p>
+            <a:r>
+              <a:rPr lang="en-GB" altLang="en-US"/>
+              <a:t>Excercise </a:t>
+            </a:r>
+            <a:r>
+              <a:rPr lang="en-GB" altLang="en-US" b="1"/>
+              <a:t>V</a:t>
+            </a:r>
+            <a:endParaRPr lang="en-GB" altLang="en-US" b="1"/>
+          </a:p>
+        </p:txBody>
+      </p:sp>
+      <p:sp>
+        <p:nvSpPr>
+          <p:cNvPr id="4" name="Flowchart: Terminator 3"/>
+          <p:cNvSpPr/>
+          <p:nvPr/>
+        </p:nvSpPr>
+        <p:spPr>
+          <a:xfrm>
+            <a:off x="5339715" y="0"/>
+            <a:ext cx="1554480" cy="558165"/>
+          </a:xfrm>
+          <a:prstGeom prst="flowChartTerminator">
+            <a:avLst/>
+          </a:prstGeom>
+        </p:spPr>
+        <p:style>
+          <a:lnRef idx="2">
+            <a:schemeClr val="accent1">
+              <a:shade val="50000"/>
+            </a:schemeClr>
+          </a:lnRef>
+          <a:fillRef idx="1">
+            <a:schemeClr val="accent1"/>
+          </a:fillRef>
+          <a:effectRef idx="0">
+            <a:schemeClr val="accent1"/>
+          </a:effectRef>
+          <a:fontRef idx="minor">
+            <a:schemeClr val="lt1"/>
+          </a:fontRef>
+        </p:style>
+        <p:txBody>
+          <a:bodyPr rtlCol="0" anchor="ctr"/>
+          <a:p>
+            <a:pPr algn="ctr"/>
+            <a:endParaRPr lang="en-US"/>
+          </a:p>
+        </p:txBody>
+      </p:sp>
+      <p:cxnSp>
+        <p:nvCxnSpPr>
+          <p:cNvPr id="5" name="Straight Arrow Connector 4"/>
+          <p:cNvCxnSpPr>
+            <a:stCxn id="4" idx="2"/>
+          </p:cNvCxnSpPr>
+          <p:nvPr/>
+        </p:nvCxnSpPr>
+        <p:spPr>
+          <a:xfrm>
+            <a:off x="6116955" y="558165"/>
+            <a:ext cx="8890" cy="279400"/>
+          </a:xfrm>
+          <a:prstGeom prst="straightConnector1">
+            <a:avLst/>
+          </a:prstGeom>
+          <a:ln>
+            <a:tailEnd type="arrow"/>
+          </a:ln>
+        </p:spPr>
+        <p:style>
+          <a:lnRef idx="1">
+            <a:schemeClr val="accent1"/>
+          </a:lnRef>
+          <a:fillRef idx="0">
+            <a:schemeClr val="accent1"/>
+          </a:fillRef>
+          <a:effectRef idx="0">
+            <a:schemeClr val="accent1"/>
+          </a:effectRef>
+          <a:fontRef idx="minor">
+            <a:schemeClr val="tx1"/>
+          </a:fontRef>
+        </p:style>
+      </p:cxnSp>
+      <p:sp>
+        <p:nvSpPr>
+          <p:cNvPr id="6" name="Flowchart: Process 5"/>
+          <p:cNvSpPr/>
+          <p:nvPr/>
+        </p:nvSpPr>
+        <p:spPr>
+          <a:xfrm>
+            <a:off x="5339080" y="837565"/>
+            <a:ext cx="1555115" cy="558165"/>
+          </a:xfrm>
+          <a:prstGeom prst="flowChartProcess">
+            <a:avLst/>
+          </a:prstGeom>
+        </p:spPr>
+        <p:style>
+          <a:lnRef idx="2">
+            <a:schemeClr val="accent1">
+              <a:shade val="50000"/>
+            </a:schemeClr>
+          </a:lnRef>
+          <a:fillRef idx="1">
+            <a:schemeClr val="accent1"/>
+          </a:fillRef>
+          <a:effectRef idx="0">
+            <a:schemeClr val="accent1"/>
+          </a:effectRef>
+          <a:fontRef idx="minor">
+            <a:schemeClr val="lt1"/>
+          </a:fontRef>
+        </p:style>
+        <p:txBody>
+          <a:bodyPr rtlCol="0" anchor="ctr"/>
+          <a:p>
+            <a:pPr algn="ctr"/>
+            <a:endParaRPr lang="en-US"/>
+          </a:p>
+        </p:txBody>
+      </p:sp>
+      <p:cxnSp>
+        <p:nvCxnSpPr>
+          <p:cNvPr id="7" name="Straight Arrow Connector 6"/>
+          <p:cNvCxnSpPr>
+            <a:stCxn id="6" idx="2"/>
+          </p:cNvCxnSpPr>
+          <p:nvPr/>
+        </p:nvCxnSpPr>
+        <p:spPr>
+          <a:xfrm>
+            <a:off x="6116955" y="1395730"/>
+            <a:ext cx="8890" cy="347345"/>
+          </a:xfrm>
+          <a:prstGeom prst="straightConnector1">
+            <a:avLst/>
+          </a:prstGeom>
+          <a:ln>
+            <a:tailEnd type="arrow"/>
+          </a:ln>
+        </p:spPr>
+        <p:style>
+          <a:lnRef idx="1">
+            <a:schemeClr val="accent1"/>
+          </a:lnRef>
+          <a:fillRef idx="0">
+            <a:schemeClr val="accent1"/>
+          </a:fillRef>
+          <a:effectRef idx="0">
+            <a:schemeClr val="accent1"/>
+          </a:effectRef>
+          <a:fontRef idx="minor">
+            <a:schemeClr val="tx1"/>
+          </a:fontRef>
+        </p:style>
+      </p:cxnSp>
+      <p:sp>
+        <p:nvSpPr>
+          <p:cNvPr id="8" name="Flowchart: Data 7"/>
+          <p:cNvSpPr/>
+          <p:nvPr/>
+        </p:nvSpPr>
+        <p:spPr>
+          <a:xfrm>
+            <a:off x="5158740" y="1743075"/>
+            <a:ext cx="1736090" cy="663575"/>
+          </a:xfrm>
+          <a:prstGeom prst="flowChartInputOutput">
+            <a:avLst/>
+          </a:prstGeom>
+        </p:spPr>
+        <p:style>
+          <a:lnRef idx="2">
+            <a:schemeClr val="accent1">
+              <a:shade val="50000"/>
+            </a:schemeClr>
+          </a:lnRef>
+          <a:fillRef idx="1">
+            <a:schemeClr val="accent1"/>
+          </a:fillRef>
+          <a:effectRef idx="0">
+            <a:schemeClr val="accent1"/>
+          </a:effectRef>
+          <a:fontRef idx="minor">
+            <a:schemeClr val="lt1"/>
+          </a:fontRef>
+        </p:style>
+        <p:txBody>
+          <a:bodyPr rtlCol="0" anchor="ctr"/>
+          <a:p>
+            <a:pPr algn="ctr"/>
+            <a:endParaRPr lang="en-US"/>
+          </a:p>
+        </p:txBody>
+      </p:sp>
+      <p:cxnSp>
+        <p:nvCxnSpPr>
+          <p:cNvPr id="9" name="Straight Arrow Connector 8"/>
+          <p:cNvCxnSpPr>
+            <a:stCxn id="8" idx="4"/>
+          </p:cNvCxnSpPr>
+          <p:nvPr/>
+        </p:nvCxnSpPr>
+        <p:spPr>
+          <a:xfrm>
+            <a:off x="6026785" y="2406650"/>
+            <a:ext cx="8255" cy="498475"/>
+          </a:xfrm>
+          <a:prstGeom prst="straightConnector1">
+            <a:avLst/>
+          </a:prstGeom>
+          <a:ln>
+            <a:tailEnd type="arrow"/>
+          </a:ln>
+        </p:spPr>
+        <p:style>
+          <a:lnRef idx="1">
+            <a:schemeClr val="accent1"/>
+          </a:lnRef>
+          <a:fillRef idx="0">
+            <a:schemeClr val="accent1"/>
+          </a:fillRef>
+          <a:effectRef idx="0">
+            <a:schemeClr val="accent1"/>
+          </a:effectRef>
+          <a:fontRef idx="minor">
+            <a:schemeClr val="tx1"/>
+          </a:fontRef>
+        </p:style>
+      </p:cxnSp>
+      <p:sp>
+        <p:nvSpPr>
+          <p:cNvPr id="10" name="Flowchart: Process 9"/>
+          <p:cNvSpPr/>
+          <p:nvPr/>
+        </p:nvSpPr>
+        <p:spPr>
+          <a:xfrm>
+            <a:off x="4813300" y="2905125"/>
+            <a:ext cx="2322830" cy="1282700"/>
+          </a:xfrm>
+          <a:prstGeom prst="flowChartProcess">
+            <a:avLst/>
+          </a:prstGeom>
+        </p:spPr>
+        <p:style>
+          <a:lnRef idx="2">
+            <a:schemeClr val="accent1">
+              <a:shade val="50000"/>
+            </a:schemeClr>
+          </a:lnRef>
+          <a:fillRef idx="1">
+            <a:schemeClr val="accent1"/>
+          </a:fillRef>
+          <a:effectRef idx="0">
+            <a:schemeClr val="accent1"/>
+          </a:effectRef>
+          <a:fontRef idx="minor">
+            <a:schemeClr val="lt1"/>
+          </a:fontRef>
+        </p:style>
+        <p:txBody>
+          <a:bodyPr rtlCol="0" anchor="ctr"/>
+          <a:p>
+            <a:pPr algn="ctr"/>
+            <a:endParaRPr lang="en-US"/>
+          </a:p>
+        </p:txBody>
+      </p:sp>
+      <p:cxnSp>
+        <p:nvCxnSpPr>
+          <p:cNvPr id="11" name="Straight Arrow Connector 10"/>
+          <p:cNvCxnSpPr>
+            <a:stCxn id="10" idx="2"/>
+          </p:cNvCxnSpPr>
+          <p:nvPr/>
+        </p:nvCxnSpPr>
+        <p:spPr>
+          <a:xfrm flipH="1">
+            <a:off x="5959475" y="4187825"/>
+            <a:ext cx="15240" cy="527685"/>
+          </a:xfrm>
+          <a:prstGeom prst="straightConnector1">
+            <a:avLst/>
+          </a:prstGeom>
+          <a:ln>
+            <a:tailEnd type="arrow"/>
+          </a:ln>
+        </p:spPr>
+        <p:style>
+          <a:lnRef idx="1">
+            <a:schemeClr val="accent1"/>
+          </a:lnRef>
+          <a:fillRef idx="0">
+            <a:schemeClr val="accent1"/>
+          </a:fillRef>
+          <a:effectRef idx="0">
+            <a:schemeClr val="accent1"/>
+          </a:effectRef>
+          <a:fontRef idx="minor">
+            <a:schemeClr val="tx1"/>
+          </a:fontRef>
+        </p:style>
+      </p:cxnSp>
+      <p:sp>
+        <p:nvSpPr>
+          <p:cNvPr id="12" name="Flowchart: Process 11"/>
+          <p:cNvSpPr/>
+          <p:nvPr/>
+        </p:nvSpPr>
+        <p:spPr>
+          <a:xfrm>
+            <a:off x="4857115" y="4715510"/>
+            <a:ext cx="2338705" cy="920115"/>
+          </a:xfrm>
+          <a:prstGeom prst="flowChartProcess">
+            <a:avLst/>
+          </a:prstGeom>
+        </p:spPr>
+        <p:style>
+          <a:lnRef idx="2">
+            <a:schemeClr val="accent1">
+              <a:shade val="50000"/>
+            </a:schemeClr>
+          </a:lnRef>
+          <a:fillRef idx="1">
+            <a:schemeClr val="accent1"/>
+          </a:fillRef>
+          <a:effectRef idx="0">
+            <a:schemeClr val="accent1"/>
+          </a:effectRef>
+          <a:fontRef idx="minor">
+            <a:schemeClr val="lt1"/>
+          </a:fontRef>
+        </p:style>
+        <p:txBody>
+          <a:bodyPr rtlCol="0" anchor="ctr"/>
+          <a:p>
+            <a:pPr algn="ctr"/>
+            <a:endParaRPr lang="en-US"/>
+          </a:p>
+        </p:txBody>
+      </p:sp>
+      <p:cxnSp>
+        <p:nvCxnSpPr>
+          <p:cNvPr id="14" name="Straight Arrow Connector 13"/>
+          <p:cNvCxnSpPr>
+            <a:stCxn id="12" idx="3"/>
+          </p:cNvCxnSpPr>
+          <p:nvPr/>
+        </p:nvCxnSpPr>
+        <p:spPr>
+          <a:xfrm flipV="1">
+            <a:off x="7195820" y="5168265"/>
+            <a:ext cx="680085" cy="7620"/>
+          </a:xfrm>
+          <a:prstGeom prst="straightConnector1">
+            <a:avLst/>
+          </a:prstGeom>
+          <a:ln>
+            <a:tailEnd type="arrow"/>
+          </a:ln>
+        </p:spPr>
+        <p:style>
+          <a:lnRef idx="1">
+            <a:schemeClr val="accent1"/>
+          </a:lnRef>
+          <a:fillRef idx="0">
+            <a:schemeClr val="accent1"/>
+          </a:fillRef>
+          <a:effectRef idx="0">
+            <a:schemeClr val="accent1"/>
+          </a:effectRef>
+          <a:fontRef idx="minor">
+            <a:schemeClr val="tx1"/>
+          </a:fontRef>
+        </p:style>
+      </p:cxnSp>
+      <p:sp>
+        <p:nvSpPr>
+          <p:cNvPr id="15" name="Flowchart: Decision 14"/>
+          <p:cNvSpPr/>
+          <p:nvPr/>
+        </p:nvSpPr>
+        <p:spPr>
+          <a:xfrm>
+            <a:off x="7875905" y="4370705"/>
+            <a:ext cx="1608455" cy="1602740"/>
+          </a:xfrm>
+          <a:prstGeom prst="flowChartDecision">
+            <a:avLst/>
+          </a:prstGeom>
+        </p:spPr>
+        <p:style>
+          <a:lnRef idx="2">
+            <a:schemeClr val="accent1">
+              <a:shade val="50000"/>
+            </a:schemeClr>
+          </a:lnRef>
+          <a:fillRef idx="1">
+            <a:schemeClr val="accent1"/>
+          </a:fillRef>
+          <a:effectRef idx="0">
+            <a:schemeClr val="accent1"/>
+          </a:effectRef>
+          <a:fontRef idx="minor">
+            <a:schemeClr val="lt1"/>
+          </a:fontRef>
+        </p:style>
+        <p:txBody>
+          <a:bodyPr rtlCol="0" anchor="ctr"/>
+          <a:p>
+            <a:pPr algn="ctr"/>
+            <a:endParaRPr lang="en-US"/>
+          </a:p>
+        </p:txBody>
+      </p:sp>
+      <p:cxnSp>
+        <p:nvCxnSpPr>
+          <p:cNvPr id="17" name="Straight Arrow Connector 16"/>
+          <p:cNvCxnSpPr>
+            <a:stCxn id="15" idx="0"/>
+          </p:cNvCxnSpPr>
+          <p:nvPr/>
+        </p:nvCxnSpPr>
+        <p:spPr>
+          <a:xfrm flipH="1" flipV="1">
+            <a:off x="8660765" y="3342640"/>
+            <a:ext cx="19685" cy="1028065"/>
+          </a:xfrm>
+          <a:prstGeom prst="straightConnector1">
+            <a:avLst/>
+          </a:prstGeom>
+          <a:ln>
+            <a:tailEnd type="arrow"/>
+          </a:ln>
+        </p:spPr>
+        <p:style>
+          <a:lnRef idx="1">
+            <a:schemeClr val="accent1"/>
+          </a:lnRef>
+          <a:fillRef idx="0">
+            <a:schemeClr val="accent1"/>
+          </a:fillRef>
+          <a:effectRef idx="0">
+            <a:schemeClr val="accent1"/>
+          </a:effectRef>
+          <a:fontRef idx="minor">
+            <a:schemeClr val="tx1"/>
+          </a:fontRef>
+        </p:style>
+      </p:cxnSp>
+      <p:sp>
+        <p:nvSpPr>
+          <p:cNvPr id="18" name="Flowchart: Process 17"/>
+          <p:cNvSpPr/>
+          <p:nvPr/>
+        </p:nvSpPr>
+        <p:spPr>
+          <a:xfrm>
+            <a:off x="7710170" y="2407285"/>
+            <a:ext cx="2172970" cy="935355"/>
+          </a:xfrm>
+          <a:prstGeom prst="flowChartProcess">
+            <a:avLst/>
+          </a:prstGeom>
+        </p:spPr>
+        <p:style>
+          <a:lnRef idx="2">
+            <a:schemeClr val="accent1">
+              <a:shade val="50000"/>
+            </a:schemeClr>
+          </a:lnRef>
+          <a:fillRef idx="1">
+            <a:schemeClr val="accent1"/>
+          </a:fillRef>
+          <a:effectRef idx="0">
+            <a:schemeClr val="accent1"/>
+          </a:effectRef>
+          <a:fontRef idx="minor">
+            <a:schemeClr val="lt1"/>
+          </a:fontRef>
+        </p:style>
+        <p:txBody>
+          <a:bodyPr rtlCol="0" anchor="ctr"/>
+          <a:p>
+            <a:pPr algn="ctr"/>
+            <a:endParaRPr lang="en-US"/>
+          </a:p>
+        </p:txBody>
+      </p:sp>
+      <p:cxnSp>
+        <p:nvCxnSpPr>
+          <p:cNvPr id="19" name="Straight Arrow Connector 18"/>
+          <p:cNvCxnSpPr/>
+          <p:nvPr/>
+        </p:nvCxnSpPr>
+        <p:spPr>
+          <a:xfrm flipV="1">
+            <a:off x="8819515" y="1199515"/>
+            <a:ext cx="6985" cy="1183005"/>
+          </a:xfrm>
+          <a:prstGeom prst="straightConnector1">
+            <a:avLst/>
+          </a:prstGeom>
+          <a:ln>
+            <a:tailEnd type="arrow"/>
+          </a:ln>
+        </p:spPr>
+        <p:style>
+          <a:lnRef idx="1">
+            <a:schemeClr val="accent1"/>
+          </a:lnRef>
+          <a:fillRef idx="0">
+            <a:schemeClr val="accent1"/>
+          </a:fillRef>
+          <a:effectRef idx="0">
+            <a:schemeClr val="accent1"/>
+          </a:effectRef>
+          <a:fontRef idx="minor">
+            <a:schemeClr val="tx1"/>
+          </a:fontRef>
+        </p:style>
+      </p:cxnSp>
+      <p:sp>
+        <p:nvSpPr>
+          <p:cNvPr id="20" name="Flowchart: Terminator 19"/>
+          <p:cNvSpPr/>
+          <p:nvPr/>
+        </p:nvSpPr>
+        <p:spPr>
+          <a:xfrm>
+            <a:off x="8007985" y="558165"/>
+            <a:ext cx="1630045" cy="626745"/>
+          </a:xfrm>
+          <a:prstGeom prst="flowChartTerminator">
+            <a:avLst/>
+          </a:prstGeom>
+        </p:spPr>
+        <p:style>
+          <a:lnRef idx="2">
+            <a:schemeClr val="accent1">
+              <a:shade val="50000"/>
+            </a:schemeClr>
+          </a:lnRef>
+          <a:fillRef idx="1">
+            <a:schemeClr val="accent1"/>
+          </a:fillRef>
+          <a:effectRef idx="0">
+            <a:schemeClr val="accent1"/>
+          </a:effectRef>
+          <a:fontRef idx="minor">
+            <a:schemeClr val="lt1"/>
+          </a:fontRef>
+        </p:style>
+        <p:txBody>
+          <a:bodyPr rtlCol="0" anchor="ctr"/>
+          <a:p>
+            <a:pPr algn="ctr"/>
+            <a:endParaRPr lang="en-US"/>
+          </a:p>
+        </p:txBody>
+      </p:sp>
+      <p:sp>
+        <p:nvSpPr>
+          <p:cNvPr id="21" name="Text Box 20"/>
+          <p:cNvSpPr txBox="1"/>
+          <p:nvPr/>
+        </p:nvSpPr>
+        <p:spPr>
+          <a:xfrm>
+            <a:off x="5485130" y="95250"/>
+            <a:ext cx="1222375" cy="368300"/>
+          </a:xfrm>
+          <a:prstGeom prst="rect">
+            <a:avLst/>
+          </a:prstGeom>
+          <a:noFill/>
+        </p:spPr>
+        <p:txBody>
+          <a:bodyPr wrap="square" rtlCol="0">
+            <a:spAutoFit/>
+          </a:bodyPr>
+          <a:p>
+            <a:pPr algn="ctr"/>
+            <a:r>
+              <a:rPr lang="en-GB" altLang="en-US"/>
+              <a:t>start</a:t>
+            </a:r>
+            <a:endParaRPr lang="en-GB" altLang="en-US"/>
+          </a:p>
+        </p:txBody>
+      </p:sp>
+      <p:sp>
+        <p:nvSpPr>
+          <p:cNvPr id="22" name="Text Box 21"/>
+          <p:cNvSpPr txBox="1"/>
+          <p:nvPr/>
+        </p:nvSpPr>
+        <p:spPr>
+          <a:xfrm>
+            <a:off x="5416550" y="897890"/>
+            <a:ext cx="1477010" cy="521970"/>
+          </a:xfrm>
+          <a:prstGeom prst="rect">
+            <a:avLst/>
+          </a:prstGeom>
+          <a:noFill/>
+        </p:spPr>
+        <p:txBody>
+          <a:bodyPr wrap="square" rtlCol="0">
+            <a:spAutoFit/>
+          </a:bodyPr>
+          <a:p>
+            <a:pPr algn="ctr"/>
+            <a:r>
+              <a:rPr lang="en-GB" altLang="en-US" sz="1400"/>
+              <a:t>a=int(input(‘positve integer value’))</a:t>
+            </a:r>
+            <a:endParaRPr lang="en-GB" altLang="en-US" sz="1400"/>
+          </a:p>
+        </p:txBody>
+      </p:sp>
+      <p:sp>
+        <p:nvSpPr>
+          <p:cNvPr id="23" name="Text Box 22"/>
+          <p:cNvSpPr txBox="1"/>
+          <p:nvPr/>
+        </p:nvSpPr>
+        <p:spPr>
+          <a:xfrm>
+            <a:off x="5440045" y="1783080"/>
+            <a:ext cx="1267460" cy="583565"/>
+          </a:xfrm>
+          <a:prstGeom prst="rect">
+            <a:avLst/>
+          </a:prstGeom>
+          <a:noFill/>
+        </p:spPr>
+        <p:txBody>
+          <a:bodyPr wrap="square" rtlCol="0">
+            <a:spAutoFit/>
+          </a:bodyPr>
+          <a:p>
+            <a:r>
+              <a:rPr lang="en-GB" altLang="en-US" sz="1600"/>
+              <a:t>positive integer value</a:t>
+            </a:r>
+            <a:endParaRPr lang="en-GB" altLang="en-US" sz="1600"/>
+          </a:p>
+        </p:txBody>
+      </p:sp>
+      <p:sp>
+        <p:nvSpPr>
+          <p:cNvPr id="24" name="Text Box 23"/>
+          <p:cNvSpPr txBox="1"/>
+          <p:nvPr/>
+        </p:nvSpPr>
+        <p:spPr>
+          <a:xfrm>
+            <a:off x="4827905" y="2919730"/>
+            <a:ext cx="2293620" cy="1198880"/>
+          </a:xfrm>
+          <a:prstGeom prst="rect">
+            <a:avLst/>
+          </a:prstGeom>
+          <a:noFill/>
+        </p:spPr>
+        <p:txBody>
+          <a:bodyPr wrap="square" rtlCol="0">
+            <a:spAutoFit/>
+          </a:bodyPr>
+          <a:p>
+            <a:r>
+              <a:rPr lang="en-GB" altLang="en-US"/>
+              <a:t>numcuber()</a:t>
+            </a:r>
+            <a:endParaRPr lang="en-GB" altLang="en-US"/>
+          </a:p>
+          <a:p>
+            <a:r>
+              <a:rPr lang="en-GB" altLang="en-US"/>
+              <a:t>cuber=range(1,3)</a:t>
+            </a:r>
+            <a:endParaRPr lang="en-GB" altLang="en-US"/>
+          </a:p>
+          <a:p>
+            <a:r>
+              <a:rPr lang="en-GB" altLang="en-US"/>
+              <a:t>result=0</a:t>
+            </a:r>
+            <a:endParaRPr lang="en-GB" altLang="en-US"/>
+          </a:p>
+          <a:p>
+            <a:endParaRPr lang="en-GB" altLang="en-US"/>
+          </a:p>
+        </p:txBody>
+      </p:sp>
+      <p:sp>
+        <p:nvSpPr>
+          <p:cNvPr id="25" name="Text Box 24"/>
+          <p:cNvSpPr txBox="1"/>
+          <p:nvPr/>
+        </p:nvSpPr>
+        <p:spPr>
+          <a:xfrm>
+            <a:off x="4942205" y="4715510"/>
+            <a:ext cx="2263140" cy="922020"/>
+          </a:xfrm>
+          <a:prstGeom prst="rect">
+            <a:avLst/>
+          </a:prstGeom>
+          <a:noFill/>
+        </p:spPr>
+        <p:txBody>
+          <a:bodyPr wrap="square" rtlCol="0">
+            <a:spAutoFit/>
+          </a:bodyPr>
+          <a:p>
+            <a:r>
+              <a:rPr lang="en-GB" altLang="en-US"/>
+              <a:t>for i in cuber:</a:t>
+            </a:r>
+            <a:endParaRPr lang="en-GB" altLang="en-US"/>
+          </a:p>
+          <a:p>
+            <a:r>
+              <a:rPr lang="en-GB" altLang="en-US"/>
+              <a:t>result+=(i**3)</a:t>
+            </a:r>
+            <a:endParaRPr lang="en-GB" altLang="en-US"/>
+          </a:p>
+          <a:p>
+            <a:r>
+              <a:rPr lang="en-GB" altLang="en-US"/>
+              <a:t>return result</a:t>
+            </a:r>
+            <a:endParaRPr lang="en-GB" altLang="en-US"/>
+          </a:p>
+        </p:txBody>
+      </p:sp>
+      <p:sp>
+        <p:nvSpPr>
+          <p:cNvPr id="26" name="Text Box 25"/>
+          <p:cNvSpPr txBox="1"/>
+          <p:nvPr/>
+        </p:nvSpPr>
+        <p:spPr>
+          <a:xfrm>
+            <a:off x="8228330" y="4987925"/>
+            <a:ext cx="904240" cy="368300"/>
+          </a:xfrm>
+          <a:prstGeom prst="rect">
+            <a:avLst/>
+          </a:prstGeom>
+          <a:noFill/>
+        </p:spPr>
+        <p:txBody>
+          <a:bodyPr wrap="square" rtlCol="0">
+            <a:spAutoFit/>
+          </a:bodyPr>
+          <a:p>
+            <a:r>
+              <a:rPr lang="en-GB" altLang="en-US"/>
+              <a:t>if a &gt;0</a:t>
+            </a:r>
+            <a:endParaRPr lang="en-GB" altLang="en-US"/>
+          </a:p>
+        </p:txBody>
+      </p:sp>
+      <p:sp>
+        <p:nvSpPr>
+          <p:cNvPr id="27" name="Text Box 26"/>
+          <p:cNvSpPr txBox="1"/>
+          <p:nvPr/>
+        </p:nvSpPr>
+        <p:spPr>
+          <a:xfrm>
+            <a:off x="7936230" y="2421890"/>
+            <a:ext cx="1886585" cy="922020"/>
+          </a:xfrm>
+          <a:prstGeom prst="rect">
+            <a:avLst/>
+          </a:prstGeom>
+          <a:noFill/>
+        </p:spPr>
+        <p:txBody>
+          <a:bodyPr wrap="square" rtlCol="0">
+            <a:spAutoFit/>
+          </a:bodyPr>
+          <a:p>
+            <a:r>
+              <a:rPr lang="en-GB" altLang="en-US"/>
+              <a:t>print(‘Your answer is= ‘, numcuber())</a:t>
+            </a:r>
+            <a:endParaRPr lang="en-GB" altLang="en-US"/>
+          </a:p>
+        </p:txBody>
+      </p:sp>
+      <p:sp>
+        <p:nvSpPr>
+          <p:cNvPr id="28" name="Text Box 27"/>
+          <p:cNvSpPr txBox="1"/>
+          <p:nvPr/>
+        </p:nvSpPr>
+        <p:spPr>
+          <a:xfrm>
+            <a:off x="8177530" y="687070"/>
+            <a:ext cx="1403350" cy="368300"/>
+          </a:xfrm>
+          <a:prstGeom prst="rect">
+            <a:avLst/>
+          </a:prstGeom>
+          <a:noFill/>
+        </p:spPr>
+        <p:txBody>
+          <a:bodyPr wrap="square" rtlCol="0">
+            <a:spAutoFit/>
+          </a:bodyPr>
+          <a:p>
+            <a:pPr algn="ctr"/>
             <a:r>
               <a:rPr lang="en-GB" altLang="en-US"/>
               <a:t>END</a:t>

--- a/flowchart for lab practice 1.pptx
+++ b/flowchart for lab practice 1.pptx
@@ -3036,18 +3036,29 @@
       </p:sp>
       <p:sp>
         <p:nvSpPr>
-          <p:cNvPr id="10" name="Flowchart: Process 9"/>
+          <p:cNvPr id="8" name="Flowchart: Decision 7"/>
           <p:cNvSpPr/>
           <p:nvPr/>
         </p:nvSpPr>
         <p:spPr>
           <a:xfrm>
-            <a:off x="5715000" y="3004185"/>
-            <a:ext cx="1356995" cy="832485"/>
-          </a:xfrm>
-          <a:prstGeom prst="flowChartProcess">
-            <a:avLst/>
-          </a:prstGeom>
+            <a:off x="3881120" y="2899410"/>
+            <a:ext cx="1238250" cy="1071245"/>
+          </a:xfrm>
+          <a:prstGeom prst="flowChartDecision">
+            <a:avLst/>
+          </a:prstGeom>
+          <a:gradFill>
+            <a:gsLst>
+              <a:gs pos="0">
+                <a:srgbClr val="E30000"/>
+              </a:gs>
+              <a:gs pos="100000">
+                <a:srgbClr val="760303"/>
+              </a:gs>
+            </a:gsLst>
+            <a:lin scaled="0"/>
+          </a:gradFill>
         </p:spPr>
         <p:style>
           <a:lnRef idx="2">
@@ -3069,24 +3080,27 @@
           <a:bodyPr rtlCol="0" anchor="ctr"/>
           <a:p>
             <a:pPr algn="ctr"/>
-            <a:endParaRPr lang="en-GB" altLang="en-US"/>
-          </a:p>
-        </p:txBody>
-      </p:sp>
-      <p:sp>
-        <p:nvSpPr>
-          <p:cNvPr id="8" name="Flowchart: Decision 7"/>
+            <a:endParaRPr lang="en-US"/>
+          </a:p>
+        </p:txBody>
+      </p:sp>
+      <p:sp>
+        <p:nvSpPr>
+          <p:cNvPr id="4" name="Flowchart: Terminator 3"/>
           <p:cNvSpPr/>
           <p:nvPr/>
         </p:nvSpPr>
         <p:spPr>
           <a:xfrm>
-            <a:off x="3881120" y="2899410"/>
-            <a:ext cx="1238250" cy="1071245"/>
-          </a:xfrm>
-          <a:prstGeom prst="flowChartDecision">
-            <a:avLst/>
-          </a:prstGeom>
+            <a:off x="3559810" y="791845"/>
+            <a:ext cx="1881505" cy="595630"/>
+          </a:xfrm>
+          <a:prstGeom prst="flowChartTerminator">
+            <a:avLst/>
+          </a:prstGeom>
+          <a:solidFill>
+            <a:schemeClr val="accent6"/>
+          </a:solidFill>
         </p:spPr>
         <p:style>
           <a:lnRef idx="2">
@@ -3112,45 +3126,6 @@
           </a:p>
         </p:txBody>
       </p:sp>
-      <p:sp>
-        <p:nvSpPr>
-          <p:cNvPr id="4" name="Flowchart: Terminator 3"/>
-          <p:cNvSpPr/>
-          <p:nvPr/>
-        </p:nvSpPr>
-        <p:spPr>
-          <a:xfrm>
-            <a:off x="3559810" y="791845"/>
-            <a:ext cx="1881505" cy="595630"/>
-          </a:xfrm>
-          <a:prstGeom prst="flowChartTerminator">
-            <a:avLst/>
-          </a:prstGeom>
-        </p:spPr>
-        <p:style>
-          <a:lnRef idx="2">
-            <a:schemeClr val="accent1">
-              <a:shade val="50000"/>
-            </a:schemeClr>
-          </a:lnRef>
-          <a:fillRef idx="1">
-            <a:schemeClr val="accent1"/>
-          </a:fillRef>
-          <a:effectRef idx="0">
-            <a:schemeClr val="accent1"/>
-          </a:effectRef>
-          <a:fontRef idx="minor">
-            <a:schemeClr val="lt1"/>
-          </a:fontRef>
-        </p:style>
-        <p:txBody>
-          <a:bodyPr rtlCol="0" anchor="ctr"/>
-          <a:p>
-            <a:pPr algn="ctr"/>
-            <a:endParaRPr lang="en-US"/>
-          </a:p>
-        </p:txBody>
-      </p:sp>
       <p:cxnSp>
         <p:nvCxnSpPr>
           <p:cNvPr id="5" name="Straight Arrow Connector 4"/>
@@ -3168,18 +3143,18 @@
             <a:avLst/>
           </a:prstGeom>
           <a:ln>
-            <a:tailEnd type="arrow"/>
+            <a:tailEnd type="arrow" w="med" len="med"/>
           </a:ln>
         </p:spPr>
         <p:style>
           <a:lnRef idx="1">
-            <a:schemeClr val="accent1"/>
+            <a:schemeClr val="dk1"/>
           </a:lnRef>
           <a:fillRef idx="0">
-            <a:schemeClr val="accent1"/>
+            <a:schemeClr val="dk1"/>
           </a:fillRef>
           <a:effectRef idx="0">
-            <a:schemeClr val="accent1"/>
+            <a:schemeClr val="dk1"/>
           </a:effectRef>
           <a:fontRef idx="minor">
             <a:schemeClr val="tx1"/>
@@ -3203,15 +3178,15 @@
         </p:spPr>
         <p:style>
           <a:lnRef idx="2">
-            <a:schemeClr val="accent1">
+            <a:schemeClr val="accent4">
               <a:shade val="50000"/>
             </a:schemeClr>
           </a:lnRef>
           <a:fillRef idx="1">
-            <a:schemeClr val="accent1"/>
+            <a:schemeClr val="accent4"/>
           </a:fillRef>
           <a:effectRef idx="0">
-            <a:schemeClr val="accent1"/>
+            <a:schemeClr val="accent4"/>
           </a:effectRef>
           <a:fontRef idx="minor">
             <a:schemeClr val="lt1"/>
@@ -3242,18 +3217,18 @@
             <a:avLst/>
           </a:prstGeom>
           <a:ln>
-            <a:tailEnd type="arrow"/>
+            <a:tailEnd type="arrow" w="med" len="med"/>
           </a:ln>
         </p:spPr>
         <p:style>
           <a:lnRef idx="1">
-            <a:schemeClr val="accent1"/>
+            <a:schemeClr val="dk1"/>
           </a:lnRef>
           <a:fillRef idx="0">
-            <a:schemeClr val="accent1"/>
+            <a:schemeClr val="dk1"/>
           </a:fillRef>
           <a:effectRef idx="0">
-            <a:schemeClr val="accent1"/>
+            <a:schemeClr val="dk1"/>
           </a:effectRef>
           <a:fontRef idx="minor">
             <a:schemeClr val="tx1"/>
@@ -3277,18 +3252,18 @@
             <a:avLst/>
           </a:prstGeom>
           <a:ln>
-            <a:tailEnd type="arrow"/>
+            <a:tailEnd type="arrow" w="med" len="med"/>
           </a:ln>
         </p:spPr>
         <p:style>
           <a:lnRef idx="1">
-            <a:schemeClr val="accent1"/>
+            <a:schemeClr val="dk1"/>
           </a:lnRef>
           <a:fillRef idx="0">
-            <a:schemeClr val="accent1"/>
+            <a:schemeClr val="dk1"/>
           </a:fillRef>
           <a:effectRef idx="0">
-            <a:schemeClr val="accent1"/>
+            <a:schemeClr val="dk1"/>
           </a:effectRef>
           <a:fontRef idx="minor">
             <a:schemeClr val="tx1"/>
@@ -3351,18 +3326,18 @@
             <a:avLst/>
           </a:prstGeom>
           <a:ln>
-            <a:tailEnd type="arrow"/>
+            <a:tailEnd type="arrow" w="med" len="med"/>
           </a:ln>
         </p:spPr>
         <p:style>
           <a:lnRef idx="1">
-            <a:schemeClr val="accent1"/>
+            <a:schemeClr val="dk1"/>
           </a:lnRef>
           <a:fillRef idx="0">
-            <a:schemeClr val="accent1"/>
+            <a:schemeClr val="dk1"/>
           </a:fillRef>
           <a:effectRef idx="0">
-            <a:schemeClr val="accent1"/>
+            <a:schemeClr val="dk1"/>
           </a:effectRef>
           <a:fontRef idx="minor">
             <a:schemeClr val="tx1"/>
@@ -3372,32 +3347,30 @@
       <p:cxnSp>
         <p:nvCxnSpPr>
           <p:cNvPr id="20" name="Straight Arrow Connector 19"/>
-          <p:cNvCxnSpPr>
-            <a:stCxn id="10" idx="3"/>
-          </p:cNvCxnSpPr>
+          <p:cNvCxnSpPr/>
           <p:nvPr/>
         </p:nvCxnSpPr>
         <p:spPr>
-          <a:xfrm>
-            <a:off x="7071995" y="3420745"/>
-            <a:ext cx="809625" cy="1905"/>
+          <a:xfrm flipV="1">
+            <a:off x="7416800" y="3481705"/>
+            <a:ext cx="398780" cy="8255"/>
           </a:xfrm>
           <a:prstGeom prst="straightConnector1">
             <a:avLst/>
           </a:prstGeom>
           <a:ln>
-            <a:tailEnd type="arrow"/>
+            <a:tailEnd type="arrow" w="med" len="med"/>
           </a:ln>
         </p:spPr>
         <p:style>
           <a:lnRef idx="1">
-            <a:schemeClr val="accent1"/>
+            <a:schemeClr val="dk1"/>
           </a:lnRef>
           <a:fillRef idx="0">
-            <a:schemeClr val="accent1"/>
+            <a:schemeClr val="dk1"/>
           </a:fillRef>
           <a:effectRef idx="0">
-            <a:schemeClr val="accent1"/>
+            <a:schemeClr val="dk1"/>
           </a:effectRef>
           <a:fontRef idx="minor">
             <a:schemeClr val="tx1"/>
@@ -3412,8 +3385,8 @@
         </p:nvSpPr>
         <p:spPr>
           <a:xfrm>
-            <a:off x="7881620" y="3004820"/>
-            <a:ext cx="1404620" cy="831215"/>
+            <a:off x="10579100" y="3139440"/>
+            <a:ext cx="1464945" cy="953135"/>
           </a:xfrm>
           <a:prstGeom prst="flowChartProcess">
             <a:avLst/>
@@ -3445,33 +3418,31 @@
       </p:sp>
       <p:cxnSp>
         <p:nvCxnSpPr>
-          <p:cNvPr id="22" name="Straight Arrow Connector 21"/>
-          <p:cNvCxnSpPr>
-            <a:stCxn id="21" idx="2"/>
-          </p:cNvCxnSpPr>
+          <p:cNvPr id="24" name="Elbow Connector 23"/>
+          <p:cNvCxnSpPr/>
           <p:nvPr/>
         </p:nvCxnSpPr>
         <p:spPr>
-          <a:xfrm>
-            <a:off x="8583930" y="3836035"/>
-            <a:ext cx="12065" cy="1057275"/>
-          </a:xfrm>
-          <a:prstGeom prst="straightConnector1">
+          <a:xfrm rot="5400000" flipV="1">
+            <a:off x="6111240" y="3729355"/>
+            <a:ext cx="124460" cy="3393440"/>
+          </a:xfrm>
+          <a:prstGeom prst="bentConnector2">
             <a:avLst/>
           </a:prstGeom>
           <a:ln>
-            <a:tailEnd type="arrow"/>
+            <a:tailEnd type="arrow" w="med" len="med"/>
           </a:ln>
         </p:spPr>
         <p:style>
           <a:lnRef idx="1">
-            <a:schemeClr val="accent1"/>
+            <a:schemeClr val="dk1"/>
           </a:lnRef>
           <a:fillRef idx="0">
-            <a:schemeClr val="accent1"/>
+            <a:schemeClr val="dk1"/>
           </a:fillRef>
           <a:effectRef idx="0">
-            <a:schemeClr val="accent1"/>
+            <a:schemeClr val="dk1"/>
           </a:effectRef>
           <a:fontRef idx="minor">
             <a:schemeClr val="tx1"/>
@@ -3480,16 +3451,287 @@
       </p:cxnSp>
       <p:sp>
         <p:nvSpPr>
-          <p:cNvPr id="23" name="Flowchart: Alternate Process 22"/>
+          <p:cNvPr id="41" name="Text Box 40"/>
+          <p:cNvSpPr txBox="1"/>
+          <p:nvPr/>
+        </p:nvSpPr>
+        <p:spPr>
+          <a:xfrm>
+            <a:off x="3753485" y="791845"/>
+            <a:ext cx="1522730" cy="306705"/>
+          </a:xfrm>
+          <a:prstGeom prst="rect">
+            <a:avLst/>
+          </a:prstGeom>
+          <a:noFill/>
+        </p:spPr>
+        <p:txBody>
+          <a:bodyPr wrap="square" rtlCol="0">
+            <a:spAutoFit/>
+          </a:bodyPr>
+          <a:p>
+            <a:r>
+              <a:rPr lang="en-GB" altLang="en-US" sz="1400"/>
+              <a:t>start (spec_sev)</a:t>
+            </a:r>
+            <a:endParaRPr lang="en-GB" altLang="en-US" sz="1400"/>
+          </a:p>
+        </p:txBody>
+      </p:sp>
+      <p:sp>
+        <p:nvSpPr>
+          <p:cNvPr id="43" name="Text Box 42"/>
+          <p:cNvSpPr txBox="1"/>
+          <p:nvPr/>
+        </p:nvSpPr>
+        <p:spPr>
+          <a:xfrm>
+            <a:off x="3753485" y="1984375"/>
+            <a:ext cx="1523365" cy="306705"/>
+          </a:xfrm>
+          <a:prstGeom prst="rect">
+            <a:avLst/>
+          </a:prstGeom>
+          <a:noFill/>
+        </p:spPr>
+        <p:txBody>
+          <a:bodyPr wrap="square" rtlCol="0">
+            <a:spAutoFit/>
+          </a:bodyPr>
+          <a:p>
+            <a:r>
+              <a:rPr lang="en-GB" altLang="en-US" sz="1400"/>
+              <a:t>value = (num -17)</a:t>
+            </a:r>
+            <a:endParaRPr lang="en-GB" altLang="en-US" sz="1400"/>
+          </a:p>
+        </p:txBody>
+      </p:sp>
+      <p:sp>
+        <p:nvSpPr>
+          <p:cNvPr id="44" name="Text Box 43"/>
+          <p:cNvSpPr txBox="1"/>
+          <p:nvPr/>
+        </p:nvSpPr>
+        <p:spPr>
+          <a:xfrm>
+            <a:off x="4053205" y="3322320"/>
+            <a:ext cx="1065530" cy="337185"/>
+          </a:xfrm>
+          <a:prstGeom prst="rect">
+            <a:avLst/>
+          </a:prstGeom>
+          <a:noFill/>
+        </p:spPr>
+        <p:txBody>
+          <a:bodyPr wrap="square" rtlCol="0">
+            <a:spAutoFit/>
+          </a:bodyPr>
+          <a:p>
+            <a:r>
+              <a:rPr lang="en-GB" altLang="en-US" sz="1600"/>
+              <a:t>num&gt;17</a:t>
+            </a:r>
+            <a:endParaRPr lang="en-GB" altLang="en-US" sz="1600"/>
+          </a:p>
+        </p:txBody>
+      </p:sp>
+      <p:sp>
+        <p:nvSpPr>
+          <p:cNvPr id="45" name="Text Box 44"/>
+          <p:cNvSpPr txBox="1"/>
+          <p:nvPr/>
+        </p:nvSpPr>
+        <p:spPr>
+          <a:xfrm>
+            <a:off x="5276850" y="2771140"/>
+            <a:ext cx="715010" cy="368300"/>
+          </a:xfrm>
+          <a:prstGeom prst="rect">
+            <a:avLst/>
+          </a:prstGeom>
+          <a:noFill/>
+        </p:spPr>
+        <p:txBody>
+          <a:bodyPr wrap="square" rtlCol="0">
+            <a:spAutoFit/>
+          </a:bodyPr>
+          <a:p>
+            <a:r>
+              <a:rPr lang="en-GB" altLang="en-US"/>
+              <a:t>true</a:t>
+            </a:r>
+            <a:endParaRPr lang="en-GB" altLang="en-US"/>
+          </a:p>
+        </p:txBody>
+      </p:sp>
+      <p:sp>
+        <p:nvSpPr>
+          <p:cNvPr id="46" name="Text Box 45"/>
+          <p:cNvSpPr txBox="1"/>
+          <p:nvPr/>
+        </p:nvSpPr>
+        <p:spPr>
+          <a:xfrm>
+            <a:off x="3880485" y="3971290"/>
+            <a:ext cx="649605" cy="368300"/>
+          </a:xfrm>
+          <a:prstGeom prst="rect">
+            <a:avLst/>
+          </a:prstGeom>
+          <a:noFill/>
+        </p:spPr>
+        <p:txBody>
+          <a:bodyPr wrap="square" rtlCol="0">
+            <a:spAutoFit/>
+          </a:bodyPr>
+          <a:p>
+            <a:r>
+              <a:rPr lang="en-GB" altLang="en-US"/>
+              <a:t>false</a:t>
+            </a:r>
+            <a:endParaRPr lang="en-GB" altLang="en-US"/>
+          </a:p>
+        </p:txBody>
+      </p:sp>
+      <p:sp>
+        <p:nvSpPr>
+          <p:cNvPr id="47" name="Text Box 46"/>
+          <p:cNvSpPr txBox="1"/>
+          <p:nvPr/>
+        </p:nvSpPr>
+        <p:spPr>
+          <a:xfrm>
+            <a:off x="3822065" y="4790440"/>
+            <a:ext cx="1236980" cy="337185"/>
+          </a:xfrm>
+          <a:prstGeom prst="rect">
+            <a:avLst/>
+          </a:prstGeom>
+          <a:noFill/>
+        </p:spPr>
+        <p:txBody>
+          <a:bodyPr wrap="square" rtlCol="0">
+            <a:spAutoFit/>
+          </a:bodyPr>
+          <a:p>
+            <a:r>
+              <a:rPr lang="en-GB" altLang="en-US" sz="1600"/>
+              <a:t>print(‘Error’)</a:t>
+            </a:r>
+            <a:endParaRPr lang="en-GB" altLang="en-US" sz="1600"/>
+          </a:p>
+        </p:txBody>
+      </p:sp>
+      <p:sp>
+        <p:nvSpPr>
+          <p:cNvPr id="49" name="Text Box 48"/>
+          <p:cNvSpPr txBox="1"/>
+          <p:nvPr/>
+        </p:nvSpPr>
+        <p:spPr>
+          <a:xfrm>
+            <a:off x="10523855" y="3139440"/>
+            <a:ext cx="1358900" cy="953135"/>
+          </a:xfrm>
+          <a:prstGeom prst="rect">
+            <a:avLst/>
+          </a:prstGeom>
+          <a:noFill/>
+        </p:spPr>
+        <p:txBody>
+          <a:bodyPr wrap="square" rtlCol="0">
+            <a:spAutoFit/>
+          </a:bodyPr>
+          <a:p>
+            <a:r>
+              <a:rPr lang="en-GB" altLang="en-US" sz="1400"/>
+              <a:t>spec_sev(num=int(input(‘input desired number’)))</a:t>
+            </a:r>
+            <a:endParaRPr lang="en-GB" altLang="en-US" sz="1400"/>
+          </a:p>
+        </p:txBody>
+      </p:sp>
+      <p:sp>
+        <p:nvSpPr>
+          <p:cNvPr id="3" name="Flowchart: Process 2"/>
           <p:cNvSpPr/>
           <p:nvPr/>
         </p:nvSpPr>
         <p:spPr>
           <a:xfrm>
-            <a:off x="7905115" y="4893310"/>
-            <a:ext cx="1381125" cy="833120"/>
-          </a:xfrm>
-          <a:prstGeom prst="flowChartAlternateProcess">
+            <a:off x="5715000" y="3252470"/>
+            <a:ext cx="1643380" cy="415925"/>
+          </a:xfrm>
+          <a:prstGeom prst="flowChartProcess">
+            <a:avLst/>
+          </a:prstGeom>
+        </p:spPr>
+        <p:style>
+          <a:lnRef idx="2">
+            <a:schemeClr val="accent4">
+              <a:shade val="50000"/>
+            </a:schemeClr>
+          </a:lnRef>
+          <a:fillRef idx="1">
+            <a:schemeClr val="accent4"/>
+          </a:fillRef>
+          <a:effectRef idx="0">
+            <a:schemeClr val="accent4"/>
+          </a:effectRef>
+          <a:fontRef idx="minor">
+            <a:schemeClr val="lt1"/>
+          </a:fontRef>
+        </p:style>
+        <p:txBody>
+          <a:bodyPr rtlCol="0" anchor="ctr"/>
+          <a:p>
+            <a:pPr algn="ctr"/>
+            <a:endParaRPr lang="en-GB" altLang="en-US"/>
+          </a:p>
+        </p:txBody>
+      </p:sp>
+      <p:sp>
+        <p:nvSpPr>
+          <p:cNvPr id="11" name="Text Box 10"/>
+          <p:cNvSpPr txBox="1"/>
+          <p:nvPr/>
+        </p:nvSpPr>
+        <p:spPr>
+          <a:xfrm>
+            <a:off x="5944870" y="3300095"/>
+            <a:ext cx="1402080" cy="368300"/>
+          </a:xfrm>
+          <a:prstGeom prst="rect">
+            <a:avLst/>
+          </a:prstGeom>
+          <a:noFill/>
+        </p:spPr>
+        <p:txBody>
+          <a:bodyPr wrap="square" rtlCol="0">
+            <a:spAutoFit/>
+          </a:bodyPr>
+          <a:p>
+            <a:r>
+              <a:rPr lang="en-GB" altLang="en-US"/>
+              <a:t>y = value  * 2</a:t>
+            </a:r>
+            <a:endParaRPr lang="en-GB" altLang="en-US"/>
+          </a:p>
+        </p:txBody>
+      </p:sp>
+      <p:sp>
+        <p:nvSpPr>
+          <p:cNvPr id="13" name="Flowchart: Data 12"/>
+          <p:cNvSpPr/>
+          <p:nvPr/>
+        </p:nvSpPr>
+        <p:spPr>
+          <a:xfrm>
+            <a:off x="7686040" y="3256915"/>
+            <a:ext cx="2082800" cy="558800"/>
+          </a:xfrm>
+          <a:prstGeom prst="flowChartInputOutput">
             <a:avLst/>
           </a:prstGeom>
         </p:spPr>
@@ -3517,276 +3759,147 @@
           </a:p>
         </p:txBody>
       </p:sp>
+      <p:sp>
+        <p:nvSpPr>
+          <p:cNvPr id="48" name="Text Box 47"/>
+          <p:cNvSpPr txBox="1"/>
+          <p:nvPr/>
+        </p:nvSpPr>
+        <p:spPr>
+          <a:xfrm>
+            <a:off x="7870190" y="3322320"/>
+            <a:ext cx="1758315" cy="521970"/>
+          </a:xfrm>
+          <a:prstGeom prst="rect">
+            <a:avLst/>
+          </a:prstGeom>
+          <a:noFill/>
+        </p:spPr>
+        <p:txBody>
+          <a:bodyPr wrap="square" rtlCol="0">
+            <a:spAutoFit/>
+          </a:bodyPr>
+          <a:p>
+            <a:r>
+              <a:rPr lang="en-GB" altLang="en-US" sz="1200"/>
+              <a:t>print (‘</a:t>
+            </a:r>
+            <a:r>
+              <a:rPr lang="en-GB" altLang="en-US" sz="1400"/>
+              <a:t>your answer is = ’, y)</a:t>
+            </a:r>
+            <a:endParaRPr lang="en-GB" altLang="en-US" sz="1400"/>
+          </a:p>
+        </p:txBody>
+      </p:sp>
       <p:cxnSp>
         <p:nvCxnSpPr>
-          <p:cNvPr id="24" name="Elbow Connector 23"/>
+          <p:cNvPr id="14" name="Straight Arrow Connector 13"/>
           <p:cNvCxnSpPr/>
           <p:nvPr/>
         </p:nvCxnSpPr>
         <p:spPr>
-          <a:xfrm rot="5400000" flipV="1">
-            <a:off x="6111240" y="3729355"/>
-            <a:ext cx="124460" cy="3393440"/>
-          </a:xfrm>
-          <a:prstGeom prst="bentConnector2">
+          <a:xfrm flipV="1">
+            <a:off x="9573260" y="3631565"/>
+            <a:ext cx="950595" cy="27940"/>
+          </a:xfrm>
+          <a:prstGeom prst="straightConnector1">
             <a:avLst/>
           </a:prstGeom>
           <a:ln>
-            <a:tailEnd type="arrow"/>
+            <a:tailEnd type="arrow" w="med" len="med"/>
           </a:ln>
         </p:spPr>
         <p:style>
           <a:lnRef idx="1">
-            <a:schemeClr val="accent1"/>
+            <a:schemeClr val="dk1"/>
           </a:lnRef>
           <a:fillRef idx="0">
-            <a:schemeClr val="accent1"/>
+            <a:schemeClr val="dk1"/>
           </a:fillRef>
           <a:effectRef idx="0">
-            <a:schemeClr val="accent1"/>
+            <a:schemeClr val="dk1"/>
           </a:effectRef>
           <a:fontRef idx="minor">
             <a:schemeClr val="tx1"/>
           </a:fontRef>
         </p:style>
       </p:cxnSp>
-      <p:sp>
-        <p:nvSpPr>
-          <p:cNvPr id="41" name="Text Box 40"/>
-          <p:cNvSpPr txBox="1"/>
-          <p:nvPr/>
-        </p:nvSpPr>
-        <p:spPr>
-          <a:xfrm>
-            <a:off x="3753485" y="791845"/>
-            <a:ext cx="1522730" cy="306705"/>
-          </a:xfrm>
-          <a:prstGeom prst="rect">
-            <a:avLst/>
-          </a:prstGeom>
-          <a:noFill/>
-        </p:spPr>
-        <p:txBody>
-          <a:bodyPr wrap="square" rtlCol="0">
-            <a:spAutoFit/>
-          </a:bodyPr>
-          <a:p>
-            <a:r>
-              <a:rPr lang="en-GB" altLang="en-US" sz="1400"/>
-              <a:t>start (spec_sev)</a:t>
-            </a:r>
-            <a:endParaRPr lang="en-GB" altLang="en-US" sz="1400"/>
-          </a:p>
-        </p:txBody>
-      </p:sp>
-      <p:sp>
-        <p:nvSpPr>
-          <p:cNvPr id="43" name="Text Box 42"/>
-          <p:cNvSpPr txBox="1"/>
-          <p:nvPr/>
-        </p:nvSpPr>
-        <p:spPr>
-          <a:xfrm>
-            <a:off x="3753485" y="1984375"/>
-            <a:ext cx="1523365" cy="306705"/>
-          </a:xfrm>
-          <a:prstGeom prst="rect">
-            <a:avLst/>
-          </a:prstGeom>
-          <a:noFill/>
-        </p:spPr>
-        <p:txBody>
-          <a:bodyPr wrap="square" rtlCol="0">
-            <a:spAutoFit/>
-          </a:bodyPr>
-          <a:p>
-            <a:r>
-              <a:rPr lang="en-GB" altLang="en-US" sz="1400"/>
-              <a:t>value = (num -17)</a:t>
-            </a:r>
-            <a:endParaRPr lang="en-GB" altLang="en-US" sz="1400"/>
-          </a:p>
-        </p:txBody>
-      </p:sp>
-      <p:sp>
-        <p:nvSpPr>
-          <p:cNvPr id="44" name="Text Box 43"/>
-          <p:cNvSpPr txBox="1"/>
-          <p:nvPr/>
-        </p:nvSpPr>
-        <p:spPr>
-          <a:xfrm>
-            <a:off x="4053205" y="3322320"/>
-            <a:ext cx="1065530" cy="337185"/>
-          </a:xfrm>
-          <a:prstGeom prst="rect">
-            <a:avLst/>
-          </a:prstGeom>
-          <a:noFill/>
-        </p:spPr>
-        <p:txBody>
-          <a:bodyPr wrap="square" rtlCol="0">
-            <a:spAutoFit/>
-          </a:bodyPr>
-          <a:p>
-            <a:r>
-              <a:rPr lang="en-GB" altLang="en-US" sz="1600"/>
-              <a:t>num&gt;17</a:t>
-            </a:r>
-            <a:endParaRPr lang="en-GB" altLang="en-US" sz="1600"/>
-          </a:p>
-        </p:txBody>
-      </p:sp>
-      <p:sp>
-        <p:nvSpPr>
-          <p:cNvPr id="45" name="Text Box 44"/>
-          <p:cNvSpPr txBox="1"/>
-          <p:nvPr/>
-        </p:nvSpPr>
-        <p:spPr>
-          <a:xfrm>
-            <a:off x="4947920" y="3063240"/>
-            <a:ext cx="715010" cy="368300"/>
-          </a:xfrm>
-          <a:prstGeom prst="rect">
-            <a:avLst/>
-          </a:prstGeom>
-          <a:noFill/>
-        </p:spPr>
-        <p:txBody>
-          <a:bodyPr wrap="square" rtlCol="0">
-            <a:spAutoFit/>
-          </a:bodyPr>
-          <a:p>
-            <a:r>
-              <a:rPr lang="en-GB" altLang="en-US"/>
-              <a:t>true</a:t>
-            </a:r>
-            <a:endParaRPr lang="en-GB" altLang="en-US"/>
-          </a:p>
-        </p:txBody>
-      </p:sp>
-      <p:sp>
-        <p:nvSpPr>
-          <p:cNvPr id="46" name="Text Box 45"/>
-          <p:cNvSpPr txBox="1"/>
-          <p:nvPr/>
-        </p:nvSpPr>
-        <p:spPr>
-          <a:xfrm>
-            <a:off x="3880485" y="3971290"/>
-            <a:ext cx="649605" cy="368300"/>
-          </a:xfrm>
-          <a:prstGeom prst="rect">
-            <a:avLst/>
-          </a:prstGeom>
-          <a:noFill/>
-        </p:spPr>
-        <p:txBody>
-          <a:bodyPr wrap="square" rtlCol="0">
-            <a:spAutoFit/>
-          </a:bodyPr>
-          <a:p>
-            <a:r>
-              <a:rPr lang="en-GB" altLang="en-US"/>
-              <a:t>false</a:t>
-            </a:r>
-            <a:endParaRPr lang="en-GB" altLang="en-US"/>
-          </a:p>
-        </p:txBody>
-      </p:sp>
-      <p:sp>
-        <p:nvSpPr>
-          <p:cNvPr id="47" name="Text Box 46"/>
-          <p:cNvSpPr txBox="1"/>
-          <p:nvPr/>
-        </p:nvSpPr>
-        <p:spPr>
-          <a:xfrm>
-            <a:off x="3822065" y="4790440"/>
-            <a:ext cx="1236980" cy="337185"/>
-          </a:xfrm>
-          <a:prstGeom prst="rect">
-            <a:avLst/>
-          </a:prstGeom>
-          <a:noFill/>
-        </p:spPr>
-        <p:txBody>
-          <a:bodyPr wrap="square" rtlCol="0">
-            <a:spAutoFit/>
-          </a:bodyPr>
-          <a:p>
-            <a:r>
-              <a:rPr lang="en-GB" altLang="en-US" sz="1600"/>
-              <a:t>print(‘Error’)</a:t>
-            </a:r>
-            <a:endParaRPr lang="en-GB" altLang="en-US" sz="1600"/>
-          </a:p>
-        </p:txBody>
-      </p:sp>
-      <p:sp>
-        <p:nvSpPr>
-          <p:cNvPr id="48" name="Text Box 47"/>
-          <p:cNvSpPr txBox="1"/>
-          <p:nvPr/>
-        </p:nvSpPr>
-        <p:spPr>
-          <a:xfrm>
-            <a:off x="5715000" y="2959100"/>
-            <a:ext cx="1570355" cy="953135"/>
-          </a:xfrm>
-          <a:prstGeom prst="rect">
-            <a:avLst/>
-          </a:prstGeom>
-          <a:noFill/>
-        </p:spPr>
-        <p:txBody>
-          <a:bodyPr wrap="square" rtlCol="0">
-            <a:spAutoFit/>
-          </a:bodyPr>
-          <a:p>
-            <a:r>
-              <a:rPr lang="en-GB" altLang="en-US"/>
-              <a:t>print (‘</a:t>
-            </a:r>
-            <a:r>
-              <a:rPr lang="en-GB" altLang="en-US" sz="2000"/>
-              <a:t>your </a:t>
-            </a:r>
-            <a:r>
-              <a:rPr lang="en-GB" altLang="en-US"/>
-              <a:t>answer is = ’,value*2)</a:t>
-            </a:r>
-            <a:endParaRPr lang="en-GB" altLang="en-US"/>
-          </a:p>
-        </p:txBody>
-      </p:sp>
-      <p:sp>
-        <p:nvSpPr>
-          <p:cNvPr id="49" name="Text Box 48"/>
-          <p:cNvSpPr txBox="1"/>
-          <p:nvPr/>
-        </p:nvSpPr>
-        <p:spPr>
-          <a:xfrm>
-            <a:off x="7898130" y="2959100"/>
-            <a:ext cx="1388110" cy="953135"/>
-          </a:xfrm>
-          <a:prstGeom prst="rect">
-            <a:avLst/>
-          </a:prstGeom>
-          <a:noFill/>
-        </p:spPr>
-        <p:txBody>
-          <a:bodyPr wrap="square" rtlCol="0">
-            <a:spAutoFit/>
-          </a:bodyPr>
-          <a:p>
-            <a:r>
-              <a:rPr lang="en-GB" altLang="en-US" sz="1400"/>
-              <a:t>spec_sev(num=int(input(‘input desired number’)))</a:t>
-            </a:r>
-            <a:endParaRPr lang="en-GB" altLang="en-US" sz="1400"/>
+      <p:cxnSp>
+        <p:nvCxnSpPr>
+          <p:cNvPr id="15" name="Elbow Connector 14"/>
+          <p:cNvCxnSpPr>
+            <a:stCxn id="49" idx="2"/>
+            <a:endCxn id="23" idx="3"/>
+          </p:cNvCxnSpPr>
+          <p:nvPr/>
+        </p:nvCxnSpPr>
+        <p:spPr>
+          <a:xfrm rot="5400000">
+            <a:off x="9612948" y="3835718"/>
+            <a:ext cx="1333500" cy="1847215"/>
+          </a:xfrm>
+          <a:prstGeom prst="bentConnector2">
+            <a:avLst/>
+          </a:prstGeom>
+          <a:ln>
+            <a:tailEnd type="arrow" w="med" len="med"/>
+          </a:ln>
+        </p:spPr>
+        <p:style>
+          <a:lnRef idx="1">
+            <a:schemeClr val="dk1"/>
+          </a:lnRef>
+          <a:fillRef idx="0">
+            <a:schemeClr val="dk1"/>
+          </a:fillRef>
+          <a:effectRef idx="0">
+            <a:schemeClr val="dk1"/>
+          </a:effectRef>
+          <a:fontRef idx="minor">
+            <a:schemeClr val="tx1"/>
+          </a:fontRef>
+        </p:style>
+      </p:cxnSp>
+      <p:sp>
+        <p:nvSpPr>
+          <p:cNvPr id="16" name="Flowchart: Terminator 15"/>
+          <p:cNvSpPr/>
+          <p:nvPr/>
+        </p:nvSpPr>
+        <p:spPr>
+          <a:xfrm>
+            <a:off x="7870190" y="5189855"/>
+            <a:ext cx="1403350" cy="473075"/>
+          </a:xfrm>
+          <a:prstGeom prst="flowChartTerminator">
+            <a:avLst/>
+          </a:prstGeom>
+          <a:solidFill>
+            <a:schemeClr val="accent6"/>
+          </a:solidFill>
+        </p:spPr>
+        <p:style>
+          <a:lnRef idx="2">
+            <a:schemeClr val="accent1">
+              <a:shade val="50000"/>
+            </a:schemeClr>
+          </a:lnRef>
+          <a:fillRef idx="1">
+            <a:schemeClr val="accent1"/>
+          </a:fillRef>
+          <a:effectRef idx="0">
+            <a:schemeClr val="accent1"/>
+          </a:effectRef>
+          <a:fontRef idx="minor">
+            <a:schemeClr val="lt1"/>
+          </a:fontRef>
+        </p:style>
+        <p:txBody>
+          <a:bodyPr rtlCol="0" anchor="ctr"/>
+          <a:p>
+            <a:pPr algn="ctr"/>
+            <a:endParaRPr lang="en-US"/>
           </a:p>
         </p:txBody>
       </p:sp>
@@ -3798,7 +3911,7 @@
         </p:nvSpPr>
         <p:spPr>
           <a:xfrm>
-            <a:off x="8226425" y="5127625"/>
+            <a:off x="8087360" y="5294630"/>
             <a:ext cx="969010" cy="368300"/>
           </a:xfrm>
           <a:prstGeom prst="rect">
@@ -3878,6 +3991,9 @@
           <a:prstGeom prst="flowChartTerminator">
             <a:avLst/>
           </a:prstGeom>
+          <a:solidFill>
+            <a:schemeClr val="accent6"/>
+          </a:solidFill>
         </p:spPr>
         <p:style>
           <a:lnRef idx="2">
@@ -3911,45 +4027,91 @@
         </p:nvCxnSpPr>
         <p:spPr>
           <a:xfrm flipH="1">
-            <a:off x="5085715" y="902335"/>
+            <a:off x="5085715" y="1028700"/>
             <a:ext cx="7620" cy="581660"/>
           </a:xfrm>
           <a:prstGeom prst="straightConnector1">
             <a:avLst/>
           </a:prstGeom>
           <a:ln>
-            <a:tailEnd type="arrow"/>
+            <a:tailEnd type="arrow" w="med" len="med"/>
           </a:ln>
         </p:spPr>
         <p:style>
           <a:lnRef idx="1">
-            <a:schemeClr val="accent1"/>
+            <a:schemeClr val="dk1"/>
           </a:lnRef>
           <a:fillRef idx="0">
-            <a:schemeClr val="accent1"/>
+            <a:schemeClr val="dk1"/>
           </a:fillRef>
           <a:effectRef idx="0">
-            <a:schemeClr val="accent1"/>
+            <a:schemeClr val="dk1"/>
           </a:effectRef>
           <a:fontRef idx="minor">
             <a:schemeClr val="tx1"/>
           </a:fontRef>
         </p:style>
       </p:cxnSp>
-      <p:sp>
-        <p:nvSpPr>
-          <p:cNvPr id="6" name="Flowchart: Process 5"/>
+      <p:cxnSp>
+        <p:nvCxnSpPr>
+          <p:cNvPr id="7" name="Straight Arrow Connector 6"/>
+          <p:cNvCxnSpPr>
+            <a:stCxn id="6" idx="2"/>
+          </p:cNvCxnSpPr>
+          <p:nvPr/>
+        </p:nvCxnSpPr>
+        <p:spPr>
+          <a:xfrm flipH="1">
+            <a:off x="5052060" y="2199640"/>
+            <a:ext cx="7620" cy="461645"/>
+          </a:xfrm>
+          <a:prstGeom prst="straightConnector1">
+            <a:avLst/>
+          </a:prstGeom>
+          <a:ln>
+            <a:tailEnd type="arrow" w="med" len="med"/>
+          </a:ln>
+        </p:spPr>
+        <p:style>
+          <a:lnRef idx="1">
+            <a:schemeClr val="dk1"/>
+          </a:lnRef>
+          <a:fillRef idx="0">
+            <a:schemeClr val="dk1"/>
+          </a:fillRef>
+          <a:effectRef idx="0">
+            <a:schemeClr val="dk1"/>
+          </a:effectRef>
+          <a:fontRef idx="minor">
+            <a:schemeClr val="tx1"/>
+          </a:fontRef>
+        </p:style>
+      </p:cxnSp>
+      <p:sp>
+        <p:nvSpPr>
+          <p:cNvPr id="8" name="Flowchart: Decision 7"/>
           <p:cNvSpPr/>
           <p:nvPr/>
         </p:nvSpPr>
         <p:spPr>
           <a:xfrm>
-            <a:off x="3934460" y="1483995"/>
-            <a:ext cx="2250440" cy="715645"/>
-          </a:xfrm>
-          <a:prstGeom prst="flowChartProcess">
-            <a:avLst/>
-          </a:prstGeom>
+            <a:off x="4091305" y="2661285"/>
+            <a:ext cx="1937385" cy="1192530"/>
+          </a:xfrm>
+          <a:prstGeom prst="flowChartDecision">
+            <a:avLst/>
+          </a:prstGeom>
+          <a:gradFill>
+            <a:gsLst>
+              <a:gs pos="0">
+                <a:srgbClr val="E30000"/>
+              </a:gs>
+              <a:gs pos="100000">
+                <a:srgbClr val="760303"/>
+              </a:gs>
+            </a:gsLst>
+            <a:lin scaled="0"/>
+          </a:gradFill>
         </p:spPr>
         <p:style>
           <a:lnRef idx="2">
@@ -3977,33 +4139,31 @@
       </p:sp>
       <p:cxnSp>
         <p:nvCxnSpPr>
-          <p:cNvPr id="7" name="Straight Arrow Connector 6"/>
-          <p:cNvCxnSpPr>
-            <a:stCxn id="6" idx="2"/>
-          </p:cNvCxnSpPr>
+          <p:cNvPr id="9" name="Straight Arrow Connector 8"/>
+          <p:cNvCxnSpPr/>
           <p:nvPr/>
         </p:nvCxnSpPr>
         <p:spPr>
-          <a:xfrm flipH="1">
-            <a:off x="5052060" y="2199640"/>
-            <a:ext cx="7620" cy="461645"/>
+          <a:xfrm>
+            <a:off x="6028690" y="3265170"/>
+            <a:ext cx="901065" cy="6985"/>
           </a:xfrm>
           <a:prstGeom prst="straightConnector1">
             <a:avLst/>
           </a:prstGeom>
           <a:ln>
-            <a:tailEnd type="arrow"/>
+            <a:tailEnd type="arrow" w="med" len="med"/>
           </a:ln>
         </p:spPr>
         <p:style>
           <a:lnRef idx="1">
-            <a:schemeClr val="accent1"/>
+            <a:schemeClr val="dk1"/>
           </a:lnRef>
           <a:fillRef idx="0">
-            <a:schemeClr val="accent1"/>
+            <a:schemeClr val="dk1"/>
           </a:fillRef>
           <a:effectRef idx="0">
-            <a:schemeClr val="accent1"/>
+            <a:schemeClr val="dk1"/>
           </a:effectRef>
           <a:fontRef idx="minor">
             <a:schemeClr val="tx1"/>
@@ -4012,30 +4172,30 @@
       </p:cxnSp>
       <p:sp>
         <p:nvSpPr>
-          <p:cNvPr id="8" name="Flowchart: Decision 7"/>
+          <p:cNvPr id="10" name="Flowchart: Process 9"/>
           <p:cNvSpPr/>
           <p:nvPr/>
         </p:nvSpPr>
         <p:spPr>
           <a:xfrm>
-            <a:off x="4091305" y="2661285"/>
-            <a:ext cx="1937385" cy="1192530"/>
-          </a:xfrm>
-          <a:prstGeom prst="flowChartDecision">
+            <a:off x="6929755" y="2780665"/>
+            <a:ext cx="1803400" cy="953770"/>
+          </a:xfrm>
+          <a:prstGeom prst="flowChartProcess">
             <a:avLst/>
           </a:prstGeom>
         </p:spPr>
         <p:style>
           <a:lnRef idx="2">
-            <a:schemeClr val="accent1">
+            <a:schemeClr val="accent4">
               <a:shade val="50000"/>
             </a:schemeClr>
           </a:lnRef>
           <a:fillRef idx="1">
-            <a:schemeClr val="accent1"/>
+            <a:schemeClr val="accent4"/>
           </a:fillRef>
           <a:effectRef idx="0">
-            <a:schemeClr val="accent1"/>
+            <a:schemeClr val="accent4"/>
           </a:effectRef>
           <a:fontRef idx="minor">
             <a:schemeClr val="lt1"/>
@@ -4051,31 +4211,33 @@
       </p:sp>
       <p:cxnSp>
         <p:nvCxnSpPr>
-          <p:cNvPr id="9" name="Straight Arrow Connector 8"/>
-          <p:cNvCxnSpPr/>
+          <p:cNvPr id="12" name="Straight Arrow Connector 11"/>
+          <p:cNvCxnSpPr>
+            <a:stCxn id="10" idx="3"/>
+          </p:cNvCxnSpPr>
           <p:nvPr/>
         </p:nvCxnSpPr>
         <p:spPr>
-          <a:xfrm>
-            <a:off x="6028690" y="3265170"/>
-            <a:ext cx="901065" cy="6985"/>
+          <a:xfrm flipV="1">
+            <a:off x="8733155" y="3256915"/>
+            <a:ext cx="641350" cy="635"/>
           </a:xfrm>
           <a:prstGeom prst="straightConnector1">
             <a:avLst/>
           </a:prstGeom>
           <a:ln>
-            <a:tailEnd type="arrow"/>
+            <a:tailEnd type="arrow" w="med" len="med"/>
           </a:ln>
         </p:spPr>
         <p:style>
           <a:lnRef idx="1">
-            <a:schemeClr val="accent1"/>
+            <a:schemeClr val="dk1"/>
           </a:lnRef>
           <a:fillRef idx="0">
-            <a:schemeClr val="accent1"/>
+            <a:schemeClr val="dk1"/>
           </a:fillRef>
           <a:effectRef idx="0">
-            <a:schemeClr val="accent1"/>
+            <a:schemeClr val="dk1"/>
           </a:effectRef>
           <a:fontRef idx="minor">
             <a:schemeClr val="tx1"/>
@@ -4084,14 +4246,14 @@
       </p:cxnSp>
       <p:sp>
         <p:nvSpPr>
-          <p:cNvPr id="10" name="Flowchart: Process 9"/>
+          <p:cNvPr id="13" name="Flowchart: Process 12"/>
           <p:cNvSpPr/>
           <p:nvPr/>
         </p:nvSpPr>
         <p:spPr>
           <a:xfrm>
-            <a:off x="6929755" y="2780665"/>
-            <a:ext cx="1803400" cy="953770"/>
+            <a:off x="9344660" y="2095500"/>
+            <a:ext cx="1982470" cy="1638300"/>
           </a:xfrm>
           <a:prstGeom prst="flowChartProcess">
             <a:avLst/>
@@ -4099,89 +4261,15 @@
         </p:spPr>
         <p:style>
           <a:lnRef idx="2">
-            <a:schemeClr val="accent1">
+            <a:schemeClr val="accent4">
               <a:shade val="50000"/>
             </a:schemeClr>
           </a:lnRef>
           <a:fillRef idx="1">
-            <a:schemeClr val="accent1"/>
+            <a:schemeClr val="accent4"/>
           </a:fillRef>
           <a:effectRef idx="0">
-            <a:schemeClr val="accent1"/>
-          </a:effectRef>
-          <a:fontRef idx="minor">
-            <a:schemeClr val="lt1"/>
-          </a:fontRef>
-        </p:style>
-        <p:txBody>
-          <a:bodyPr rtlCol="0" anchor="ctr"/>
-          <a:p>
-            <a:pPr algn="ctr"/>
-            <a:endParaRPr lang="en-US"/>
-          </a:p>
-        </p:txBody>
-      </p:sp>
-      <p:cxnSp>
-        <p:nvCxnSpPr>
-          <p:cNvPr id="12" name="Straight Arrow Connector 11"/>
-          <p:cNvCxnSpPr>
-            <a:stCxn id="10" idx="3"/>
-          </p:cNvCxnSpPr>
-          <p:nvPr/>
-        </p:nvCxnSpPr>
-        <p:spPr>
-          <a:xfrm flipV="1">
-            <a:off x="8733155" y="3256915"/>
-            <a:ext cx="641350" cy="635"/>
-          </a:xfrm>
-          <a:prstGeom prst="straightConnector1">
-            <a:avLst/>
-          </a:prstGeom>
-          <a:ln>
-            <a:tailEnd type="arrow"/>
-          </a:ln>
-        </p:spPr>
-        <p:style>
-          <a:lnRef idx="1">
-            <a:schemeClr val="accent1"/>
-          </a:lnRef>
-          <a:fillRef idx="0">
-            <a:schemeClr val="accent1"/>
-          </a:fillRef>
-          <a:effectRef idx="0">
-            <a:schemeClr val="accent1"/>
-          </a:effectRef>
-          <a:fontRef idx="minor">
-            <a:schemeClr val="tx1"/>
-          </a:fontRef>
-        </p:style>
-      </p:cxnSp>
-      <p:sp>
-        <p:nvSpPr>
-          <p:cNvPr id="13" name="Flowchart: Process 12"/>
-          <p:cNvSpPr/>
-          <p:nvPr/>
-        </p:nvSpPr>
-        <p:spPr>
-          <a:xfrm>
-            <a:off x="9344660" y="2095500"/>
-            <a:ext cx="1982470" cy="1638300"/>
-          </a:xfrm>
-          <a:prstGeom prst="flowChartProcess">
-            <a:avLst/>
-          </a:prstGeom>
-        </p:spPr>
-        <p:style>
-          <a:lnRef idx="2">
-            <a:schemeClr val="accent1">
-              <a:shade val="50000"/>
-            </a:schemeClr>
-          </a:lnRef>
-          <a:fillRef idx="1">
-            <a:schemeClr val="accent1"/>
-          </a:fillRef>
-          <a:effectRef idx="0">
-            <a:schemeClr val="accent1"/>
+            <a:schemeClr val="accent4"/>
           </a:effectRef>
           <a:fontRef idx="minor">
             <a:schemeClr val="lt1"/>
@@ -4212,18 +4300,18 @@
             <a:avLst/>
           </a:prstGeom>
           <a:ln>
-            <a:tailEnd type="arrow"/>
+            <a:tailEnd type="arrow" w="med" len="med"/>
           </a:ln>
         </p:spPr>
         <p:style>
           <a:lnRef idx="1">
-            <a:schemeClr val="accent1"/>
+            <a:schemeClr val="dk1"/>
           </a:lnRef>
           <a:fillRef idx="0">
-            <a:schemeClr val="accent1"/>
+            <a:schemeClr val="dk1"/>
           </a:fillRef>
           <a:effectRef idx="0">
-            <a:schemeClr val="accent1"/>
+            <a:schemeClr val="dk1"/>
           </a:effectRef>
           <a:fontRef idx="minor">
             <a:schemeClr val="tx1"/>
@@ -4247,18 +4335,18 @@
             <a:avLst/>
           </a:prstGeom>
           <a:ln>
-            <a:tailEnd type="arrow"/>
+            <a:tailEnd type="arrow" w="med" len="med"/>
           </a:ln>
         </p:spPr>
         <p:style>
           <a:lnRef idx="1">
-            <a:schemeClr val="accent1"/>
+            <a:schemeClr val="dk1"/>
           </a:lnRef>
           <a:fillRef idx="0">
-            <a:schemeClr val="accent1"/>
+            <a:schemeClr val="dk1"/>
           </a:fillRef>
           <a:effectRef idx="0">
-            <a:schemeClr val="accent1"/>
+            <a:schemeClr val="dk1"/>
           </a:effectRef>
           <a:fontRef idx="minor">
             <a:schemeClr val="tx1"/>
@@ -4283,18 +4371,18 @@
             <a:avLst/>
           </a:prstGeom>
           <a:ln>
-            <a:tailEnd type="arrow"/>
+            <a:tailEnd type="arrow" w="med" len="med"/>
           </a:ln>
         </p:spPr>
         <p:style>
           <a:lnRef idx="1">
-            <a:schemeClr val="accent1"/>
+            <a:schemeClr val="dk1"/>
           </a:lnRef>
           <a:fillRef idx="0">
-            <a:schemeClr val="accent1"/>
+            <a:schemeClr val="dk1"/>
           </a:fillRef>
           <a:effectRef idx="0">
-            <a:schemeClr val="accent1"/>
+            <a:schemeClr val="dk1"/>
           </a:effectRef>
           <a:fontRef idx="minor">
             <a:schemeClr val="tx1"/>
@@ -4332,14 +4420,14 @@
       </p:sp>
       <p:sp>
         <p:nvSpPr>
-          <p:cNvPr id="20" name="Text Box 19"/>
+          <p:cNvPr id="21" name="Text Box 20"/>
           <p:cNvSpPr txBox="1"/>
           <p:nvPr/>
         </p:nvSpPr>
         <p:spPr>
           <a:xfrm>
-            <a:off x="3978910" y="1462405"/>
-            <a:ext cx="2160905" cy="737235"/>
+            <a:off x="4560570" y="2900045"/>
+            <a:ext cx="1057910" cy="737235"/>
           </a:xfrm>
           <a:prstGeom prst="rect">
             <a:avLst/>
@@ -4353,29 +4441,22 @@
           <a:p>
             <a:r>
               <a:rPr lang="en-GB" altLang="en-US" sz="1400"/>
-              <a:t>add = val_1 + val_2 + val_3 </a:t>
+              <a:t>if val_1==val_2 == val_3</a:t>
             </a:r>
             <a:endParaRPr lang="en-GB" altLang="en-US" sz="1400"/>
           </a:p>
-          <a:p>
-            <a:r>
-              <a:rPr lang="en-GB" altLang="en-US" sz="1400"/>
-              <a:t>print (‘your sum value =, add)</a:t>
-            </a:r>
-            <a:endParaRPr lang="en-GB" altLang="en-US" sz="1400"/>
-          </a:p>
-        </p:txBody>
-      </p:sp>
-      <p:sp>
-        <p:nvSpPr>
-          <p:cNvPr id="21" name="Text Box 20"/>
+        </p:txBody>
+      </p:sp>
+      <p:sp>
+        <p:nvSpPr>
+          <p:cNvPr id="22" name="Text Box 21"/>
           <p:cNvSpPr txBox="1"/>
           <p:nvPr/>
         </p:nvSpPr>
         <p:spPr>
           <a:xfrm>
-            <a:off x="4560570" y="2900045"/>
-            <a:ext cx="1057910" cy="737235"/>
+            <a:off x="6184265" y="2888615"/>
+            <a:ext cx="745490" cy="368300"/>
           </a:xfrm>
           <a:prstGeom prst="rect">
             <a:avLst/>
@@ -4388,23 +4469,23 @@
           </a:bodyPr>
           <a:p>
             <a:r>
-              <a:rPr lang="en-GB" altLang="en-US" sz="1400"/>
-              <a:t>if val_1==val_2 == val_3</a:t>
-            </a:r>
-            <a:endParaRPr lang="en-GB" altLang="en-US" sz="1400"/>
-          </a:p>
-        </p:txBody>
-      </p:sp>
-      <p:sp>
-        <p:nvSpPr>
-          <p:cNvPr id="22" name="Text Box 21"/>
+              <a:rPr lang="en-GB" altLang="en-US"/>
+              <a:t>true</a:t>
+            </a:r>
+            <a:endParaRPr lang="en-GB" altLang="en-US"/>
+          </a:p>
+        </p:txBody>
+      </p:sp>
+      <p:sp>
+        <p:nvSpPr>
+          <p:cNvPr id="23" name="Text Box 22"/>
           <p:cNvSpPr txBox="1"/>
           <p:nvPr/>
         </p:nvSpPr>
         <p:spPr>
           <a:xfrm>
-            <a:off x="6080125" y="2914650"/>
-            <a:ext cx="745490" cy="368300"/>
+            <a:off x="6929755" y="2780665"/>
+            <a:ext cx="1729105" cy="922020"/>
           </a:xfrm>
           <a:prstGeom prst="rect">
             <a:avLst/>
@@ -4418,35 +4499,6 @@
           <a:p>
             <a:r>
               <a:rPr lang="en-GB" altLang="en-US"/>
-              <a:t>true</a:t>
-            </a:r>
-            <a:endParaRPr lang="en-GB" altLang="en-US"/>
-          </a:p>
-        </p:txBody>
-      </p:sp>
-      <p:sp>
-        <p:nvSpPr>
-          <p:cNvPr id="23" name="Text Box 22"/>
-          <p:cNvSpPr txBox="1"/>
-          <p:nvPr/>
-        </p:nvSpPr>
-        <p:spPr>
-          <a:xfrm>
-            <a:off x="6929755" y="2780665"/>
-            <a:ext cx="1729105" cy="922020"/>
-          </a:xfrm>
-          <a:prstGeom prst="rect">
-            <a:avLst/>
-          </a:prstGeom>
-          <a:noFill/>
-        </p:spPr>
-        <p:txBody>
-          <a:bodyPr wrap="square" rtlCol="0">
-            <a:spAutoFit/>
-          </a:bodyPr>
-          <a:p>
-            <a:r>
-              <a:rPr lang="en-GB" altLang="en-US"/>
               <a:t>add*=3</a:t>
             </a:r>
             <a:endParaRPr lang="en-GB" altLang="en-US"/>
@@ -4469,7 +4521,7 @@
         <p:spPr>
           <a:xfrm>
             <a:off x="9374505" y="2083435"/>
-            <a:ext cx="1937385" cy="2030095"/>
+            <a:ext cx="1951355" cy="2030095"/>
           </a:xfrm>
           <a:prstGeom prst="rect">
             <a:avLst/>
@@ -4598,16 +4650,16 @@
       </p:sp>
       <p:sp>
         <p:nvSpPr>
-          <p:cNvPr id="27" name="Flowchart: Alternate Process 26"/>
+          <p:cNvPr id="3" name="Flowchart: Data 2"/>
           <p:cNvSpPr/>
           <p:nvPr/>
         </p:nvSpPr>
         <p:spPr>
           <a:xfrm>
-            <a:off x="9374505" y="5746115"/>
-            <a:ext cx="1951990" cy="670560"/>
-          </a:xfrm>
-          <a:prstGeom prst="flowChartAlternateProcess">
+            <a:off x="3561715" y="1610360"/>
+            <a:ext cx="3263900" cy="633730"/>
+          </a:xfrm>
+          <a:prstGeom prst="flowChartInputOutput">
             <a:avLst/>
           </a:prstGeom>
         </p:spPr>
@@ -4637,13 +4689,91 @@
       </p:sp>
       <p:sp>
         <p:nvSpPr>
+          <p:cNvPr id="20" name="Text Box 19"/>
+          <p:cNvSpPr txBox="1"/>
+          <p:nvPr/>
+        </p:nvSpPr>
+        <p:spPr>
+          <a:xfrm>
+            <a:off x="3975100" y="1610360"/>
+            <a:ext cx="2402840" cy="521970"/>
+          </a:xfrm>
+          <a:prstGeom prst="rect">
+            <a:avLst/>
+          </a:prstGeom>
+          <a:noFill/>
+        </p:spPr>
+        <p:txBody>
+          <a:bodyPr wrap="square" rtlCol="0">
+            <a:spAutoFit/>
+          </a:bodyPr>
+          <a:p>
+            <a:r>
+              <a:rPr lang="en-GB" altLang="en-US" sz="1400"/>
+              <a:t>add = val_1 + val_2 + val_3 </a:t>
+            </a:r>
+            <a:endParaRPr lang="en-GB" altLang="en-US" sz="1400"/>
+          </a:p>
+          <a:p>
+            <a:r>
+              <a:rPr lang="en-GB" altLang="en-US" sz="1400"/>
+              <a:t>print (‘your sum value =, add)</a:t>
+            </a:r>
+            <a:endParaRPr lang="en-GB" altLang="en-US" sz="1400"/>
+          </a:p>
+        </p:txBody>
+      </p:sp>
+      <p:sp>
+        <p:nvSpPr>
+          <p:cNvPr id="11" name="Flowchart: Terminator 10"/>
+          <p:cNvSpPr/>
+          <p:nvPr/>
+        </p:nvSpPr>
+        <p:spPr>
+          <a:xfrm>
+            <a:off x="9543415" y="5746115"/>
+            <a:ext cx="2339975" cy="715645"/>
+          </a:xfrm>
+          <a:prstGeom prst="flowChartTerminator">
+            <a:avLst/>
+          </a:prstGeom>
+          <a:solidFill>
+            <a:schemeClr val="accent6"/>
+          </a:solidFill>
+        </p:spPr>
+        <p:style>
+          <a:lnRef idx="2">
+            <a:schemeClr val="accent1">
+              <a:shade val="50000"/>
+            </a:schemeClr>
+          </a:lnRef>
+          <a:fillRef idx="1">
+            <a:schemeClr val="accent1"/>
+          </a:fillRef>
+          <a:effectRef idx="0">
+            <a:schemeClr val="accent1"/>
+          </a:effectRef>
+          <a:fontRef idx="minor">
+            <a:schemeClr val="lt1"/>
+          </a:fontRef>
+        </p:style>
+        <p:txBody>
+          <a:bodyPr rtlCol="0" anchor="ctr"/>
+          <a:p>
+            <a:pPr algn="ctr"/>
+            <a:endParaRPr lang="en-US"/>
+          </a:p>
+        </p:txBody>
+      </p:sp>
+      <p:sp>
+        <p:nvSpPr>
           <p:cNvPr id="28" name="Text Box 27"/>
           <p:cNvSpPr txBox="1"/>
           <p:nvPr/>
         </p:nvSpPr>
         <p:spPr>
           <a:xfrm>
-            <a:off x="10013950" y="5824855"/>
+            <a:off x="9761855" y="5920105"/>
             <a:ext cx="1565275" cy="368300"/>
           </a:xfrm>
           <a:prstGeom prst="rect">
@@ -4730,15 +4860,15 @@
         </p:spPr>
         <p:style>
           <a:lnRef idx="2">
-            <a:schemeClr val="accent1">
+            <a:schemeClr val="accent6">
               <a:shade val="50000"/>
             </a:schemeClr>
           </a:lnRef>
           <a:fillRef idx="1">
-            <a:schemeClr val="accent1"/>
+            <a:schemeClr val="accent6"/>
           </a:fillRef>
           <a:effectRef idx="0">
-            <a:schemeClr val="accent1"/>
+            <a:schemeClr val="accent6"/>
           </a:effectRef>
           <a:fontRef idx="minor">
             <a:schemeClr val="lt1"/>
@@ -4770,18 +4900,18 @@
             <a:avLst/>
           </a:prstGeom>
           <a:ln>
-            <a:tailEnd type="arrow"/>
+            <a:tailEnd type="arrow" w="med" len="med"/>
           </a:ln>
         </p:spPr>
         <p:style>
           <a:lnRef idx="1">
-            <a:schemeClr val="accent1"/>
+            <a:schemeClr val="dk1"/>
           </a:lnRef>
           <a:fillRef idx="0">
-            <a:schemeClr val="accent1"/>
+            <a:schemeClr val="dk1"/>
           </a:fillRef>
           <a:effectRef idx="0">
-            <a:schemeClr val="accent1"/>
+            <a:schemeClr val="dk1"/>
           </a:effectRef>
           <a:fontRef idx="minor">
             <a:schemeClr val="tx1"/>
@@ -4802,6 +4932,17 @@
           <a:prstGeom prst="flowChartDecision">
             <a:avLst/>
           </a:prstGeom>
+          <a:gradFill>
+            <a:gsLst>
+              <a:gs pos="0">
+                <a:srgbClr val="E30000"/>
+              </a:gs>
+              <a:gs pos="100000">
+                <a:srgbClr val="760303"/>
+              </a:gs>
+            </a:gsLst>
+            <a:lin scaled="0"/>
+          </a:gradFill>
         </p:spPr>
         <p:style>
           <a:lnRef idx="2">
@@ -4876,6 +5017,17 @@
           <a:prstGeom prst="flowChartDecision">
             <a:avLst/>
           </a:prstGeom>
+          <a:gradFill>
+            <a:gsLst>
+              <a:gs pos="0">
+                <a:srgbClr val="E30000"/>
+              </a:gs>
+              <a:gs pos="100000">
+                <a:srgbClr val="760303"/>
+              </a:gs>
+            </a:gsLst>
+            <a:lin scaled="0"/>
+          </a:gradFill>
         </p:spPr>
         <p:style>
           <a:lnRef idx="2">
@@ -4918,18 +5070,18 @@
             <a:avLst/>
           </a:prstGeom>
           <a:ln>
-            <a:tailEnd type="arrow"/>
+            <a:tailEnd type="arrow" w="med" len="med"/>
           </a:ln>
         </p:spPr>
         <p:style>
           <a:lnRef idx="1">
-            <a:schemeClr val="accent1"/>
+            <a:schemeClr val="dk1"/>
           </a:lnRef>
           <a:fillRef idx="0">
-            <a:schemeClr val="accent1"/>
+            <a:schemeClr val="dk1"/>
           </a:fillRef>
           <a:effectRef idx="0">
-            <a:schemeClr val="accent1"/>
+            <a:schemeClr val="dk1"/>
           </a:effectRef>
           <a:fontRef idx="minor">
             <a:schemeClr val="tx1"/>
@@ -4950,6 +5102,17 @@
           <a:prstGeom prst="flowChartDecision">
             <a:avLst/>
           </a:prstGeom>
+          <a:gradFill>
+            <a:gsLst>
+              <a:gs pos="0">
+                <a:srgbClr val="E30000"/>
+              </a:gs>
+              <a:gs pos="100000">
+                <a:srgbClr val="760303"/>
+              </a:gs>
+            </a:gsLst>
+            <a:lin scaled="0"/>
+          </a:gradFill>
         </p:spPr>
         <p:style>
           <a:lnRef idx="2">
@@ -4990,18 +5153,18 @@
             <a:avLst/>
           </a:prstGeom>
           <a:ln>
-            <a:tailEnd type="arrow"/>
+            <a:tailEnd type="arrow" w="med" len="med"/>
           </a:ln>
         </p:spPr>
         <p:style>
           <a:lnRef idx="1">
-            <a:schemeClr val="accent1"/>
+            <a:schemeClr val="dk1"/>
           </a:lnRef>
           <a:fillRef idx="0">
-            <a:schemeClr val="accent1"/>
+            <a:schemeClr val="dk1"/>
           </a:fillRef>
           <a:effectRef idx="0">
-            <a:schemeClr val="accent1"/>
+            <a:schemeClr val="dk1"/>
           </a:effectRef>
           <a:fontRef idx="minor">
             <a:schemeClr val="tx1"/>
@@ -5022,6 +5185,17 @@
           <a:prstGeom prst="flowChartDecision">
             <a:avLst/>
           </a:prstGeom>
+          <a:gradFill>
+            <a:gsLst>
+              <a:gs pos="0">
+                <a:srgbClr val="E30000"/>
+              </a:gs>
+              <a:gs pos="100000">
+                <a:srgbClr val="760303"/>
+              </a:gs>
+            </a:gsLst>
+            <a:lin scaled="0"/>
+          </a:gradFill>
         </p:spPr>
         <p:style>
           <a:lnRef idx="2">
@@ -5064,18 +5238,18 @@
             <a:avLst/>
           </a:prstGeom>
           <a:ln>
-            <a:tailEnd type="arrow"/>
+            <a:tailEnd type="arrow" w="med" len="med"/>
           </a:ln>
         </p:spPr>
         <p:style>
           <a:lnRef idx="1">
-            <a:schemeClr val="accent1"/>
+            <a:schemeClr val="dk1"/>
           </a:lnRef>
           <a:fillRef idx="0">
-            <a:schemeClr val="accent1"/>
+            <a:schemeClr val="dk1"/>
           </a:fillRef>
           <a:effectRef idx="0">
-            <a:schemeClr val="accent1"/>
+            <a:schemeClr val="dk1"/>
           </a:effectRef>
           <a:fontRef idx="minor">
             <a:schemeClr val="tx1"/>
@@ -5096,6 +5270,9 @@
           <a:prstGeom prst="flowChartProcess">
             <a:avLst/>
           </a:prstGeom>
+          <a:solidFill>
+            <a:schemeClr val="accent4"/>
+          </a:solidFill>
         </p:spPr>
         <p:style>
           <a:lnRef idx="2">
@@ -5138,15 +5315,15 @@
         </p:spPr>
         <p:style>
           <a:lnRef idx="2">
-            <a:schemeClr val="accent1">
+            <a:schemeClr val="accent4">
               <a:shade val="50000"/>
             </a:schemeClr>
           </a:lnRef>
           <a:fillRef idx="1">
-            <a:schemeClr val="accent1"/>
+            <a:schemeClr val="accent4"/>
           </a:fillRef>
           <a:effectRef idx="0">
-            <a:schemeClr val="accent1"/>
+            <a:schemeClr val="accent4"/>
           </a:effectRef>
           <a:fontRef idx="minor">
             <a:schemeClr val="lt1"/>
@@ -5174,6 +5351,9 @@
           <a:prstGeom prst="flowChartProcess">
             <a:avLst/>
           </a:prstGeom>
+          <a:solidFill>
+            <a:schemeClr val="accent4"/>
+          </a:solidFill>
         </p:spPr>
         <p:style>
           <a:lnRef idx="2">
@@ -5217,18 +5397,18 @@
             <a:avLst/>
           </a:prstGeom>
           <a:ln>
-            <a:tailEnd type="arrow"/>
+            <a:tailEnd type="arrow" w="med" len="med"/>
           </a:ln>
         </p:spPr>
         <p:style>
           <a:lnRef idx="1">
-            <a:schemeClr val="accent1"/>
+            <a:schemeClr val="dk1"/>
           </a:lnRef>
           <a:fillRef idx="0">
-            <a:schemeClr val="accent1"/>
+            <a:schemeClr val="dk1"/>
           </a:fillRef>
           <a:effectRef idx="0">
-            <a:schemeClr val="accent1"/>
+            <a:schemeClr val="dk1"/>
           </a:effectRef>
           <a:fontRef idx="minor">
             <a:schemeClr val="tx1"/>
@@ -5252,18 +5432,18 @@
             <a:avLst/>
           </a:prstGeom>
           <a:ln>
-            <a:tailEnd type="arrow"/>
+            <a:tailEnd type="arrow" w="med" len="med"/>
           </a:ln>
         </p:spPr>
         <p:style>
           <a:lnRef idx="1">
-            <a:schemeClr val="accent1"/>
+            <a:schemeClr val="dk1"/>
           </a:lnRef>
           <a:fillRef idx="0">
-            <a:schemeClr val="accent1"/>
+            <a:schemeClr val="dk1"/>
           </a:fillRef>
           <a:effectRef idx="0">
-            <a:schemeClr val="accent1"/>
+            <a:schemeClr val="dk1"/>
           </a:effectRef>
           <a:fontRef idx="minor">
             <a:schemeClr val="tx1"/>
@@ -5287,18 +5467,18 @@
             <a:avLst/>
           </a:prstGeom>
           <a:ln>
-            <a:tailEnd type="arrow"/>
+            <a:tailEnd type="arrow" w="med" len="med"/>
           </a:ln>
         </p:spPr>
         <p:style>
           <a:lnRef idx="1">
-            <a:schemeClr val="accent1"/>
+            <a:schemeClr val="dk1"/>
           </a:lnRef>
           <a:fillRef idx="0">
-            <a:schemeClr val="accent1"/>
+            <a:schemeClr val="dk1"/>
           </a:fillRef>
           <a:effectRef idx="0">
-            <a:schemeClr val="accent1"/>
+            <a:schemeClr val="dk1"/>
           </a:effectRef>
           <a:fontRef idx="minor">
             <a:schemeClr val="tx1"/>
@@ -5320,18 +5500,18 @@
             <a:avLst/>
           </a:prstGeom>
           <a:ln>
-            <a:tailEnd type="arrow"/>
+            <a:tailEnd type="arrow" w="med" len="med"/>
           </a:ln>
         </p:spPr>
         <p:style>
           <a:lnRef idx="1">
-            <a:schemeClr val="accent1"/>
+            <a:schemeClr val="dk1"/>
           </a:lnRef>
           <a:fillRef idx="0">
-            <a:schemeClr val="accent1"/>
+            <a:schemeClr val="dk1"/>
           </a:fillRef>
           <a:effectRef idx="0">
-            <a:schemeClr val="accent1"/>
+            <a:schemeClr val="dk1"/>
           </a:effectRef>
           <a:fontRef idx="minor">
             <a:schemeClr val="tx1"/>
@@ -5353,18 +5533,18 @@
             <a:avLst/>
           </a:prstGeom>
           <a:ln>
-            <a:tailEnd type="arrow"/>
+            <a:tailEnd type="arrow" w="med" len="med"/>
           </a:ln>
         </p:spPr>
         <p:style>
           <a:lnRef idx="1">
-            <a:schemeClr val="accent1"/>
+            <a:schemeClr val="dk1"/>
           </a:lnRef>
           <a:fillRef idx="0">
-            <a:schemeClr val="accent1"/>
+            <a:schemeClr val="dk1"/>
           </a:fillRef>
           <a:effectRef idx="0">
-            <a:schemeClr val="accent1"/>
+            <a:schemeClr val="dk1"/>
           </a:effectRef>
           <a:fontRef idx="minor">
             <a:schemeClr val="tx1"/>
@@ -5385,6 +5565,9 @@
           <a:prstGeom prst="flowChartTerminator">
             <a:avLst/>
           </a:prstGeom>
+          <a:solidFill>
+            <a:schemeClr val="accent6"/>
+          </a:solidFill>
         </p:spPr>
         <p:style>
           <a:lnRef idx="2">
@@ -5428,18 +5611,18 @@
             <a:avLst/>
           </a:prstGeom>
           <a:ln>
-            <a:tailEnd type="arrow"/>
+            <a:tailEnd type="arrow" w="med" len="med"/>
           </a:ln>
         </p:spPr>
         <p:style>
           <a:lnRef idx="1">
-            <a:schemeClr val="accent1"/>
+            <a:schemeClr val="dk1"/>
           </a:lnRef>
           <a:fillRef idx="0">
-            <a:schemeClr val="accent1"/>
+            <a:schemeClr val="dk1"/>
           </a:fillRef>
           <a:effectRef idx="0">
-            <a:schemeClr val="accent1"/>
+            <a:schemeClr val="dk1"/>
           </a:effectRef>
           <a:fontRef idx="minor">
             <a:schemeClr val="tx1"/>
@@ -5512,7 +5695,7 @@
         </p:nvSpPr>
         <p:spPr>
           <a:xfrm>
-            <a:off x="6929755" y="2049780"/>
+            <a:off x="7018655" y="1830705"/>
             <a:ext cx="626110" cy="368300"/>
           </a:xfrm>
           <a:prstGeom prst="rect">
@@ -5858,10 +6041,84 @@
         </p:nvSpPr>
         <p:spPr>
           <a:xfrm>
-            <a:off x="5145405" y="213995"/>
+            <a:off x="5469890" y="1602740"/>
             <a:ext cx="2187575" cy="754380"/>
           </a:xfrm>
           <a:prstGeom prst="flowChartTerminator">
+            <a:avLst/>
+          </a:prstGeom>
+        </p:spPr>
+        <p:style>
+          <a:lnRef idx="2">
+            <a:schemeClr val="accent6">
+              <a:shade val="50000"/>
+            </a:schemeClr>
+          </a:lnRef>
+          <a:fillRef idx="1">
+            <a:schemeClr val="accent6"/>
+          </a:fillRef>
+          <a:effectRef idx="0">
+            <a:schemeClr val="accent6"/>
+          </a:effectRef>
+          <a:fontRef idx="minor">
+            <a:schemeClr val="lt1"/>
+          </a:fontRef>
+        </p:style>
+        <p:txBody>
+          <a:bodyPr rtlCol="0" anchor="ctr"/>
+          <a:p>
+            <a:pPr algn="ctr"/>
+            <a:endParaRPr lang="en-US"/>
+          </a:p>
+        </p:txBody>
+      </p:sp>
+      <p:cxnSp>
+        <p:nvCxnSpPr>
+          <p:cNvPr id="5" name="Straight Arrow Connector 4"/>
+          <p:cNvCxnSpPr>
+            <a:stCxn id="4" idx="2"/>
+          </p:cNvCxnSpPr>
+          <p:nvPr/>
+        </p:nvCxnSpPr>
+        <p:spPr>
+          <a:xfrm flipH="1">
+            <a:off x="6555740" y="2357120"/>
+            <a:ext cx="8255" cy="309880"/>
+          </a:xfrm>
+          <a:prstGeom prst="straightConnector1">
+            <a:avLst/>
+          </a:prstGeom>
+          <a:ln>
+            <a:tailEnd type="arrow"/>
+          </a:ln>
+        </p:spPr>
+        <p:style>
+          <a:lnRef idx="1">
+            <a:schemeClr val="accent1"/>
+          </a:lnRef>
+          <a:fillRef idx="0">
+            <a:schemeClr val="accent1"/>
+          </a:fillRef>
+          <a:effectRef idx="0">
+            <a:schemeClr val="accent1"/>
+          </a:effectRef>
+          <a:fontRef idx="minor">
+            <a:schemeClr val="tx1"/>
+          </a:fontRef>
+        </p:style>
+      </p:cxnSp>
+      <p:sp>
+        <p:nvSpPr>
+          <p:cNvPr id="8" name="Parallelogram 7"/>
+          <p:cNvSpPr/>
+          <p:nvPr/>
+        </p:nvSpPr>
+        <p:spPr>
+          <a:xfrm>
+            <a:off x="4980305" y="2680970"/>
+            <a:ext cx="3151505" cy="723900"/>
+          </a:xfrm>
+          <a:prstGeom prst="parallelogram">
             <a:avLst/>
           </a:prstGeom>
         </p:spPr>
@@ -5891,16 +6148,16 @@
       </p:sp>
       <p:cxnSp>
         <p:nvCxnSpPr>
-          <p:cNvPr id="5" name="Straight Arrow Connector 4"/>
+          <p:cNvPr id="9" name="Straight Arrow Connector 8"/>
           <p:cNvCxnSpPr>
-            <a:stCxn id="4" idx="2"/>
+            <a:stCxn id="8" idx="4"/>
           </p:cNvCxnSpPr>
           <p:nvPr/>
         </p:nvCxnSpPr>
         <p:spPr>
           <a:xfrm flipH="1">
-            <a:off x="6231255" y="968375"/>
-            <a:ext cx="8255" cy="309880"/>
+            <a:off x="6541135" y="3404870"/>
+            <a:ext cx="15240" cy="589280"/>
           </a:xfrm>
           <a:prstGeom prst="straightConnector1">
             <a:avLst/>
@@ -5926,18 +6183,21 @@
       </p:cxnSp>
       <p:sp>
         <p:nvSpPr>
-          <p:cNvPr id="6" name="Flowchart: Process 5"/>
+          <p:cNvPr id="10" name="Flowchart: Process 9"/>
           <p:cNvSpPr/>
           <p:nvPr/>
         </p:nvSpPr>
         <p:spPr>
           <a:xfrm>
-            <a:off x="5160010" y="1278255"/>
-            <a:ext cx="2972435" cy="1010920"/>
+            <a:off x="4980305" y="3994150"/>
+            <a:ext cx="3151505" cy="755015"/>
           </a:xfrm>
           <a:prstGeom prst="flowChartProcess">
             <a:avLst/>
           </a:prstGeom>
+          <a:solidFill>
+            <a:schemeClr val="accent4"/>
+          </a:solidFill>
         </p:spPr>
         <p:style>
           <a:lnRef idx="2">
@@ -5959,20 +6219,22 @@
           <a:bodyPr rtlCol="0" anchor="ctr"/>
           <a:p>
             <a:pPr algn="ctr"/>
-            <a:endParaRPr lang="en-GB" altLang="en-US"/>
+            <a:endParaRPr lang="en-US"/>
           </a:p>
         </p:txBody>
       </p:sp>
       <p:cxnSp>
         <p:nvCxnSpPr>
-          <p:cNvPr id="7" name="Straight Arrow Connector 6"/>
-          <p:cNvCxnSpPr/>
+          <p:cNvPr id="11" name="Straight Arrow Connector 10"/>
+          <p:cNvCxnSpPr>
+            <a:stCxn id="10" idx="2"/>
+          </p:cNvCxnSpPr>
           <p:nvPr/>
         </p:nvCxnSpPr>
         <p:spPr>
-          <a:xfrm flipH="1">
-            <a:off x="6239510" y="2289175"/>
-            <a:ext cx="15240" cy="391795"/>
+          <a:xfrm>
+            <a:off x="6556375" y="4749165"/>
+            <a:ext cx="13970" cy="467360"/>
           </a:xfrm>
           <a:prstGeom prst="straightConnector1">
             <a:avLst/>
@@ -5998,18 +6260,93 @@
       </p:cxnSp>
       <p:sp>
         <p:nvSpPr>
-          <p:cNvPr id="8" name="Parallelogram 7"/>
+          <p:cNvPr id="12" name="Flowchart: Process 11"/>
           <p:cNvSpPr/>
           <p:nvPr/>
         </p:nvSpPr>
         <p:spPr>
           <a:xfrm>
-            <a:off x="4980305" y="2680970"/>
-            <a:ext cx="3151505" cy="723900"/>
-          </a:xfrm>
-          <a:prstGeom prst="parallelogram">
-            <a:avLst/>
-          </a:prstGeom>
+            <a:off x="4919345" y="5216525"/>
+            <a:ext cx="2948940" cy="694055"/>
+          </a:xfrm>
+          <a:prstGeom prst="flowChartProcess">
+            <a:avLst/>
+          </a:prstGeom>
+        </p:spPr>
+        <p:style>
+          <a:lnRef idx="2">
+            <a:schemeClr val="accent4">
+              <a:shade val="50000"/>
+            </a:schemeClr>
+          </a:lnRef>
+          <a:fillRef idx="1">
+            <a:schemeClr val="accent4"/>
+          </a:fillRef>
+          <a:effectRef idx="0">
+            <a:schemeClr val="accent4"/>
+          </a:effectRef>
+          <a:fontRef idx="minor">
+            <a:schemeClr val="lt1"/>
+          </a:fontRef>
+        </p:style>
+        <p:txBody>
+          <a:bodyPr rtlCol="0" anchor="ctr"/>
+          <a:p>
+            <a:pPr algn="ctr"/>
+            <a:endParaRPr lang="en-US"/>
+          </a:p>
+        </p:txBody>
+      </p:sp>
+      <p:cxnSp>
+        <p:nvCxnSpPr>
+          <p:cNvPr id="13" name="Straight Arrow Connector 12"/>
+          <p:cNvCxnSpPr/>
+          <p:nvPr/>
+        </p:nvCxnSpPr>
+        <p:spPr>
+          <a:xfrm flipH="1">
+            <a:off x="6525895" y="5910580"/>
+            <a:ext cx="15240" cy="287020"/>
+          </a:xfrm>
+          <a:prstGeom prst="straightConnector1">
+            <a:avLst/>
+          </a:prstGeom>
+          <a:ln>
+            <a:tailEnd type="arrow"/>
+          </a:ln>
+        </p:spPr>
+        <p:style>
+          <a:lnRef idx="1">
+            <a:schemeClr val="accent1"/>
+          </a:lnRef>
+          <a:fillRef idx="0">
+            <a:schemeClr val="accent1"/>
+          </a:fillRef>
+          <a:effectRef idx="0">
+            <a:schemeClr val="accent1"/>
+          </a:effectRef>
+          <a:fontRef idx="minor">
+            <a:schemeClr val="tx1"/>
+          </a:fontRef>
+        </p:style>
+      </p:cxnSp>
+      <p:sp>
+        <p:nvSpPr>
+          <p:cNvPr id="15" name="Flowchart: Terminator 14"/>
+          <p:cNvSpPr/>
+          <p:nvPr/>
+        </p:nvSpPr>
+        <p:spPr>
+          <a:xfrm>
+            <a:off x="4919345" y="6197600"/>
+            <a:ext cx="2949575" cy="660400"/>
+          </a:xfrm>
+          <a:prstGeom prst="flowChartTerminator">
+            <a:avLst/>
+          </a:prstGeom>
+          <a:solidFill>
+            <a:schemeClr val="accent6"/>
+          </a:solidFill>
         </p:spPr>
         <p:style>
           <a:lnRef idx="2">
@@ -6035,226 +6372,6 @@
           </a:p>
         </p:txBody>
       </p:sp>
-      <p:cxnSp>
-        <p:nvCxnSpPr>
-          <p:cNvPr id="9" name="Straight Arrow Connector 8"/>
-          <p:cNvCxnSpPr>
-            <a:stCxn id="8" idx="4"/>
-          </p:cNvCxnSpPr>
-          <p:nvPr/>
-        </p:nvCxnSpPr>
-        <p:spPr>
-          <a:xfrm flipH="1">
-            <a:off x="6541135" y="3404870"/>
-            <a:ext cx="15240" cy="589280"/>
-          </a:xfrm>
-          <a:prstGeom prst="straightConnector1">
-            <a:avLst/>
-          </a:prstGeom>
-          <a:ln>
-            <a:tailEnd type="arrow"/>
-          </a:ln>
-        </p:spPr>
-        <p:style>
-          <a:lnRef idx="1">
-            <a:schemeClr val="accent1"/>
-          </a:lnRef>
-          <a:fillRef idx="0">
-            <a:schemeClr val="accent1"/>
-          </a:fillRef>
-          <a:effectRef idx="0">
-            <a:schemeClr val="accent1"/>
-          </a:effectRef>
-          <a:fontRef idx="minor">
-            <a:schemeClr val="tx1"/>
-          </a:fontRef>
-        </p:style>
-      </p:cxnSp>
-      <p:sp>
-        <p:nvSpPr>
-          <p:cNvPr id="10" name="Flowchart: Process 9"/>
-          <p:cNvSpPr/>
-          <p:nvPr/>
-        </p:nvSpPr>
-        <p:spPr>
-          <a:xfrm>
-            <a:off x="4980305" y="3994150"/>
-            <a:ext cx="3151505" cy="755015"/>
-          </a:xfrm>
-          <a:prstGeom prst="flowChartProcess">
-            <a:avLst/>
-          </a:prstGeom>
-        </p:spPr>
-        <p:style>
-          <a:lnRef idx="2">
-            <a:schemeClr val="accent1">
-              <a:shade val="50000"/>
-            </a:schemeClr>
-          </a:lnRef>
-          <a:fillRef idx="1">
-            <a:schemeClr val="accent1"/>
-          </a:fillRef>
-          <a:effectRef idx="0">
-            <a:schemeClr val="accent1"/>
-          </a:effectRef>
-          <a:fontRef idx="minor">
-            <a:schemeClr val="lt1"/>
-          </a:fontRef>
-        </p:style>
-        <p:txBody>
-          <a:bodyPr rtlCol="0" anchor="ctr"/>
-          <a:p>
-            <a:pPr algn="ctr"/>
-            <a:endParaRPr lang="en-US"/>
-          </a:p>
-        </p:txBody>
-      </p:sp>
-      <p:cxnSp>
-        <p:nvCxnSpPr>
-          <p:cNvPr id="11" name="Straight Arrow Connector 10"/>
-          <p:cNvCxnSpPr>
-            <a:stCxn id="10" idx="2"/>
-          </p:cNvCxnSpPr>
-          <p:nvPr/>
-        </p:nvCxnSpPr>
-        <p:spPr>
-          <a:xfrm>
-            <a:off x="6556375" y="4749165"/>
-            <a:ext cx="13970" cy="467360"/>
-          </a:xfrm>
-          <a:prstGeom prst="straightConnector1">
-            <a:avLst/>
-          </a:prstGeom>
-          <a:ln>
-            <a:tailEnd type="arrow"/>
-          </a:ln>
-        </p:spPr>
-        <p:style>
-          <a:lnRef idx="1">
-            <a:schemeClr val="accent1"/>
-          </a:lnRef>
-          <a:fillRef idx="0">
-            <a:schemeClr val="accent1"/>
-          </a:fillRef>
-          <a:effectRef idx="0">
-            <a:schemeClr val="accent1"/>
-          </a:effectRef>
-          <a:fontRef idx="minor">
-            <a:schemeClr val="tx1"/>
-          </a:fontRef>
-        </p:style>
-      </p:cxnSp>
-      <p:sp>
-        <p:nvSpPr>
-          <p:cNvPr id="12" name="Flowchart: Process 11"/>
-          <p:cNvSpPr/>
-          <p:nvPr/>
-        </p:nvSpPr>
-        <p:spPr>
-          <a:xfrm>
-            <a:off x="4919345" y="5216525"/>
-            <a:ext cx="2948940" cy="694055"/>
-          </a:xfrm>
-          <a:prstGeom prst="flowChartProcess">
-            <a:avLst/>
-          </a:prstGeom>
-        </p:spPr>
-        <p:style>
-          <a:lnRef idx="2">
-            <a:schemeClr val="accent1">
-              <a:shade val="50000"/>
-            </a:schemeClr>
-          </a:lnRef>
-          <a:fillRef idx="1">
-            <a:schemeClr val="accent1"/>
-          </a:fillRef>
-          <a:effectRef idx="0">
-            <a:schemeClr val="accent1"/>
-          </a:effectRef>
-          <a:fontRef idx="minor">
-            <a:schemeClr val="lt1"/>
-          </a:fontRef>
-        </p:style>
-        <p:txBody>
-          <a:bodyPr rtlCol="0" anchor="ctr"/>
-          <a:p>
-            <a:pPr algn="ctr"/>
-            <a:endParaRPr lang="en-US"/>
-          </a:p>
-        </p:txBody>
-      </p:sp>
-      <p:cxnSp>
-        <p:nvCxnSpPr>
-          <p:cNvPr id="13" name="Straight Arrow Connector 12"/>
-          <p:cNvCxnSpPr/>
-          <p:nvPr/>
-        </p:nvCxnSpPr>
-        <p:spPr>
-          <a:xfrm flipH="1">
-            <a:off x="6525895" y="5910580"/>
-            <a:ext cx="15240" cy="287020"/>
-          </a:xfrm>
-          <a:prstGeom prst="straightConnector1">
-            <a:avLst/>
-          </a:prstGeom>
-          <a:ln>
-            <a:tailEnd type="arrow"/>
-          </a:ln>
-        </p:spPr>
-        <p:style>
-          <a:lnRef idx="1">
-            <a:schemeClr val="accent1"/>
-          </a:lnRef>
-          <a:fillRef idx="0">
-            <a:schemeClr val="accent1"/>
-          </a:fillRef>
-          <a:effectRef idx="0">
-            <a:schemeClr val="accent1"/>
-          </a:effectRef>
-          <a:fontRef idx="minor">
-            <a:schemeClr val="tx1"/>
-          </a:fontRef>
-        </p:style>
-      </p:cxnSp>
-      <p:sp>
-        <p:nvSpPr>
-          <p:cNvPr id="15" name="Flowchart: Terminator 14"/>
-          <p:cNvSpPr/>
-          <p:nvPr/>
-        </p:nvSpPr>
-        <p:spPr>
-          <a:xfrm>
-            <a:off x="4919345" y="6197600"/>
-            <a:ext cx="2949575" cy="660400"/>
-          </a:xfrm>
-          <a:prstGeom prst="flowChartTerminator">
-            <a:avLst/>
-          </a:prstGeom>
-        </p:spPr>
-        <p:style>
-          <a:lnRef idx="2">
-            <a:schemeClr val="accent1">
-              <a:shade val="50000"/>
-            </a:schemeClr>
-          </a:lnRef>
-          <a:fillRef idx="1">
-            <a:schemeClr val="accent1"/>
-          </a:fillRef>
-          <a:effectRef idx="0">
-            <a:schemeClr val="accent1"/>
-          </a:effectRef>
-          <a:fontRef idx="minor">
-            <a:schemeClr val="lt1"/>
-          </a:fontRef>
-        </p:style>
-        <p:txBody>
-          <a:bodyPr rtlCol="0" anchor="ctr"/>
-          <a:p>
-            <a:pPr algn="ctr"/>
-            <a:endParaRPr lang="en-US"/>
-          </a:p>
-        </p:txBody>
-      </p:sp>
       <p:sp>
         <p:nvSpPr>
           <p:cNvPr id="16" name="Text Box 15"/>
@@ -6263,7 +6380,7 @@
         </p:nvSpPr>
         <p:spPr>
           <a:xfrm>
-            <a:off x="5371465" y="448310"/>
+            <a:off x="5620385" y="1795780"/>
             <a:ext cx="1825625" cy="368300"/>
           </a:xfrm>
           <a:prstGeom prst="rect">
@@ -6287,14 +6404,14 @@
       </p:sp>
       <p:sp>
         <p:nvSpPr>
-          <p:cNvPr id="18" name="Text Box 17"/>
+          <p:cNvPr id="20" name="Text Box 19"/>
           <p:cNvSpPr txBox="1"/>
           <p:nvPr/>
         </p:nvSpPr>
         <p:spPr>
           <a:xfrm>
-            <a:off x="5311140" y="1278255"/>
-            <a:ext cx="2701925" cy="1599565"/>
+            <a:off x="5228590" y="2680970"/>
+            <a:ext cx="2639695" cy="737235"/>
           </a:xfrm>
           <a:prstGeom prst="rect">
             <a:avLst/>
@@ -6307,56 +6424,37 @@
           </a:bodyPr>
           <a:p>
             <a:r>
-              <a:rPr lang="en-GB" altLang="en-US" sz="1600"/>
-              <a:t>x= int(input(’input first value’)</a:t>
-            </a:r>
-            <a:endParaRPr lang="en-GB" altLang="en-US" sz="1600"/>
-          </a:p>
-          <a:p>
-            <a:r>
-              <a:rPr lang="en-GB" altLang="en-US" sz="1600"/>
-              <a:t>y=</a:t>
-            </a:r>
-            <a:r>
-              <a:rPr lang="en-GB" altLang="en-US" sz="1600">
-                <a:sym typeface="+mn-ea"/>
-              </a:rPr>
-              <a:t>int(input(’input second value’)</a:t>
-            </a:r>
-            <a:endParaRPr lang="en-GB" altLang="en-US" sz="1600">
-              <a:sym typeface="+mn-ea"/>
-            </a:endParaRPr>
-          </a:p>
-          <a:p>
-            <a:r>
-              <a:rPr lang="en-GB" altLang="en-US" sz="1600">
-                <a:sym typeface="+mn-ea"/>
-              </a:rPr>
-              <a:t>z=int(input(’input third value’)</a:t>
-            </a:r>
-            <a:endParaRPr lang="en-GB" altLang="en-US" sz="1600"/>
-          </a:p>
-          <a:p>
-            <a:endParaRPr lang="en-GB" altLang="en-US" sz="1000"/>
-          </a:p>
-          <a:p>
-            <a:endParaRPr lang="en-GB" altLang="en-US" sz="1200"/>
-          </a:p>
-          <a:p>
-            <a:endParaRPr lang="en-GB" altLang="en-US" sz="1200"/>
-          </a:p>
-        </p:txBody>
-      </p:sp>
-      <p:sp>
-        <p:nvSpPr>
-          <p:cNvPr id="20" name="Text Box 19"/>
+              <a:rPr lang="en-GB" altLang="en-US" sz="1400"/>
+              <a:t>input first value </a:t>
+            </a:r>
+            <a:endParaRPr lang="en-GB" altLang="en-US" sz="1400"/>
+          </a:p>
+          <a:p>
+            <a:r>
+              <a:rPr lang="en-GB" altLang="en-US" sz="1400"/>
+              <a:t>input second value </a:t>
+            </a:r>
+            <a:endParaRPr lang="en-GB" altLang="en-US" sz="1400"/>
+          </a:p>
+          <a:p>
+            <a:r>
+              <a:rPr lang="en-GB" altLang="en-US" sz="1400"/>
+              <a:t>input third value</a:t>
+            </a:r>
+            <a:endParaRPr lang="en-GB" altLang="en-US" sz="1400"/>
+          </a:p>
+        </p:txBody>
+      </p:sp>
+      <p:sp>
+        <p:nvSpPr>
+          <p:cNvPr id="21" name="Text Box 20"/>
           <p:cNvSpPr txBox="1"/>
           <p:nvPr/>
         </p:nvSpPr>
         <p:spPr>
           <a:xfrm>
-            <a:off x="5228590" y="2680970"/>
-            <a:ext cx="2639695" cy="737235"/>
+            <a:off x="5160010" y="3994150"/>
+            <a:ext cx="3674745" cy="829945"/>
           </a:xfrm>
           <a:prstGeom prst="rect">
             <a:avLst/>
@@ -6369,49 +6467,6 @@
           </a:bodyPr>
           <a:p>
             <a:r>
-              <a:rPr lang="en-GB" altLang="en-US" sz="1400"/>
-              <a:t>input first value </a:t>
-            </a:r>
-            <a:endParaRPr lang="en-GB" altLang="en-US" sz="1400"/>
-          </a:p>
-          <a:p>
-            <a:r>
-              <a:rPr lang="en-GB" altLang="en-US" sz="1400"/>
-              <a:t>input second value </a:t>
-            </a:r>
-            <a:endParaRPr lang="en-GB" altLang="en-US" sz="1400"/>
-          </a:p>
-          <a:p>
-            <a:r>
-              <a:rPr lang="en-GB" altLang="en-US" sz="1400"/>
-              <a:t>input third value</a:t>
-            </a:r>
-            <a:endParaRPr lang="en-GB" altLang="en-US" sz="1400"/>
-          </a:p>
-        </p:txBody>
-      </p:sp>
-      <p:sp>
-        <p:nvSpPr>
-          <p:cNvPr id="21" name="Text Box 20"/>
-          <p:cNvSpPr txBox="1"/>
-          <p:nvPr/>
-        </p:nvSpPr>
-        <p:spPr>
-          <a:xfrm>
-            <a:off x="5160010" y="3994150"/>
-            <a:ext cx="3674745" cy="829945"/>
-          </a:xfrm>
-          <a:prstGeom prst="rect">
-            <a:avLst/>
-          </a:prstGeom>
-          <a:noFill/>
-        </p:spPr>
-        <p:txBody>
-          <a:bodyPr wrap="square" rtlCol="0">
-            <a:spAutoFit/>
-          </a:bodyPr>
-          <a:p>
-            <a:r>
               <a:rPr lang="en-GB" altLang="en-US" sz="1600"/>
               <a:t>q= min(x,y,z)</a:t>
             </a:r>
@@ -6441,7 +6496,7 @@
         </p:nvSpPr>
         <p:spPr>
           <a:xfrm>
-            <a:off x="5160010" y="5276850"/>
+            <a:off x="5288280" y="5216525"/>
             <a:ext cx="2369185" cy="645160"/>
           </a:xfrm>
           <a:prstGeom prst="rect">
@@ -6554,6 +6609,9 @@
           <a:prstGeom prst="flowChartTerminator">
             <a:avLst/>
           </a:prstGeom>
+          <a:solidFill>
+            <a:schemeClr val="accent6"/>
+          </a:solidFill>
         </p:spPr>
         <p:style>
           <a:lnRef idx="2">
@@ -6614,18 +6672,53 @@
           </a:fontRef>
         </p:style>
       </p:cxnSp>
-      <p:sp>
-        <p:nvSpPr>
-          <p:cNvPr id="6" name="Flowchart: Process 5"/>
+      <p:cxnSp>
+        <p:nvCxnSpPr>
+          <p:cNvPr id="7" name="Straight Arrow Connector 6"/>
+          <p:cNvCxnSpPr>
+            <a:stCxn id="6" idx="2"/>
+          </p:cNvCxnSpPr>
+          <p:nvPr/>
+        </p:nvCxnSpPr>
+        <p:spPr>
+          <a:xfrm>
+            <a:off x="6116955" y="1395730"/>
+            <a:ext cx="8890" cy="347345"/>
+          </a:xfrm>
+          <a:prstGeom prst="straightConnector1">
+            <a:avLst/>
+          </a:prstGeom>
+          <a:ln>
+            <a:tailEnd type="arrow"/>
+          </a:ln>
+        </p:spPr>
+        <p:style>
+          <a:lnRef idx="1">
+            <a:schemeClr val="accent1"/>
+          </a:lnRef>
+          <a:fillRef idx="0">
+            <a:schemeClr val="accent1"/>
+          </a:fillRef>
+          <a:effectRef idx="0">
+            <a:schemeClr val="accent1"/>
+          </a:effectRef>
+          <a:fontRef idx="minor">
+            <a:schemeClr val="tx1"/>
+          </a:fontRef>
+        </p:style>
+      </p:cxnSp>
+      <p:sp>
+        <p:nvSpPr>
+          <p:cNvPr id="8" name="Flowchart: Data 7"/>
           <p:cNvSpPr/>
           <p:nvPr/>
         </p:nvSpPr>
         <p:spPr>
           <a:xfrm>
-            <a:off x="5339080" y="837565"/>
-            <a:ext cx="1555115" cy="558165"/>
-          </a:xfrm>
-          <a:prstGeom prst="flowChartProcess">
+            <a:off x="5158740" y="1743075"/>
+            <a:ext cx="1736090" cy="663575"/>
+          </a:xfrm>
+          <a:prstGeom prst="flowChartInputOutput">
             <a:avLst/>
           </a:prstGeom>
         </p:spPr>
@@ -6655,16 +6748,16 @@
       </p:sp>
       <p:cxnSp>
         <p:nvCxnSpPr>
-          <p:cNvPr id="7" name="Straight Arrow Connector 6"/>
+          <p:cNvPr id="9" name="Straight Arrow Connector 8"/>
           <p:cNvCxnSpPr>
-            <a:stCxn id="6" idx="2"/>
+            <a:stCxn id="8" idx="4"/>
           </p:cNvCxnSpPr>
           <p:nvPr/>
         </p:nvCxnSpPr>
         <p:spPr>
           <a:xfrm>
-            <a:off x="6116955" y="1395730"/>
-            <a:ext cx="8890" cy="347345"/>
+            <a:off x="6026785" y="2406650"/>
+            <a:ext cx="8255" cy="498475"/>
           </a:xfrm>
           <a:prstGeom prst="straightConnector1">
             <a:avLst/>
@@ -6690,18 +6783,21 @@
       </p:cxnSp>
       <p:sp>
         <p:nvSpPr>
-          <p:cNvPr id="8" name="Flowchart: Data 7"/>
+          <p:cNvPr id="10" name="Flowchart: Process 9"/>
           <p:cNvSpPr/>
           <p:nvPr/>
         </p:nvSpPr>
         <p:spPr>
           <a:xfrm>
-            <a:off x="5158740" y="1743075"/>
-            <a:ext cx="1736090" cy="663575"/>
-          </a:xfrm>
-          <a:prstGeom prst="flowChartInputOutput">
-            <a:avLst/>
-          </a:prstGeom>
+            <a:off x="4813300" y="2905125"/>
+            <a:ext cx="2322830" cy="1282700"/>
+          </a:xfrm>
+          <a:prstGeom prst="flowChartProcess">
+            <a:avLst/>
+          </a:prstGeom>
+          <a:solidFill>
+            <a:schemeClr val="accent4"/>
+          </a:solidFill>
         </p:spPr>
         <p:style>
           <a:lnRef idx="2">
@@ -6729,16 +6825,16 @@
       </p:sp>
       <p:cxnSp>
         <p:nvCxnSpPr>
-          <p:cNvPr id="9" name="Straight Arrow Connector 8"/>
+          <p:cNvPr id="11" name="Straight Arrow Connector 10"/>
           <p:cNvCxnSpPr>
-            <a:stCxn id="8" idx="4"/>
+            <a:stCxn id="10" idx="2"/>
           </p:cNvCxnSpPr>
           <p:nvPr/>
         </p:nvCxnSpPr>
         <p:spPr>
-          <a:xfrm>
-            <a:off x="6026785" y="2406650"/>
-            <a:ext cx="8255" cy="498475"/>
+          <a:xfrm flipH="1">
+            <a:off x="5959475" y="4187825"/>
+            <a:ext cx="15240" cy="527685"/>
           </a:xfrm>
           <a:prstGeom prst="straightConnector1">
             <a:avLst/>
@@ -6764,18 +6860,21 @@
       </p:cxnSp>
       <p:sp>
         <p:nvSpPr>
-          <p:cNvPr id="10" name="Flowchart: Process 9"/>
+          <p:cNvPr id="12" name="Flowchart: Process 11"/>
           <p:cNvSpPr/>
           <p:nvPr/>
         </p:nvSpPr>
         <p:spPr>
           <a:xfrm>
-            <a:off x="4813300" y="2905125"/>
-            <a:ext cx="2322830" cy="1282700"/>
+            <a:off x="4857115" y="4715510"/>
+            <a:ext cx="2338705" cy="920115"/>
           </a:xfrm>
           <a:prstGeom prst="flowChartProcess">
             <a:avLst/>
           </a:prstGeom>
+          <a:solidFill>
+            <a:schemeClr val="accent4"/>
+          </a:solidFill>
         </p:spPr>
         <p:style>
           <a:lnRef idx="2">
@@ -6803,16 +6902,16 @@
       </p:sp>
       <p:cxnSp>
         <p:nvCxnSpPr>
-          <p:cNvPr id="11" name="Straight Arrow Connector 10"/>
+          <p:cNvPr id="14" name="Straight Arrow Connector 13"/>
           <p:cNvCxnSpPr>
-            <a:stCxn id="10" idx="2"/>
+            <a:stCxn id="12" idx="3"/>
           </p:cNvCxnSpPr>
           <p:nvPr/>
         </p:nvCxnSpPr>
         <p:spPr>
-          <a:xfrm flipH="1">
-            <a:off x="5959475" y="4187825"/>
-            <a:ext cx="15240" cy="527685"/>
+          <a:xfrm flipV="1">
+            <a:off x="7195820" y="5168265"/>
+            <a:ext cx="680085" cy="7620"/>
           </a:xfrm>
           <a:prstGeom prst="straightConnector1">
             <a:avLst/>
@@ -6838,18 +6937,29 @@
       </p:cxnSp>
       <p:sp>
         <p:nvSpPr>
-          <p:cNvPr id="12" name="Flowchart: Process 11"/>
+          <p:cNvPr id="15" name="Flowchart: Decision 14"/>
           <p:cNvSpPr/>
           <p:nvPr/>
         </p:nvSpPr>
         <p:spPr>
           <a:xfrm>
-            <a:off x="4857115" y="4715510"/>
-            <a:ext cx="2338705" cy="920115"/>
-          </a:xfrm>
-          <a:prstGeom prst="flowChartProcess">
-            <a:avLst/>
-          </a:prstGeom>
+            <a:off x="7875905" y="4370705"/>
+            <a:ext cx="1608455" cy="1602740"/>
+          </a:xfrm>
+          <a:prstGeom prst="flowChartDecision">
+            <a:avLst/>
+          </a:prstGeom>
+          <a:gradFill>
+            <a:gsLst>
+              <a:gs pos="0">
+                <a:srgbClr val="E30000"/>
+              </a:gs>
+              <a:gs pos="100000">
+                <a:srgbClr val="760303"/>
+              </a:gs>
+            </a:gsLst>
+            <a:lin scaled="0"/>
+          </a:gradFill>
         </p:spPr>
         <p:style>
           <a:lnRef idx="2">
@@ -6877,16 +6987,16 @@
       </p:sp>
       <p:cxnSp>
         <p:nvCxnSpPr>
-          <p:cNvPr id="14" name="Straight Arrow Connector 13"/>
+          <p:cNvPr id="17" name="Straight Arrow Connector 16"/>
           <p:cNvCxnSpPr>
-            <a:stCxn id="12" idx="3"/>
+            <a:stCxn id="15" idx="0"/>
           </p:cNvCxnSpPr>
           <p:nvPr/>
         </p:nvCxnSpPr>
         <p:spPr>
-          <a:xfrm flipV="1">
-            <a:off x="7195820" y="5168265"/>
-            <a:ext cx="680085" cy="7620"/>
+          <a:xfrm flipH="1" flipV="1">
+            <a:off x="8660765" y="3342640"/>
+            <a:ext cx="19685" cy="1028065"/>
           </a:xfrm>
           <a:prstGeom prst="straightConnector1">
             <a:avLst/>
@@ -6912,18 +7022,21 @@
       </p:cxnSp>
       <p:sp>
         <p:nvSpPr>
-          <p:cNvPr id="15" name="Flowchart: Decision 14"/>
+          <p:cNvPr id="18" name="Flowchart: Process 17"/>
           <p:cNvSpPr/>
           <p:nvPr/>
         </p:nvSpPr>
         <p:spPr>
           <a:xfrm>
-            <a:off x="7875905" y="4370705"/>
-            <a:ext cx="1608455" cy="1602740"/>
-          </a:xfrm>
-          <a:prstGeom prst="flowChartDecision">
-            <a:avLst/>
-          </a:prstGeom>
+            <a:off x="7710170" y="2407285"/>
+            <a:ext cx="2172970" cy="935355"/>
+          </a:xfrm>
+          <a:prstGeom prst="flowChartProcess">
+            <a:avLst/>
+          </a:prstGeom>
+          <a:solidFill>
+            <a:schemeClr val="accent4"/>
+          </a:solidFill>
         </p:spPr>
         <p:style>
           <a:lnRef idx="2">
@@ -6951,16 +7064,14 @@
       </p:sp>
       <p:cxnSp>
         <p:nvCxnSpPr>
-          <p:cNvPr id="17" name="Straight Arrow Connector 16"/>
-          <p:cNvCxnSpPr>
-            <a:stCxn id="15" idx="0"/>
-          </p:cNvCxnSpPr>
+          <p:cNvPr id="19" name="Straight Arrow Connector 18"/>
+          <p:cNvCxnSpPr/>
           <p:nvPr/>
         </p:nvCxnSpPr>
         <p:spPr>
-          <a:xfrm flipH="1" flipV="1">
-            <a:off x="8660765" y="3342640"/>
-            <a:ext cx="19685" cy="1028065"/>
+          <a:xfrm flipV="1">
+            <a:off x="8819515" y="1199515"/>
+            <a:ext cx="6985" cy="1183005"/>
           </a:xfrm>
           <a:prstGeom prst="straightConnector1">
             <a:avLst/>
@@ -6986,18 +7097,21 @@
       </p:cxnSp>
       <p:sp>
         <p:nvSpPr>
-          <p:cNvPr id="18" name="Flowchart: Process 17"/>
+          <p:cNvPr id="20" name="Flowchart: Terminator 19"/>
           <p:cNvSpPr/>
           <p:nvPr/>
         </p:nvSpPr>
         <p:spPr>
           <a:xfrm>
-            <a:off x="7710170" y="2407285"/>
-            <a:ext cx="2172970" cy="935355"/>
-          </a:xfrm>
-          <a:prstGeom prst="flowChartProcess">
-            <a:avLst/>
-          </a:prstGeom>
+            <a:off x="8007985" y="558165"/>
+            <a:ext cx="1630045" cy="626745"/>
+          </a:xfrm>
+          <a:prstGeom prst="flowChartTerminator">
+            <a:avLst/>
+          </a:prstGeom>
+          <a:solidFill>
+            <a:schemeClr val="accent6"/>
+          </a:solidFill>
         </p:spPr>
         <p:style>
           <a:lnRef idx="2">
@@ -7023,51 +7137,254 @@
           </a:p>
         </p:txBody>
       </p:sp>
-      <p:cxnSp>
-        <p:nvCxnSpPr>
-          <p:cNvPr id="19" name="Straight Arrow Connector 18"/>
-          <p:cNvCxnSpPr/>
-          <p:nvPr/>
-        </p:nvCxnSpPr>
-        <p:spPr>
-          <a:xfrm flipV="1">
-            <a:off x="8819515" y="1199515"/>
-            <a:ext cx="6985" cy="1183005"/>
-          </a:xfrm>
-          <a:prstGeom prst="straightConnector1">
-            <a:avLst/>
-          </a:prstGeom>
-          <a:ln>
-            <a:tailEnd type="arrow"/>
-          </a:ln>
-        </p:spPr>
-        <p:style>
-          <a:lnRef idx="1">
-            <a:schemeClr val="accent1"/>
-          </a:lnRef>
-          <a:fillRef idx="0">
-            <a:schemeClr val="accent1"/>
-          </a:fillRef>
-          <a:effectRef idx="0">
-            <a:schemeClr val="accent1"/>
-          </a:effectRef>
-          <a:fontRef idx="minor">
-            <a:schemeClr val="tx1"/>
-          </a:fontRef>
-        </p:style>
-      </p:cxnSp>
-      <p:sp>
-        <p:nvSpPr>
-          <p:cNvPr id="20" name="Flowchart: Terminator 19"/>
+      <p:sp>
+        <p:nvSpPr>
+          <p:cNvPr id="21" name="Text Box 20"/>
+          <p:cNvSpPr txBox="1"/>
+          <p:nvPr/>
+        </p:nvSpPr>
+        <p:spPr>
+          <a:xfrm>
+            <a:off x="5485130" y="95250"/>
+            <a:ext cx="1222375" cy="368300"/>
+          </a:xfrm>
+          <a:prstGeom prst="rect">
+            <a:avLst/>
+          </a:prstGeom>
+          <a:noFill/>
+        </p:spPr>
+        <p:txBody>
+          <a:bodyPr wrap="square" rtlCol="0">
+            <a:spAutoFit/>
+          </a:bodyPr>
+          <a:p>
+            <a:pPr algn="ctr"/>
+            <a:r>
+              <a:rPr lang="en-GB" altLang="en-US"/>
+              <a:t>start</a:t>
+            </a:r>
+            <a:endParaRPr lang="en-GB" altLang="en-US"/>
+          </a:p>
+        </p:txBody>
+      </p:sp>
+      <p:sp>
+        <p:nvSpPr>
+          <p:cNvPr id="23" name="Text Box 22"/>
+          <p:cNvSpPr txBox="1"/>
+          <p:nvPr/>
+        </p:nvSpPr>
+        <p:spPr>
+          <a:xfrm>
+            <a:off x="5440045" y="1783080"/>
+            <a:ext cx="1267460" cy="583565"/>
+          </a:xfrm>
+          <a:prstGeom prst="rect">
+            <a:avLst/>
+          </a:prstGeom>
+          <a:noFill/>
+        </p:spPr>
+        <p:txBody>
+          <a:bodyPr wrap="square" rtlCol="0">
+            <a:spAutoFit/>
+          </a:bodyPr>
+          <a:p>
+            <a:r>
+              <a:rPr lang="en-GB" altLang="en-US" sz="1600"/>
+              <a:t>positive integer value</a:t>
+            </a:r>
+            <a:endParaRPr lang="en-GB" altLang="en-US" sz="1600"/>
+          </a:p>
+        </p:txBody>
+      </p:sp>
+      <p:sp>
+        <p:nvSpPr>
+          <p:cNvPr id="24" name="Text Box 23"/>
+          <p:cNvSpPr txBox="1"/>
+          <p:nvPr/>
+        </p:nvSpPr>
+        <p:spPr>
+          <a:xfrm>
+            <a:off x="4857115" y="2947035"/>
+            <a:ext cx="2293620" cy="1198880"/>
+          </a:xfrm>
+          <a:prstGeom prst="rect">
+            <a:avLst/>
+          </a:prstGeom>
+          <a:noFill/>
+        </p:spPr>
+        <p:txBody>
+          <a:bodyPr wrap="square" rtlCol="0">
+            <a:spAutoFit/>
+          </a:bodyPr>
+          <a:p>
+            <a:r>
+              <a:rPr lang="en-GB" altLang="en-US"/>
+              <a:t>numcuber()</a:t>
+            </a:r>
+            <a:endParaRPr lang="en-GB" altLang="en-US"/>
+          </a:p>
+          <a:p>
+            <a:r>
+              <a:rPr lang="en-GB" altLang="en-US"/>
+              <a:t>cuber=range(1,3)</a:t>
+            </a:r>
+            <a:endParaRPr lang="en-GB" altLang="en-US"/>
+          </a:p>
+          <a:p>
+            <a:r>
+              <a:rPr lang="en-GB" altLang="en-US"/>
+              <a:t>result=0</a:t>
+            </a:r>
+            <a:endParaRPr lang="en-GB" altLang="en-US"/>
+          </a:p>
+          <a:p>
+            <a:endParaRPr lang="en-GB" altLang="en-US"/>
+          </a:p>
+        </p:txBody>
+      </p:sp>
+      <p:sp>
+        <p:nvSpPr>
+          <p:cNvPr id="25" name="Text Box 24"/>
+          <p:cNvSpPr txBox="1"/>
+          <p:nvPr/>
+        </p:nvSpPr>
+        <p:spPr>
+          <a:xfrm>
+            <a:off x="4964430" y="4711065"/>
+            <a:ext cx="2263140" cy="922020"/>
+          </a:xfrm>
+          <a:prstGeom prst="rect">
+            <a:avLst/>
+          </a:prstGeom>
+          <a:noFill/>
+        </p:spPr>
+        <p:txBody>
+          <a:bodyPr wrap="square" rtlCol="0">
+            <a:spAutoFit/>
+          </a:bodyPr>
+          <a:p>
+            <a:r>
+              <a:rPr lang="en-GB" altLang="en-US"/>
+              <a:t>for i in cuber:</a:t>
+            </a:r>
+            <a:endParaRPr lang="en-GB" altLang="en-US"/>
+          </a:p>
+          <a:p>
+            <a:r>
+              <a:rPr lang="en-GB" altLang="en-US"/>
+              <a:t>result+=(i**3)</a:t>
+            </a:r>
+            <a:endParaRPr lang="en-GB" altLang="en-US"/>
+          </a:p>
+          <a:p>
+            <a:r>
+              <a:rPr lang="en-GB" altLang="en-US"/>
+              <a:t>return result</a:t>
+            </a:r>
+            <a:endParaRPr lang="en-GB" altLang="en-US"/>
+          </a:p>
+        </p:txBody>
+      </p:sp>
+      <p:sp>
+        <p:nvSpPr>
+          <p:cNvPr id="26" name="Text Box 25"/>
+          <p:cNvSpPr txBox="1"/>
+          <p:nvPr/>
+        </p:nvSpPr>
+        <p:spPr>
+          <a:xfrm>
+            <a:off x="8228330" y="4987925"/>
+            <a:ext cx="904240" cy="368300"/>
+          </a:xfrm>
+          <a:prstGeom prst="rect">
+            <a:avLst/>
+          </a:prstGeom>
+          <a:noFill/>
+        </p:spPr>
+        <p:txBody>
+          <a:bodyPr wrap="square" rtlCol="0">
+            <a:spAutoFit/>
+          </a:bodyPr>
+          <a:p>
+            <a:r>
+              <a:rPr lang="en-GB" altLang="en-US"/>
+              <a:t>if a &gt;0</a:t>
+            </a:r>
+            <a:endParaRPr lang="en-GB" altLang="en-US"/>
+          </a:p>
+        </p:txBody>
+      </p:sp>
+      <p:sp>
+        <p:nvSpPr>
+          <p:cNvPr id="27" name="Text Box 26"/>
+          <p:cNvSpPr txBox="1"/>
+          <p:nvPr/>
+        </p:nvSpPr>
+        <p:spPr>
+          <a:xfrm>
+            <a:off x="7936230" y="2421890"/>
+            <a:ext cx="1886585" cy="922020"/>
+          </a:xfrm>
+          <a:prstGeom prst="rect">
+            <a:avLst/>
+          </a:prstGeom>
+          <a:noFill/>
+        </p:spPr>
+        <p:txBody>
+          <a:bodyPr wrap="square" rtlCol="0">
+            <a:spAutoFit/>
+          </a:bodyPr>
+          <a:p>
+            <a:r>
+              <a:rPr lang="en-GB" altLang="en-US"/>
+              <a:t>print(‘Your answer is= ‘, numcuber())</a:t>
+            </a:r>
+            <a:endParaRPr lang="en-GB" altLang="en-US"/>
+          </a:p>
+        </p:txBody>
+      </p:sp>
+      <p:sp>
+        <p:nvSpPr>
+          <p:cNvPr id="28" name="Text Box 27"/>
+          <p:cNvSpPr txBox="1"/>
+          <p:nvPr/>
+        </p:nvSpPr>
+        <p:spPr>
+          <a:xfrm>
+            <a:off x="8177530" y="687070"/>
+            <a:ext cx="1403350" cy="368300"/>
+          </a:xfrm>
+          <a:prstGeom prst="rect">
+            <a:avLst/>
+          </a:prstGeom>
+          <a:noFill/>
+        </p:spPr>
+        <p:txBody>
+          <a:bodyPr wrap="square" rtlCol="0">
+            <a:spAutoFit/>
+          </a:bodyPr>
+          <a:p>
+            <a:pPr algn="ctr"/>
+            <a:r>
+              <a:rPr lang="en-GB" altLang="en-US"/>
+              <a:t>END</a:t>
+            </a:r>
+            <a:endParaRPr lang="en-GB" altLang="en-US"/>
+          </a:p>
+        </p:txBody>
+      </p:sp>
+      <p:sp>
+        <p:nvSpPr>
+          <p:cNvPr id="3" name="Flowchart: Data 2"/>
           <p:cNvSpPr/>
           <p:nvPr/>
         </p:nvSpPr>
         <p:spPr>
           <a:xfrm>
-            <a:off x="8007985" y="558165"/>
-            <a:ext cx="1630045" cy="626745"/>
-          </a:xfrm>
-          <a:prstGeom prst="flowChartTerminator">
+            <a:off x="5085080" y="837565"/>
+            <a:ext cx="1976755" cy="482600"/>
+          </a:xfrm>
+          <a:prstGeom prst="flowChartInputOutput">
             <a:avLst/>
           </a:prstGeom>
         </p:spPr>
@@ -7097,14 +7414,14 @@
       </p:sp>
       <p:sp>
         <p:nvSpPr>
-          <p:cNvPr id="21" name="Text Box 20"/>
+          <p:cNvPr id="22" name="Text Box 21"/>
           <p:cNvSpPr txBox="1"/>
           <p:nvPr/>
         </p:nvSpPr>
         <p:spPr>
           <a:xfrm>
-            <a:off x="5485130" y="95250"/>
-            <a:ext cx="1222375" cy="368300"/>
+            <a:off x="5288280" y="873760"/>
+            <a:ext cx="1477010" cy="521970"/>
           </a:xfrm>
           <a:prstGeom prst="rect">
             <a:avLst/>
@@ -7118,246 +7435,10 @@
           <a:p>
             <a:pPr algn="ctr"/>
             <a:r>
-              <a:rPr lang="en-GB" altLang="en-US"/>
-              <a:t>start</a:t>
-            </a:r>
-            <a:endParaRPr lang="en-GB" altLang="en-US"/>
-          </a:p>
-        </p:txBody>
-      </p:sp>
-      <p:sp>
-        <p:nvSpPr>
-          <p:cNvPr id="22" name="Text Box 21"/>
-          <p:cNvSpPr txBox="1"/>
-          <p:nvPr/>
-        </p:nvSpPr>
-        <p:spPr>
-          <a:xfrm>
-            <a:off x="5416550" y="897890"/>
-            <a:ext cx="1477010" cy="521970"/>
-          </a:xfrm>
-          <a:prstGeom prst="rect">
-            <a:avLst/>
-          </a:prstGeom>
-          <a:noFill/>
-        </p:spPr>
-        <p:txBody>
-          <a:bodyPr wrap="square" rtlCol="0">
-            <a:spAutoFit/>
-          </a:bodyPr>
-          <a:p>
-            <a:pPr algn="ctr"/>
-            <a:r>
               <a:rPr lang="en-GB" altLang="en-US" sz="1400"/>
               <a:t>a=int(input(‘positve integer value’))</a:t>
             </a:r>
             <a:endParaRPr lang="en-GB" altLang="en-US" sz="1400"/>
-          </a:p>
-        </p:txBody>
-      </p:sp>
-      <p:sp>
-        <p:nvSpPr>
-          <p:cNvPr id="23" name="Text Box 22"/>
-          <p:cNvSpPr txBox="1"/>
-          <p:nvPr/>
-        </p:nvSpPr>
-        <p:spPr>
-          <a:xfrm>
-            <a:off x="5440045" y="1783080"/>
-            <a:ext cx="1267460" cy="583565"/>
-          </a:xfrm>
-          <a:prstGeom prst="rect">
-            <a:avLst/>
-          </a:prstGeom>
-          <a:noFill/>
-        </p:spPr>
-        <p:txBody>
-          <a:bodyPr wrap="square" rtlCol="0">
-            <a:spAutoFit/>
-          </a:bodyPr>
-          <a:p>
-            <a:r>
-              <a:rPr lang="en-GB" altLang="en-US" sz="1600"/>
-              <a:t>positive integer value</a:t>
-            </a:r>
-            <a:endParaRPr lang="en-GB" altLang="en-US" sz="1600"/>
-          </a:p>
-        </p:txBody>
-      </p:sp>
-      <p:sp>
-        <p:nvSpPr>
-          <p:cNvPr id="24" name="Text Box 23"/>
-          <p:cNvSpPr txBox="1"/>
-          <p:nvPr/>
-        </p:nvSpPr>
-        <p:spPr>
-          <a:xfrm>
-            <a:off x="4827905" y="2919730"/>
-            <a:ext cx="2293620" cy="1198880"/>
-          </a:xfrm>
-          <a:prstGeom prst="rect">
-            <a:avLst/>
-          </a:prstGeom>
-          <a:noFill/>
-        </p:spPr>
-        <p:txBody>
-          <a:bodyPr wrap="square" rtlCol="0">
-            <a:spAutoFit/>
-          </a:bodyPr>
-          <a:p>
-            <a:r>
-              <a:rPr lang="en-GB" altLang="en-US"/>
-              <a:t>numcuber()</a:t>
-            </a:r>
-            <a:endParaRPr lang="en-GB" altLang="en-US"/>
-          </a:p>
-          <a:p>
-            <a:r>
-              <a:rPr lang="en-GB" altLang="en-US"/>
-              <a:t>cuber=range(1,3)</a:t>
-            </a:r>
-            <a:endParaRPr lang="en-GB" altLang="en-US"/>
-          </a:p>
-          <a:p>
-            <a:r>
-              <a:rPr lang="en-GB" altLang="en-US"/>
-              <a:t>result=0</a:t>
-            </a:r>
-            <a:endParaRPr lang="en-GB" altLang="en-US"/>
-          </a:p>
-          <a:p>
-            <a:endParaRPr lang="en-GB" altLang="en-US"/>
-          </a:p>
-        </p:txBody>
-      </p:sp>
-      <p:sp>
-        <p:nvSpPr>
-          <p:cNvPr id="25" name="Text Box 24"/>
-          <p:cNvSpPr txBox="1"/>
-          <p:nvPr/>
-        </p:nvSpPr>
-        <p:spPr>
-          <a:xfrm>
-            <a:off x="4942205" y="4715510"/>
-            <a:ext cx="2263140" cy="922020"/>
-          </a:xfrm>
-          <a:prstGeom prst="rect">
-            <a:avLst/>
-          </a:prstGeom>
-          <a:noFill/>
-        </p:spPr>
-        <p:txBody>
-          <a:bodyPr wrap="square" rtlCol="0">
-            <a:spAutoFit/>
-          </a:bodyPr>
-          <a:p>
-            <a:r>
-              <a:rPr lang="en-GB" altLang="en-US"/>
-              <a:t>for i in cuber:</a:t>
-            </a:r>
-            <a:endParaRPr lang="en-GB" altLang="en-US"/>
-          </a:p>
-          <a:p>
-            <a:r>
-              <a:rPr lang="en-GB" altLang="en-US"/>
-              <a:t>result+=(i**3)</a:t>
-            </a:r>
-            <a:endParaRPr lang="en-GB" altLang="en-US"/>
-          </a:p>
-          <a:p>
-            <a:r>
-              <a:rPr lang="en-GB" altLang="en-US"/>
-              <a:t>return result</a:t>
-            </a:r>
-            <a:endParaRPr lang="en-GB" altLang="en-US"/>
-          </a:p>
-        </p:txBody>
-      </p:sp>
-      <p:sp>
-        <p:nvSpPr>
-          <p:cNvPr id="26" name="Text Box 25"/>
-          <p:cNvSpPr txBox="1"/>
-          <p:nvPr/>
-        </p:nvSpPr>
-        <p:spPr>
-          <a:xfrm>
-            <a:off x="8228330" y="4987925"/>
-            <a:ext cx="904240" cy="368300"/>
-          </a:xfrm>
-          <a:prstGeom prst="rect">
-            <a:avLst/>
-          </a:prstGeom>
-          <a:noFill/>
-        </p:spPr>
-        <p:txBody>
-          <a:bodyPr wrap="square" rtlCol="0">
-            <a:spAutoFit/>
-          </a:bodyPr>
-          <a:p>
-            <a:r>
-              <a:rPr lang="en-GB" altLang="en-US"/>
-              <a:t>if a &gt;0</a:t>
-            </a:r>
-            <a:endParaRPr lang="en-GB" altLang="en-US"/>
-          </a:p>
-        </p:txBody>
-      </p:sp>
-      <p:sp>
-        <p:nvSpPr>
-          <p:cNvPr id="27" name="Text Box 26"/>
-          <p:cNvSpPr txBox="1"/>
-          <p:nvPr/>
-        </p:nvSpPr>
-        <p:spPr>
-          <a:xfrm>
-            <a:off x="7936230" y="2421890"/>
-            <a:ext cx="1886585" cy="922020"/>
-          </a:xfrm>
-          <a:prstGeom prst="rect">
-            <a:avLst/>
-          </a:prstGeom>
-          <a:noFill/>
-        </p:spPr>
-        <p:txBody>
-          <a:bodyPr wrap="square" rtlCol="0">
-            <a:spAutoFit/>
-          </a:bodyPr>
-          <a:p>
-            <a:r>
-              <a:rPr lang="en-GB" altLang="en-US"/>
-              <a:t>print(‘Your answer is= ‘, numcuber())</a:t>
-            </a:r>
-            <a:endParaRPr lang="en-GB" altLang="en-US"/>
-          </a:p>
-        </p:txBody>
-      </p:sp>
-      <p:sp>
-        <p:nvSpPr>
-          <p:cNvPr id="28" name="Text Box 27"/>
-          <p:cNvSpPr txBox="1"/>
-          <p:nvPr/>
-        </p:nvSpPr>
-        <p:spPr>
-          <a:xfrm>
-            <a:off x="8177530" y="687070"/>
-            <a:ext cx="1403350" cy="368300"/>
-          </a:xfrm>
-          <a:prstGeom prst="rect">
-            <a:avLst/>
-          </a:prstGeom>
-          <a:noFill/>
-        </p:spPr>
-        <p:txBody>
-          <a:bodyPr wrap="square" rtlCol="0">
-            <a:spAutoFit/>
-          </a:bodyPr>
-          <a:p>
-            <a:pPr algn="ctr"/>
-            <a:r>
-              <a:rPr lang="en-GB" altLang="en-US"/>
-              <a:t>END</a:t>
-            </a:r>
-            <a:endParaRPr lang="en-GB" altLang="en-US"/>
           </a:p>
         </p:txBody>
       </p:sp>

--- a/flowchart for lab practice 1.pptx
+++ b/flowchart for lab practice 1.pptx
@@ -5,12 +5,12 @@
     <p:sldMasterId id="2147483648" r:id="rId1"/>
   </p:sldMasterIdLst>
   <p:sldIdLst>
-    <p:sldId id="257" r:id="rId3"/>
-    <p:sldId id="256" r:id="rId4"/>
-    <p:sldId id="258" r:id="rId5"/>
-    <p:sldId id="260" r:id="rId6"/>
-    <p:sldId id="261" r:id="rId7"/>
-    <p:sldId id="262" r:id="rId8"/>
+    <p:sldId id="257" r:id="rId2"/>
+    <p:sldId id="256" r:id="rId3"/>
+    <p:sldId id="258" r:id="rId4"/>
+    <p:sldId id="260" r:id="rId5"/>
+    <p:sldId id="261" r:id="rId6"/>
+    <p:sldId id="262" r:id="rId7"/>
   </p:sldIdLst>
   <p:sldSz cx="12192000" cy="6858000"/>
   <p:notesSz cx="6858000" cy="9144000"/>
@@ -109,6 +109,11 @@
       </a:defRPr>
     </a:lvl9pPr>
   </p:defaultTextStyle>
+  <p:extLst>
+    <p:ext uri="{EFAFB233-063F-42B5-8137-9DF3F51BA10A}">
+      <p15:sldGuideLst xmlns:p15="http://schemas.microsoft.com/office/powerpoint/2012/main"/>
+    </p:ext>
+  </p:extLst>
 </p:presentation>
 </file>
 
@@ -243,6 +248,7 @@
           <a:p>
             <a:fld id="{63A1C593-65D0-4073-BCC9-577B9352EA97}" type="datetimeFigureOut">
               <a:rPr lang="en-US" smtClean="0"/>
+              <a:t>4/22/2021</a:t>
             </a:fld>
             <a:endParaRPr lang="en-US"/>
           </a:p>
@@ -284,6 +290,7 @@
           <a:p>
             <a:fld id="{9B618960-8005-486C-9A75-10CB2AAC16F9}" type="slidenum">
               <a:rPr lang="en-US" smtClean="0"/>
+              <a:t>‹#›</a:t>
             </a:fld>
             <a:endParaRPr lang="en-US"/>
           </a:p>
@@ -357,7 +364,6 @@
               <a:rPr lang="en-US" smtClean="0"/>
               <a:t>Click to edit Master text styles</a:t>
             </a:r>
-            <a:endParaRPr lang="en-US" smtClean="0"/>
           </a:p>
           <a:p>
             <a:pPr lvl="1"/>
@@ -365,7 +371,6 @@
               <a:rPr lang="en-US" smtClean="0"/>
               <a:t>Second level</a:t>
             </a:r>
-            <a:endParaRPr lang="en-US" smtClean="0"/>
           </a:p>
           <a:p>
             <a:pPr lvl="2"/>
@@ -373,7 +378,6 @@
               <a:rPr lang="en-US" smtClean="0"/>
               <a:t>Third level</a:t>
             </a:r>
-            <a:endParaRPr lang="en-US" smtClean="0"/>
           </a:p>
           <a:p>
             <a:pPr lvl="3"/>
@@ -381,7 +385,6 @@
               <a:rPr lang="en-US" smtClean="0"/>
               <a:t>Fourth level</a:t>
             </a:r>
-            <a:endParaRPr lang="en-US" smtClean="0"/>
           </a:p>
           <a:p>
             <a:pPr lvl="4"/>
@@ -410,6 +413,7 @@
           <a:p>
             <a:fld id="{63A1C593-65D0-4073-BCC9-577B9352EA97}" type="datetimeFigureOut">
               <a:rPr lang="en-US" smtClean="0"/>
+              <a:t>4/22/2021</a:t>
             </a:fld>
             <a:endParaRPr lang="en-US"/>
           </a:p>
@@ -451,6 +455,7 @@
           <a:p>
             <a:fld id="{9B618960-8005-486C-9A75-10CB2AAC16F9}" type="slidenum">
               <a:rPr lang="en-US" smtClean="0"/>
+              <a:t>‹#›</a:t>
             </a:fld>
             <a:endParaRPr lang="en-US"/>
           </a:p>
@@ -534,7 +539,6 @@
               <a:rPr lang="en-US" smtClean="0"/>
               <a:t>Click to edit Master text styles</a:t>
             </a:r>
-            <a:endParaRPr lang="en-US" smtClean="0"/>
           </a:p>
           <a:p>
             <a:pPr lvl="1"/>
@@ -542,7 +546,6 @@
               <a:rPr lang="en-US" smtClean="0"/>
               <a:t>Second level</a:t>
             </a:r>
-            <a:endParaRPr lang="en-US" smtClean="0"/>
           </a:p>
           <a:p>
             <a:pPr lvl="2"/>
@@ -550,7 +553,6 @@
               <a:rPr lang="en-US" smtClean="0"/>
               <a:t>Third level</a:t>
             </a:r>
-            <a:endParaRPr lang="en-US" smtClean="0"/>
           </a:p>
           <a:p>
             <a:pPr lvl="3"/>
@@ -558,7 +560,6 @@
               <a:rPr lang="en-US" smtClean="0"/>
               <a:t>Fourth level</a:t>
             </a:r>
-            <a:endParaRPr lang="en-US" smtClean="0"/>
           </a:p>
           <a:p>
             <a:pPr lvl="4"/>
@@ -587,6 +588,7 @@
           <a:p>
             <a:fld id="{63A1C593-65D0-4073-BCC9-577B9352EA97}" type="datetimeFigureOut">
               <a:rPr lang="en-US" smtClean="0"/>
+              <a:t>4/22/2021</a:t>
             </a:fld>
             <a:endParaRPr lang="en-US"/>
           </a:p>
@@ -628,6 +630,7 @@
           <a:p>
             <a:fld id="{9B618960-8005-486C-9A75-10CB2AAC16F9}" type="slidenum">
               <a:rPr lang="en-US" smtClean="0"/>
+              <a:t>‹#›</a:t>
             </a:fld>
             <a:endParaRPr lang="en-US"/>
           </a:p>
@@ -701,7 +704,6 @@
               <a:rPr lang="en-US" smtClean="0"/>
               <a:t>Click to edit Master text styles</a:t>
             </a:r>
-            <a:endParaRPr lang="en-US" smtClean="0"/>
           </a:p>
           <a:p>
             <a:pPr lvl="1"/>
@@ -709,7 +711,6 @@
               <a:rPr lang="en-US" smtClean="0"/>
               <a:t>Second level</a:t>
             </a:r>
-            <a:endParaRPr lang="en-US" smtClean="0"/>
           </a:p>
           <a:p>
             <a:pPr lvl="2"/>
@@ -717,7 +718,6 @@
               <a:rPr lang="en-US" smtClean="0"/>
               <a:t>Third level</a:t>
             </a:r>
-            <a:endParaRPr lang="en-US" smtClean="0"/>
           </a:p>
           <a:p>
             <a:pPr lvl="3"/>
@@ -725,7 +725,6 @@
               <a:rPr lang="en-US" smtClean="0"/>
               <a:t>Fourth level</a:t>
             </a:r>
-            <a:endParaRPr lang="en-US" smtClean="0"/>
           </a:p>
           <a:p>
             <a:pPr lvl="4"/>
@@ -754,6 +753,7 @@
           <a:p>
             <a:fld id="{63A1C593-65D0-4073-BCC9-577B9352EA97}" type="datetimeFigureOut">
               <a:rPr lang="en-US" smtClean="0"/>
+              <a:t>4/22/2021</a:t>
             </a:fld>
             <a:endParaRPr lang="en-US"/>
           </a:p>
@@ -795,6 +795,7 @@
           <a:p>
             <a:fld id="{9B618960-8005-486C-9A75-10CB2AAC16F9}" type="slidenum">
               <a:rPr lang="en-US" smtClean="0"/>
+              <a:t>‹#›</a:t>
             </a:fld>
             <a:endParaRPr lang="en-US"/>
           </a:p>
@@ -973,7 +974,6 @@
               <a:rPr lang="en-US" smtClean="0"/>
               <a:t>Click to edit Master text styles</a:t>
             </a:r>
-            <a:endParaRPr lang="en-US" smtClean="0"/>
           </a:p>
         </p:txBody>
       </p:sp>
@@ -994,6 +994,7 @@
           <a:p>
             <a:fld id="{63A1C593-65D0-4073-BCC9-577B9352EA97}" type="datetimeFigureOut">
               <a:rPr lang="en-US" smtClean="0"/>
+              <a:t>4/22/2021</a:t>
             </a:fld>
             <a:endParaRPr lang="en-US"/>
           </a:p>
@@ -1035,6 +1036,7 @@
           <a:p>
             <a:fld id="{9B618960-8005-486C-9A75-10CB2AAC16F9}" type="slidenum">
               <a:rPr lang="en-US" smtClean="0"/>
+              <a:t>‹#›</a:t>
             </a:fld>
             <a:endParaRPr lang="en-US"/>
           </a:p>
@@ -1113,7 +1115,6 @@
               <a:rPr lang="en-US" smtClean="0"/>
               <a:t>Click to edit Master text styles</a:t>
             </a:r>
-            <a:endParaRPr lang="en-US" smtClean="0"/>
           </a:p>
           <a:p>
             <a:pPr lvl="1"/>
@@ -1121,7 +1122,6 @@
               <a:rPr lang="en-US" smtClean="0"/>
               <a:t>Second level</a:t>
             </a:r>
-            <a:endParaRPr lang="en-US" smtClean="0"/>
           </a:p>
           <a:p>
             <a:pPr lvl="2"/>
@@ -1129,7 +1129,6 @@
               <a:rPr lang="en-US" smtClean="0"/>
               <a:t>Third level</a:t>
             </a:r>
-            <a:endParaRPr lang="en-US" smtClean="0"/>
           </a:p>
           <a:p>
             <a:pPr lvl="3"/>
@@ -1137,7 +1136,6 @@
               <a:rPr lang="en-US" smtClean="0"/>
               <a:t>Fourth level</a:t>
             </a:r>
-            <a:endParaRPr lang="en-US" smtClean="0"/>
           </a:p>
           <a:p>
             <a:pPr lvl="4"/>
@@ -1174,7 +1172,6 @@
               <a:rPr lang="en-US" smtClean="0"/>
               <a:t>Click to edit Master text styles</a:t>
             </a:r>
-            <a:endParaRPr lang="en-US" smtClean="0"/>
           </a:p>
           <a:p>
             <a:pPr lvl="1"/>
@@ -1182,7 +1179,6 @@
               <a:rPr lang="en-US" smtClean="0"/>
               <a:t>Second level</a:t>
             </a:r>
-            <a:endParaRPr lang="en-US" smtClean="0"/>
           </a:p>
           <a:p>
             <a:pPr lvl="2"/>
@@ -1190,7 +1186,6 @@
               <a:rPr lang="en-US" smtClean="0"/>
               <a:t>Third level</a:t>
             </a:r>
-            <a:endParaRPr lang="en-US" smtClean="0"/>
           </a:p>
           <a:p>
             <a:pPr lvl="3"/>
@@ -1198,7 +1193,6 @@
               <a:rPr lang="en-US" smtClean="0"/>
               <a:t>Fourth level</a:t>
             </a:r>
-            <a:endParaRPr lang="en-US" smtClean="0"/>
           </a:p>
           <a:p>
             <a:pPr lvl="4"/>
@@ -1227,6 +1221,7 @@
           <a:p>
             <a:fld id="{63A1C593-65D0-4073-BCC9-577B9352EA97}" type="datetimeFigureOut">
               <a:rPr lang="en-US" smtClean="0"/>
+              <a:t>4/22/2021</a:t>
             </a:fld>
             <a:endParaRPr lang="en-US"/>
           </a:p>
@@ -1268,6 +1263,7 @@
           <a:p>
             <a:fld id="{9B618960-8005-486C-9A75-10CB2AAC16F9}" type="slidenum">
               <a:rPr lang="en-US" smtClean="0"/>
+              <a:t>‹#›</a:t>
             </a:fld>
             <a:endParaRPr lang="en-US"/>
           </a:p>
@@ -1388,7 +1384,6 @@
               <a:rPr lang="en-US" smtClean="0"/>
               <a:t>Click to edit Master text styles</a:t>
             </a:r>
-            <a:endParaRPr lang="en-US" smtClean="0"/>
           </a:p>
         </p:txBody>
       </p:sp>
@@ -1417,7 +1412,6 @@
               <a:rPr lang="en-US" smtClean="0"/>
               <a:t>Click to edit Master text styles</a:t>
             </a:r>
-            <a:endParaRPr lang="en-US" smtClean="0"/>
           </a:p>
           <a:p>
             <a:pPr lvl="1"/>
@@ -1425,7 +1419,6 @@
               <a:rPr lang="en-US" smtClean="0"/>
               <a:t>Second level</a:t>
             </a:r>
-            <a:endParaRPr lang="en-US" smtClean="0"/>
           </a:p>
           <a:p>
             <a:pPr lvl="2"/>
@@ -1433,7 +1426,6 @@
               <a:rPr lang="en-US" smtClean="0"/>
               <a:t>Third level</a:t>
             </a:r>
-            <a:endParaRPr lang="en-US" smtClean="0"/>
           </a:p>
           <a:p>
             <a:pPr lvl="3"/>
@@ -1441,7 +1433,6 @@
               <a:rPr lang="en-US" smtClean="0"/>
               <a:t>Fourth level</a:t>
             </a:r>
-            <a:endParaRPr lang="en-US" smtClean="0"/>
           </a:p>
           <a:p>
             <a:pPr lvl="4"/>
@@ -1515,7 +1506,6 @@
               <a:rPr lang="en-US" smtClean="0"/>
               <a:t>Click to edit Master text styles</a:t>
             </a:r>
-            <a:endParaRPr lang="en-US" smtClean="0"/>
           </a:p>
         </p:txBody>
       </p:sp>
@@ -1544,7 +1534,6 @@
               <a:rPr lang="en-US" smtClean="0"/>
               <a:t>Click to edit Master text styles</a:t>
             </a:r>
-            <a:endParaRPr lang="en-US" smtClean="0"/>
           </a:p>
           <a:p>
             <a:pPr lvl="1"/>
@@ -1552,7 +1541,6 @@
               <a:rPr lang="en-US" smtClean="0"/>
               <a:t>Second level</a:t>
             </a:r>
-            <a:endParaRPr lang="en-US" smtClean="0"/>
           </a:p>
           <a:p>
             <a:pPr lvl="2"/>
@@ -1560,7 +1548,6 @@
               <a:rPr lang="en-US" smtClean="0"/>
               <a:t>Third level</a:t>
             </a:r>
-            <a:endParaRPr lang="en-US" smtClean="0"/>
           </a:p>
           <a:p>
             <a:pPr lvl="3"/>
@@ -1568,7 +1555,6 @@
               <a:rPr lang="en-US" smtClean="0"/>
               <a:t>Fourth level</a:t>
             </a:r>
-            <a:endParaRPr lang="en-US" smtClean="0"/>
           </a:p>
           <a:p>
             <a:pPr lvl="4"/>
@@ -1597,6 +1583,7 @@
           <a:p>
             <a:fld id="{63A1C593-65D0-4073-BCC9-577B9352EA97}" type="datetimeFigureOut">
               <a:rPr lang="en-US" smtClean="0"/>
+              <a:t>4/22/2021</a:t>
             </a:fld>
             <a:endParaRPr lang="en-US"/>
           </a:p>
@@ -1638,6 +1625,7 @@
           <a:p>
             <a:fld id="{9B618960-8005-486C-9A75-10CB2AAC16F9}" type="slidenum">
               <a:rPr lang="en-US" smtClean="0"/>
+              <a:t>‹#›</a:t>
             </a:fld>
             <a:endParaRPr lang="en-US"/>
           </a:p>
@@ -1708,6 +1696,7 @@
           <a:p>
             <a:fld id="{63A1C593-65D0-4073-BCC9-577B9352EA97}" type="datetimeFigureOut">
               <a:rPr lang="en-US" smtClean="0"/>
+              <a:t>4/22/2021</a:t>
             </a:fld>
             <a:endParaRPr lang="en-US"/>
           </a:p>
@@ -1749,6 +1738,7 @@
           <a:p>
             <a:fld id="{9B618960-8005-486C-9A75-10CB2AAC16F9}" type="slidenum">
               <a:rPr lang="en-US" smtClean="0"/>
+              <a:t>‹#›</a:t>
             </a:fld>
             <a:endParaRPr lang="en-US"/>
           </a:p>
@@ -1796,6 +1786,7 @@
           <a:p>
             <a:fld id="{63A1C593-65D0-4073-BCC9-577B9352EA97}" type="datetimeFigureOut">
               <a:rPr lang="en-US" smtClean="0"/>
+              <a:t>4/22/2021</a:t>
             </a:fld>
             <a:endParaRPr lang="en-US"/>
           </a:p>
@@ -1837,6 +1828,7 @@
           <a:p>
             <a:fld id="{9B618960-8005-486C-9A75-10CB2AAC16F9}" type="slidenum">
               <a:rPr lang="en-US" smtClean="0"/>
+              <a:t>‹#›</a:t>
             </a:fld>
             <a:endParaRPr lang="en-US"/>
           </a:p>
@@ -1952,7 +1944,6 @@
               <a:rPr lang="en-US" smtClean="0"/>
               <a:t>Click to edit Master text styles</a:t>
             </a:r>
-            <a:endParaRPr lang="en-US" smtClean="0"/>
           </a:p>
           <a:p>
             <a:pPr lvl="1"/>
@@ -1960,7 +1951,6 @@
               <a:rPr lang="en-US" smtClean="0"/>
               <a:t>Second level</a:t>
             </a:r>
-            <a:endParaRPr lang="en-US" smtClean="0"/>
           </a:p>
           <a:p>
             <a:pPr lvl="2"/>
@@ -1968,7 +1958,6 @@
               <a:rPr lang="en-US" smtClean="0"/>
               <a:t>Third level</a:t>
             </a:r>
-            <a:endParaRPr lang="en-US" smtClean="0"/>
           </a:p>
           <a:p>
             <a:pPr lvl="3"/>
@@ -1976,7 +1965,6 @@
               <a:rPr lang="en-US" smtClean="0"/>
               <a:t>Fourth level</a:t>
             </a:r>
-            <a:endParaRPr lang="en-US" smtClean="0"/>
           </a:p>
           <a:p>
             <a:pPr lvl="4"/>
@@ -2050,7 +2038,6 @@
               <a:rPr lang="en-US" smtClean="0"/>
               <a:t>Click to edit Master text styles</a:t>
             </a:r>
-            <a:endParaRPr lang="en-US" smtClean="0"/>
           </a:p>
         </p:txBody>
       </p:sp>
@@ -2071,6 +2058,7 @@
           <a:p>
             <a:fld id="{63A1C593-65D0-4073-BCC9-577B9352EA97}" type="datetimeFigureOut">
               <a:rPr lang="en-US" smtClean="0"/>
+              <a:t>4/22/2021</a:t>
             </a:fld>
             <a:endParaRPr lang="en-US"/>
           </a:p>
@@ -2112,6 +2100,7 @@
           <a:p>
             <a:fld id="{9B618960-8005-486C-9A75-10CB2AAC16F9}" type="slidenum">
               <a:rPr lang="en-US" smtClean="0"/>
+              <a:t>‹#›</a:t>
             </a:fld>
             <a:endParaRPr lang="en-US"/>
           </a:p>
@@ -2297,7 +2286,6 @@
               <a:rPr lang="en-US" smtClean="0"/>
               <a:t>Click to edit Master text styles</a:t>
             </a:r>
-            <a:endParaRPr lang="en-US" smtClean="0"/>
           </a:p>
         </p:txBody>
       </p:sp>
@@ -2318,6 +2306,7 @@
           <a:p>
             <a:fld id="{63A1C593-65D0-4073-BCC9-577B9352EA97}" type="datetimeFigureOut">
               <a:rPr lang="en-US" smtClean="0"/>
+              <a:t>4/22/2021</a:t>
             </a:fld>
             <a:endParaRPr lang="en-US"/>
           </a:p>
@@ -2359,6 +2348,7 @@
           <a:p>
             <a:fld id="{9B618960-8005-486C-9A75-10CB2AAC16F9}" type="slidenum">
               <a:rPr lang="en-US" smtClean="0"/>
+              <a:t>‹#›</a:t>
             </a:fld>
             <a:endParaRPr lang="en-US"/>
           </a:p>
@@ -2457,7 +2447,6 @@
               <a:rPr lang="en-US" smtClean="0"/>
               <a:t>Click to edit Master text styles</a:t>
             </a:r>
-            <a:endParaRPr lang="en-US" smtClean="0"/>
           </a:p>
           <a:p>
             <a:pPr lvl="1"/>
@@ -2465,7 +2454,6 @@
               <a:rPr lang="en-US" smtClean="0"/>
               <a:t>Second level</a:t>
             </a:r>
-            <a:endParaRPr lang="en-US" smtClean="0"/>
           </a:p>
           <a:p>
             <a:pPr lvl="2"/>
@@ -2473,7 +2461,6 @@
               <a:rPr lang="en-US" smtClean="0"/>
               <a:t>Third level</a:t>
             </a:r>
-            <a:endParaRPr lang="en-US" smtClean="0"/>
           </a:p>
           <a:p>
             <a:pPr lvl="3"/>
@@ -2481,7 +2468,6 @@
               <a:rPr lang="en-US" smtClean="0"/>
               <a:t>Fourth level</a:t>
             </a:r>
-            <a:endParaRPr lang="en-US" smtClean="0"/>
           </a:p>
           <a:p>
             <a:pPr lvl="4"/>
@@ -2528,6 +2514,7 @@
           <a:p>
             <a:fld id="{63A1C593-65D0-4073-BCC9-577B9352EA97}" type="datetimeFigureOut">
               <a:rPr lang="en-US" smtClean="0"/>
+              <a:t>4/22/2021</a:t>
             </a:fld>
             <a:endParaRPr lang="en-US"/>
           </a:p>
@@ -2605,6 +2592,7 @@
           <a:p>
             <a:fld id="{9B618960-8005-486C-9A75-10CB2AAC16F9}" type="slidenum">
               <a:rPr lang="en-US" smtClean="0"/>
+              <a:t>‹#›</a:t>
             </a:fld>
             <a:endParaRPr lang="en-US"/>
           </a:p>
@@ -2918,7 +2906,14 @@
         <p:cNvGrpSpPr/>
         <p:nvPr/>
       </p:nvGrpSpPr>
-      <p:grpSpPr/>
+      <p:grpSpPr>
+        <a:xfrm>
+          <a:off x="0" y="0"/>
+          <a:ext cx="0" cy="0"/>
+          <a:chOff x="0" y="0"/>
+          <a:chExt cx="0" cy="0"/>
+        </a:xfrm>
+      </p:grpSpPr>
       <p:sp>
         <p:nvSpPr>
           <p:cNvPr id="2" name="Title 1"/>
@@ -2932,12 +2927,12 @@
         <p:spPr/>
         <p:txBody>
           <a:bodyPr/>
+          <a:lstStyle/>
           <a:p>
             <a:r>
               <a:rPr lang="en-GB" altLang="en-US"/>
               <a:t>Ehiane Oigiagbe</a:t>
             </a:r>
-            <a:endParaRPr lang="en-GB" altLang="en-US"/>
           </a:p>
         </p:txBody>
       </p:sp>
@@ -2954,26 +2949,24 @@
         <p:spPr/>
         <p:txBody>
           <a:bodyPr/>
+          <a:lstStyle/>
           <a:p>
             <a:r>
               <a:rPr lang="en-GB" altLang="en-US"/>
               <a:t>CSC 102 </a:t>
             </a:r>
-            <a:endParaRPr lang="en-GB" altLang="en-US"/>
           </a:p>
           <a:p>
             <a:r>
               <a:rPr lang="en-GB" altLang="en-US"/>
               <a:t>SST</a:t>
             </a:r>
-            <a:endParaRPr lang="en-GB" altLang="en-US"/>
           </a:p>
           <a:p>
             <a:r>
               <a:rPr lang="en-GB" altLang="en-US"/>
               <a:t>Flowchart of lab exercise.</a:t>
             </a:r>
-            <a:endParaRPr lang="en-GB" altLang="en-US"/>
           </a:p>
         </p:txBody>
       </p:sp>
@@ -3030,7 +3023,6 @@
               <a:rPr lang="en-GB" altLang="en-US" sz="3200" b="1" dirty="0"/>
               <a:t>I</a:t>
             </a:r>
-            <a:endParaRPr lang="en-GB" altLang="en-US" sz="3200" b="1" dirty="0"/>
           </a:p>
         </p:txBody>
       </p:sp>
@@ -3078,6 +3070,7 @@
         </p:style>
         <p:txBody>
           <a:bodyPr rtlCol="0" anchor="ctr"/>
+          <a:lstStyle/>
           <a:p>
             <a:pPr algn="ctr"/>
             <a:endParaRPr lang="en-US"/>
@@ -3120,6 +3113,7 @@
         </p:style>
         <p:txBody>
           <a:bodyPr rtlCol="0" anchor="ctr"/>
+          <a:lstStyle/>
           <a:p>
             <a:pPr algn="ctr"/>
             <a:endParaRPr lang="en-US"/>
@@ -3194,6 +3188,7 @@
         </p:style>
         <p:txBody>
           <a:bodyPr rtlCol="0" anchor="ctr"/>
+          <a:lstStyle/>
           <a:p>
             <a:pPr algn="ctr"/>
             <a:endParaRPr lang="en-US"/>
@@ -3303,6 +3298,7 @@
         </p:style>
         <p:txBody>
           <a:bodyPr rtlCol="0" anchor="ctr"/>
+          <a:lstStyle/>
           <a:p>
             <a:pPr algn="ctr"/>
             <a:endParaRPr lang="en-US"/>
@@ -3410,6 +3406,7 @@
         </p:style>
         <p:txBody>
           <a:bodyPr rtlCol="0" anchor="ctr"/>
+          <a:lstStyle/>
           <a:p>
             <a:pPr algn="ctr"/>
             <a:endParaRPr lang="en-US"/>
@@ -3469,12 +3466,12 @@
           <a:bodyPr wrap="square" rtlCol="0">
             <a:spAutoFit/>
           </a:bodyPr>
+          <a:lstStyle/>
           <a:p>
             <a:r>
               <a:rPr lang="en-GB" altLang="en-US" sz="1400"/>
               <a:t>start (spec_sev)</a:t>
             </a:r>
-            <a:endParaRPr lang="en-GB" altLang="en-US" sz="1400"/>
           </a:p>
         </p:txBody>
       </p:sp>
@@ -3498,12 +3495,12 @@
           <a:bodyPr wrap="square" rtlCol="0">
             <a:spAutoFit/>
           </a:bodyPr>
+          <a:lstStyle/>
           <a:p>
             <a:r>
               <a:rPr lang="en-GB" altLang="en-US" sz="1400"/>
               <a:t>value = (num -17)</a:t>
             </a:r>
-            <a:endParaRPr lang="en-GB" altLang="en-US" sz="1400"/>
           </a:p>
         </p:txBody>
       </p:sp>
@@ -3527,12 +3524,12 @@
           <a:bodyPr wrap="square" rtlCol="0">
             <a:spAutoFit/>
           </a:bodyPr>
+          <a:lstStyle/>
           <a:p>
             <a:r>
               <a:rPr lang="en-GB" altLang="en-US" sz="1600"/>
               <a:t>num&gt;17</a:t>
             </a:r>
-            <a:endParaRPr lang="en-GB" altLang="en-US" sz="1600"/>
           </a:p>
         </p:txBody>
       </p:sp>
@@ -3556,12 +3553,12 @@
           <a:bodyPr wrap="square" rtlCol="0">
             <a:spAutoFit/>
           </a:bodyPr>
+          <a:lstStyle/>
           <a:p>
             <a:r>
               <a:rPr lang="en-GB" altLang="en-US"/>
               <a:t>true</a:t>
             </a:r>
-            <a:endParaRPr lang="en-GB" altLang="en-US"/>
           </a:p>
         </p:txBody>
       </p:sp>
@@ -3585,12 +3582,12 @@
           <a:bodyPr wrap="square" rtlCol="0">
             <a:spAutoFit/>
           </a:bodyPr>
+          <a:lstStyle/>
           <a:p>
             <a:r>
               <a:rPr lang="en-GB" altLang="en-US"/>
               <a:t>false</a:t>
             </a:r>
-            <a:endParaRPr lang="en-GB" altLang="en-US"/>
           </a:p>
         </p:txBody>
       </p:sp>
@@ -3614,12 +3611,12 @@
           <a:bodyPr wrap="square" rtlCol="0">
             <a:spAutoFit/>
           </a:bodyPr>
+          <a:lstStyle/>
           <a:p>
             <a:r>
               <a:rPr lang="en-GB" altLang="en-US" sz="1600"/>
               <a:t>print(‘Error’)</a:t>
             </a:r>
-            <a:endParaRPr lang="en-GB" altLang="en-US" sz="1600"/>
           </a:p>
         </p:txBody>
       </p:sp>
@@ -3643,12 +3640,12 @@
           <a:bodyPr wrap="square" rtlCol="0">
             <a:spAutoFit/>
           </a:bodyPr>
+          <a:lstStyle/>
           <a:p>
             <a:r>
               <a:rPr lang="en-GB" altLang="en-US" sz="1400"/>
               <a:t>spec_sev(num=int(input(‘input desired number’)))</a:t>
             </a:r>
-            <a:endParaRPr lang="en-GB" altLang="en-US" sz="1400"/>
           </a:p>
         </p:txBody>
       </p:sp>
@@ -3685,6 +3682,7 @@
         </p:style>
         <p:txBody>
           <a:bodyPr rtlCol="0" anchor="ctr"/>
+          <a:lstStyle/>
           <a:p>
             <a:pPr algn="ctr"/>
             <a:endParaRPr lang="en-GB" altLang="en-US"/>
@@ -3711,12 +3709,12 @@
           <a:bodyPr wrap="square" rtlCol="0">
             <a:spAutoFit/>
           </a:bodyPr>
+          <a:lstStyle/>
           <a:p>
             <a:r>
               <a:rPr lang="en-GB" altLang="en-US"/>
               <a:t>y = value  * 2</a:t>
             </a:r>
-            <a:endParaRPr lang="en-GB" altLang="en-US"/>
           </a:p>
         </p:txBody>
       </p:sp>
@@ -3753,6 +3751,7 @@
         </p:style>
         <p:txBody>
           <a:bodyPr rtlCol="0" anchor="ctr"/>
+          <a:lstStyle/>
           <a:p>
             <a:pPr algn="ctr"/>
             <a:endParaRPr lang="en-US"/>
@@ -3779,6 +3778,7 @@
           <a:bodyPr wrap="square" rtlCol="0">
             <a:spAutoFit/>
           </a:bodyPr>
+          <a:lstStyle/>
           <a:p>
             <a:r>
               <a:rPr lang="en-GB" altLang="en-US" sz="1200"/>
@@ -3788,7 +3788,6 @@
               <a:rPr lang="en-GB" altLang="en-US" sz="1400"/>
               <a:t>your answer is = ’, y)</a:t>
             </a:r>
-            <a:endParaRPr lang="en-GB" altLang="en-US" sz="1400"/>
           </a:p>
         </p:txBody>
       </p:sp>
@@ -3897,6 +3896,7 @@
         </p:style>
         <p:txBody>
           <a:bodyPr rtlCol="0" anchor="ctr"/>
+          <a:lstStyle/>
           <a:p>
             <a:pPr algn="ctr"/>
             <a:endParaRPr lang="en-US"/>
@@ -3923,12 +3923,12 @@
           <a:bodyPr wrap="square" rtlCol="0">
             <a:spAutoFit/>
           </a:bodyPr>
+          <a:lstStyle/>
           <a:p>
             <a:r>
               <a:rPr lang="en-GB" altLang="en-US"/>
               <a:t>END</a:t>
             </a:r>
-            <a:endParaRPr lang="en-GB" altLang="en-US"/>
           </a:p>
         </p:txBody>
       </p:sp>
@@ -3949,7 +3949,14 @@
         <p:cNvGrpSpPr/>
         <p:nvPr/>
       </p:nvGrpSpPr>
-      <p:grpSpPr/>
+      <p:grpSpPr>
+        <a:xfrm>
+          <a:off x="0" y="0"/>
+          <a:ext cx="0" cy="0"/>
+          <a:chOff x="0" y="0"/>
+          <a:chExt cx="0" cy="0"/>
+        </a:xfrm>
+      </p:grpSpPr>
       <p:sp>
         <p:nvSpPr>
           <p:cNvPr id="2" name="Title 1"/>
@@ -3968,12 +3975,12 @@
         </p:spPr>
         <p:txBody>
           <a:bodyPr/>
+          <a:lstStyle/>
           <a:p>
             <a:r>
               <a:rPr lang="en-GB" altLang="en-US"/>
               <a:t>Exercise II</a:t>
             </a:r>
-            <a:endParaRPr lang="en-GB" altLang="en-US"/>
           </a:p>
         </p:txBody>
       </p:sp>
@@ -4013,6 +4020,7 @@
         </p:style>
         <p:txBody>
           <a:bodyPr rtlCol="0" anchor="ctr"/>
+          <a:lstStyle/>
           <a:p>
             <a:pPr algn="ctr"/>
             <a:endParaRPr lang="en-US"/>
@@ -4131,6 +4139,7 @@
         </p:style>
         <p:txBody>
           <a:bodyPr rtlCol="0" anchor="ctr"/>
+          <a:lstStyle/>
           <a:p>
             <a:pPr algn="ctr"/>
             <a:endParaRPr lang="en-US"/>
@@ -4203,6 +4212,7 @@
         </p:style>
         <p:txBody>
           <a:bodyPr rtlCol="0" anchor="ctr"/>
+          <a:lstStyle/>
           <a:p>
             <a:pPr algn="ctr"/>
             <a:endParaRPr lang="en-US"/>
@@ -4277,6 +4287,7 @@
         </p:style>
         <p:txBody>
           <a:bodyPr rtlCol="0" anchor="ctr"/>
+          <a:lstStyle/>
           <a:p>
             <a:pPr algn="ctr"/>
             <a:endParaRPr lang="en-US"/>
@@ -4409,12 +4420,12 @@
           <a:bodyPr wrap="square" rtlCol="0">
             <a:spAutoFit/>
           </a:bodyPr>
+          <a:lstStyle/>
           <a:p>
             <a:r>
               <a:rPr lang="en-GB" altLang="en-US"/>
               <a:t>Start triple_checker</a:t>
             </a:r>
-            <a:endParaRPr lang="en-GB" altLang="en-US"/>
           </a:p>
         </p:txBody>
       </p:sp>
@@ -4438,12 +4449,12 @@
           <a:bodyPr wrap="square" rtlCol="0">
             <a:spAutoFit/>
           </a:bodyPr>
+          <a:lstStyle/>
           <a:p>
             <a:r>
               <a:rPr lang="en-GB" altLang="en-US" sz="1400"/>
               <a:t>if val_1==val_2 == val_3</a:t>
             </a:r>
-            <a:endParaRPr lang="en-GB" altLang="en-US" sz="1400"/>
           </a:p>
         </p:txBody>
       </p:sp>
@@ -4467,12 +4478,12 @@
           <a:bodyPr wrap="square" rtlCol="0">
             <a:spAutoFit/>
           </a:bodyPr>
+          <a:lstStyle/>
           <a:p>
             <a:r>
               <a:rPr lang="en-GB" altLang="en-US"/>
               <a:t>true</a:t>
             </a:r>
-            <a:endParaRPr lang="en-GB" altLang="en-US"/>
           </a:p>
         </p:txBody>
       </p:sp>
@@ -4496,19 +4507,18 @@
           <a:bodyPr wrap="square" rtlCol="0">
             <a:spAutoFit/>
           </a:bodyPr>
+          <a:lstStyle/>
           <a:p>
             <a:r>
               <a:rPr lang="en-GB" altLang="en-US"/>
               <a:t>add*=3</a:t>
             </a:r>
-            <a:endParaRPr lang="en-GB" altLang="en-US"/>
           </a:p>
           <a:p>
             <a:r>
               <a:rPr lang="en-GB" altLang="en-US"/>
               <a:t>print(‘Your true value = ’,add)</a:t>
             </a:r>
-            <a:endParaRPr lang="en-GB" altLang="en-US"/>
           </a:p>
         </p:txBody>
       </p:sp>
@@ -4532,6 +4542,7 @@
           <a:bodyPr wrap="square" rtlCol="0">
             <a:spAutoFit/>
           </a:bodyPr>
+          <a:lstStyle/>
           <a:p>
             <a:r>
               <a:rPr lang="en-GB" altLang="en-US" sz="1400"/>
@@ -4599,6 +4610,7 @@
         </p:style>
         <p:txBody>
           <a:bodyPr rtlCol="0" anchor="ctr"/>
+          <a:lstStyle/>
           <a:p>
             <a:pPr algn="ctr"/>
             <a:endParaRPr lang="en-US"/>
@@ -4625,26 +4637,24 @@
           <a:bodyPr wrap="square" rtlCol="0">
             <a:spAutoFit/>
           </a:bodyPr>
+          <a:lstStyle/>
           <a:p>
             <a:r>
               <a:rPr lang="en-GB" altLang="en-US"/>
               <a:t>input 1st number</a:t>
             </a:r>
-            <a:endParaRPr lang="en-GB" altLang="en-US"/>
           </a:p>
           <a:p>
             <a:r>
               <a:rPr lang="en-GB" altLang="en-US"/>
               <a:t>input 2nd number</a:t>
             </a:r>
-            <a:endParaRPr lang="en-GB" altLang="en-US"/>
           </a:p>
           <a:p>
             <a:r>
               <a:rPr lang="en-GB" altLang="en-US"/>
               <a:t>input 3rd number</a:t>
             </a:r>
-            <a:endParaRPr lang="en-GB" altLang="en-US"/>
           </a:p>
         </p:txBody>
       </p:sp>
@@ -4681,6 +4691,7 @@
         </p:style>
         <p:txBody>
           <a:bodyPr rtlCol="0" anchor="ctr"/>
+          <a:lstStyle/>
           <a:p>
             <a:pPr algn="ctr"/>
             <a:endParaRPr lang="en-US"/>
@@ -4707,19 +4718,18 @@
           <a:bodyPr wrap="square" rtlCol="0">
             <a:spAutoFit/>
           </a:bodyPr>
+          <a:lstStyle/>
           <a:p>
             <a:r>
               <a:rPr lang="en-GB" altLang="en-US" sz="1400"/>
               <a:t>add = val_1 + val_2 + val_3 </a:t>
             </a:r>
-            <a:endParaRPr lang="en-GB" altLang="en-US" sz="1400"/>
           </a:p>
           <a:p>
             <a:r>
               <a:rPr lang="en-GB" altLang="en-US" sz="1400"/>
               <a:t>print (‘your sum value =, add)</a:t>
             </a:r>
-            <a:endParaRPr lang="en-GB" altLang="en-US" sz="1400"/>
           </a:p>
         </p:txBody>
       </p:sp>
@@ -4759,6 +4769,7 @@
         </p:style>
         <p:txBody>
           <a:bodyPr rtlCol="0" anchor="ctr"/>
+          <a:lstStyle/>
           <a:p>
             <a:pPr algn="ctr"/>
             <a:endParaRPr lang="en-US"/>
@@ -4785,12 +4796,12 @@
           <a:bodyPr wrap="square" rtlCol="0">
             <a:spAutoFit/>
           </a:bodyPr>
+          <a:lstStyle/>
           <a:p>
             <a:r>
               <a:rPr lang="en-GB" altLang="en-US"/>
               <a:t>END</a:t>
             </a:r>
-            <a:endParaRPr lang="en-GB" altLang="en-US"/>
           </a:p>
         </p:txBody>
       </p:sp>
@@ -4811,7 +4822,14 @@
         <p:cNvGrpSpPr/>
         <p:nvPr/>
       </p:nvGrpSpPr>
-      <p:grpSpPr/>
+      <p:grpSpPr>
+        <a:xfrm>
+          <a:off x="0" y="0"/>
+          <a:ext cx="0" cy="0"/>
+          <a:chOff x="0" y="0"/>
+          <a:chExt cx="0" cy="0"/>
+        </a:xfrm>
+      </p:grpSpPr>
       <p:sp>
         <p:nvSpPr>
           <p:cNvPr id="2" name="Title 1"/>
@@ -4830,6 +4848,7 @@
         </p:spPr>
         <p:txBody>
           <a:bodyPr/>
+          <a:lstStyle/>
           <a:p>
             <a:r>
               <a:rPr lang="en-GB" altLang="en-US"/>
@@ -4839,7 +4858,6 @@
               <a:rPr lang="en-GB" altLang="en-US" b="1"/>
               <a:t>III</a:t>
             </a:r>
-            <a:endParaRPr lang="en-GB" altLang="en-US" b="1"/>
           </a:p>
         </p:txBody>
       </p:sp>
@@ -4876,6 +4894,7 @@
         </p:style>
         <p:txBody>
           <a:bodyPr rtlCol="0" anchor="ctr"/>
+          <a:lstStyle/>
           <a:p>
             <a:pPr algn="ctr"/>
             <a:endParaRPr lang="en-US"/>
@@ -4962,6 +4981,7 @@
         </p:style>
         <p:txBody>
           <a:bodyPr rtlCol="0" anchor="ctr"/>
+          <a:lstStyle/>
           <a:p>
             <a:pPr algn="ctr"/>
             <a:endParaRPr lang="en-US"/>
@@ -5047,6 +5067,7 @@
         </p:style>
         <p:txBody>
           <a:bodyPr rtlCol="0" anchor="ctr"/>
+          <a:lstStyle/>
           <a:p>
             <a:pPr algn="ctr"/>
             <a:endParaRPr lang="en-US"/>
@@ -5132,6 +5153,7 @@
         </p:style>
         <p:txBody>
           <a:bodyPr rtlCol="0" anchor="ctr"/>
+          <a:lstStyle/>
           <a:p>
             <a:pPr algn="ctr"/>
             <a:endParaRPr lang="en-US"/>
@@ -5215,6 +5237,7 @@
         </p:style>
         <p:txBody>
           <a:bodyPr rtlCol="0" anchor="ctr"/>
+          <a:lstStyle/>
           <a:p>
             <a:pPr algn="ctr"/>
             <a:endParaRPr lang="en-US"/>
@@ -5292,6 +5315,7 @@
         </p:style>
         <p:txBody>
           <a:bodyPr rtlCol="0" anchor="ctr"/>
+          <a:lstStyle/>
           <a:p>
             <a:pPr algn="ctr"/>
             <a:endParaRPr lang="en-US"/>
@@ -5331,6 +5355,7 @@
         </p:style>
         <p:txBody>
           <a:bodyPr rtlCol="0" anchor="ctr"/>
+          <a:lstStyle/>
           <a:p>
             <a:pPr algn="ctr"/>
             <a:endParaRPr lang="en-US"/>
@@ -5373,6 +5398,7 @@
         </p:style>
         <p:txBody>
           <a:bodyPr rtlCol="0" anchor="ctr"/>
+          <a:lstStyle/>
           <a:p>
             <a:pPr algn="ctr"/>
             <a:endParaRPr lang="en-US"/>
@@ -5587,6 +5613,7 @@
         </p:style>
         <p:txBody>
           <a:bodyPr rtlCol="0" anchor="ctr"/>
+          <a:lstStyle/>
           <a:p>
             <a:pPr algn="ctr"/>
             <a:endParaRPr lang="en-US"/>
@@ -5649,12 +5676,12 @@
           <a:bodyPr wrap="square" rtlCol="0">
             <a:spAutoFit/>
           </a:bodyPr>
+          <a:lstStyle/>
           <a:p>
             <a:r>
               <a:rPr lang="en-GB" altLang="en-US"/>
               <a:t>Start quality_check</a:t>
             </a:r>
-            <a:endParaRPr lang="en-GB" altLang="en-US"/>
           </a:p>
         </p:txBody>
       </p:sp>
@@ -5678,12 +5705,12 @@
           <a:bodyPr wrap="square" rtlCol="0">
             <a:spAutoFit/>
           </a:bodyPr>
+          <a:lstStyle/>
           <a:p>
             <a:r>
               <a:rPr lang="en-GB" altLang="en-US"/>
               <a:t>if e==y</a:t>
             </a:r>
-            <a:endParaRPr lang="en-GB" altLang="en-US"/>
           </a:p>
         </p:txBody>
       </p:sp>
@@ -5707,12 +5734,12 @@
           <a:bodyPr wrap="square" rtlCol="0">
             <a:spAutoFit/>
           </a:bodyPr>
+          <a:lstStyle/>
           <a:p>
             <a:r>
               <a:rPr lang="en-GB" altLang="en-US"/>
               <a:t>true</a:t>
             </a:r>
-            <a:endParaRPr lang="en-GB" altLang="en-US"/>
           </a:p>
         </p:txBody>
       </p:sp>
@@ -5736,12 +5763,12 @@
           <a:bodyPr wrap="square" rtlCol="0">
             <a:spAutoFit/>
           </a:bodyPr>
+          <a:lstStyle/>
           <a:p>
             <a:r>
               <a:rPr lang="en-GB" altLang="en-US"/>
               <a:t>return True</a:t>
             </a:r>
-            <a:endParaRPr lang="en-GB" altLang="en-US"/>
           </a:p>
         </p:txBody>
       </p:sp>
@@ -5765,12 +5792,12 @@
           <a:bodyPr wrap="square" rtlCol="0">
             <a:spAutoFit/>
           </a:bodyPr>
+          <a:lstStyle/>
           <a:p>
             <a:r>
               <a:rPr lang="en-GB" altLang="en-US" sz="1600"/>
               <a:t>print (quality_check(2,2))</a:t>
             </a:r>
-            <a:endParaRPr lang="en-GB" altLang="en-US" sz="1600"/>
           </a:p>
         </p:txBody>
       </p:sp>
@@ -5794,12 +5821,12 @@
           <a:bodyPr wrap="square" rtlCol="0">
             <a:spAutoFit/>
           </a:bodyPr>
+          <a:lstStyle/>
           <a:p>
             <a:r>
               <a:rPr lang="en-GB" altLang="en-US"/>
               <a:t>END</a:t>
             </a:r>
-            <a:endParaRPr lang="en-GB" altLang="en-US"/>
           </a:p>
         </p:txBody>
       </p:sp>
@@ -5823,12 +5850,12 @@
           <a:bodyPr wrap="square" rtlCol="0">
             <a:spAutoFit/>
           </a:bodyPr>
+          <a:lstStyle/>
           <a:p>
             <a:r>
               <a:rPr lang="en-GB" altLang="en-US" sz="1200"/>
               <a:t>elif (e + y) ==9</a:t>
             </a:r>
-            <a:endParaRPr lang="en-GB" altLang="en-US" sz="1200"/>
           </a:p>
         </p:txBody>
       </p:sp>
@@ -5852,12 +5879,12 @@
           <a:bodyPr wrap="square" rtlCol="0">
             <a:spAutoFit/>
           </a:bodyPr>
+          <a:lstStyle/>
           <a:p>
             <a:r>
               <a:rPr lang="en-GB" altLang="en-US" sz="1400"/>
               <a:t>elif (e - y) ==9</a:t>
             </a:r>
-            <a:endParaRPr lang="en-GB" altLang="en-US" sz="1400"/>
           </a:p>
         </p:txBody>
       </p:sp>
@@ -5881,12 +5908,12 @@
           <a:bodyPr wrap="square" rtlCol="0">
             <a:spAutoFit/>
           </a:bodyPr>
+          <a:lstStyle/>
           <a:p>
             <a:r>
               <a:rPr lang="en-GB" altLang="en-US"/>
               <a:t>else:</a:t>
             </a:r>
-            <a:endParaRPr lang="en-GB" altLang="en-US"/>
           </a:p>
         </p:txBody>
       </p:sp>
@@ -5910,19 +5937,18 @@
           <a:bodyPr wrap="square" rtlCol="0">
             <a:spAutoFit/>
           </a:bodyPr>
+          <a:lstStyle/>
           <a:p>
             <a:r>
               <a:rPr lang="en-GB" altLang="en-US"/>
               <a:t>return</a:t>
             </a:r>
-            <a:endParaRPr lang="en-GB" altLang="en-US"/>
           </a:p>
           <a:p>
             <a:r>
               <a:rPr lang="en-GB" altLang="en-US"/>
               <a:t>False</a:t>
             </a:r>
-            <a:endParaRPr lang="en-GB" altLang="en-US"/>
           </a:p>
         </p:txBody>
       </p:sp>
@@ -5946,12 +5972,12 @@
           <a:bodyPr wrap="square" rtlCol="0">
             <a:spAutoFit/>
           </a:bodyPr>
+          <a:lstStyle/>
           <a:p>
             <a:r>
               <a:rPr lang="en-GB" altLang="en-US"/>
               <a:t>true</a:t>
             </a:r>
-            <a:endParaRPr lang="en-GB" altLang="en-US"/>
           </a:p>
         </p:txBody>
       </p:sp>
@@ -5975,12 +6001,12 @@
           <a:bodyPr wrap="square" rtlCol="0">
             <a:spAutoFit/>
           </a:bodyPr>
+          <a:lstStyle/>
           <a:p>
             <a:r>
               <a:rPr lang="en-GB" altLang="en-US"/>
               <a:t>true</a:t>
             </a:r>
-            <a:endParaRPr lang="en-GB" altLang="en-US"/>
           </a:p>
         </p:txBody>
       </p:sp>
@@ -6001,7 +6027,14 @@
         <p:cNvGrpSpPr/>
         <p:nvPr/>
       </p:nvGrpSpPr>
-      <p:grpSpPr/>
+      <p:grpSpPr>
+        <a:xfrm>
+          <a:off x="0" y="0"/>
+          <a:ext cx="0" cy="0"/>
+          <a:chOff x="0" y="0"/>
+          <a:chExt cx="0" cy="0"/>
+        </a:xfrm>
+      </p:grpSpPr>
       <p:sp>
         <p:nvSpPr>
           <p:cNvPr id="2" name="Title 1"/>
@@ -6020,6 +6053,7 @@
         </p:spPr>
         <p:txBody>
           <a:bodyPr/>
+          <a:lstStyle/>
           <a:p>
             <a:r>
               <a:rPr lang="en-GB" altLang="en-US"/>
@@ -6029,7 +6063,6 @@
               <a:rPr lang="en-GB" altLang="en-US" b="1"/>
               <a:t>IV</a:t>
             </a:r>
-            <a:endParaRPr lang="en-GB" altLang="en-US" b="1"/>
           </a:p>
         </p:txBody>
       </p:sp>
@@ -6066,6 +6099,7 @@
         </p:style>
         <p:txBody>
           <a:bodyPr rtlCol="0" anchor="ctr"/>
+          <a:lstStyle/>
           <a:p>
             <a:pPr algn="ctr"/>
             <a:endParaRPr lang="en-US"/>
@@ -6089,6 +6123,9 @@
             <a:avLst/>
           </a:prstGeom>
           <a:ln>
+            <a:solidFill>
+              <a:schemeClr val="tx1"/>
+            </a:solidFill>
             <a:tailEnd type="arrow"/>
           </a:ln>
         </p:spPr>
@@ -6140,6 +6177,7 @@
         </p:style>
         <p:txBody>
           <a:bodyPr rtlCol="0" anchor="ctr"/>
+          <a:lstStyle/>
           <a:p>
             <a:pPr algn="ctr"/>
             <a:endParaRPr lang="en-US"/>
@@ -6163,6 +6201,9 @@
             <a:avLst/>
           </a:prstGeom>
           <a:ln>
+            <a:solidFill>
+              <a:schemeClr val="tx1"/>
+            </a:solidFill>
             <a:tailEnd type="arrow"/>
           </a:ln>
         </p:spPr>
@@ -6217,6 +6258,7 @@
         </p:style>
         <p:txBody>
           <a:bodyPr rtlCol="0" anchor="ctr"/>
+          <a:lstStyle/>
           <a:p>
             <a:pPr algn="ctr"/>
             <a:endParaRPr lang="en-US"/>
@@ -6240,6 +6282,9 @@
             <a:avLst/>
           </a:prstGeom>
           <a:ln>
+            <a:solidFill>
+              <a:schemeClr val="tx1"/>
+            </a:solidFill>
             <a:tailEnd type="arrow"/>
           </a:ln>
         </p:spPr>
@@ -6291,6 +6336,7 @@
         </p:style>
         <p:txBody>
           <a:bodyPr rtlCol="0" anchor="ctr"/>
+          <a:lstStyle/>
           <a:p>
             <a:pPr algn="ctr"/>
             <a:endParaRPr lang="en-US"/>
@@ -6312,6 +6358,9 @@
             <a:avLst/>
           </a:prstGeom>
           <a:ln>
+            <a:solidFill>
+              <a:schemeClr val="tx1"/>
+            </a:solidFill>
             <a:tailEnd type="arrow"/>
           </a:ln>
         </p:spPr>
@@ -6366,6 +6415,7 @@
         </p:style>
         <p:txBody>
           <a:bodyPr rtlCol="0" anchor="ctr"/>
+          <a:lstStyle/>
           <a:p>
             <a:pPr algn="ctr"/>
             <a:endParaRPr lang="en-US"/>
@@ -6392,13 +6442,13 @@
           <a:bodyPr wrap="square" rtlCol="0">
             <a:spAutoFit/>
           </a:bodyPr>
+          <a:lstStyle/>
           <a:p>
             <a:pPr algn="ctr"/>
             <a:r>
               <a:rPr lang="en-GB" altLang="en-US"/>
               <a:t>Start</a:t>
             </a:r>
-            <a:endParaRPr lang="en-GB" altLang="en-US"/>
           </a:p>
         </p:txBody>
       </p:sp>
@@ -6410,7 +6460,7 @@
         </p:nvSpPr>
         <p:spPr>
           <a:xfrm>
-            <a:off x="5228590" y="2680970"/>
+            <a:off x="5235892" y="2680970"/>
             <a:ext cx="2639695" cy="737235"/>
           </a:xfrm>
           <a:prstGeom prst="rect">
@@ -6422,26 +6472,24 @@
           <a:bodyPr wrap="square" rtlCol="0">
             <a:spAutoFit/>
           </a:bodyPr>
+          <a:lstStyle/>
           <a:p>
             <a:r>
               <a:rPr lang="en-GB" altLang="en-US" sz="1400"/>
               <a:t>input first value </a:t>
             </a:r>
-            <a:endParaRPr lang="en-GB" altLang="en-US" sz="1400"/>
           </a:p>
           <a:p>
             <a:r>
               <a:rPr lang="en-GB" altLang="en-US" sz="1400"/>
               <a:t>input second value </a:t>
             </a:r>
-            <a:endParaRPr lang="en-GB" altLang="en-US" sz="1400"/>
           </a:p>
           <a:p>
             <a:r>
               <a:rPr lang="en-GB" altLang="en-US" sz="1400"/>
               <a:t>input third value</a:t>
             </a:r>
-            <a:endParaRPr lang="en-GB" altLang="en-US" sz="1400"/>
           </a:p>
         </p:txBody>
       </p:sp>
@@ -6465,26 +6513,24 @@
           <a:bodyPr wrap="square" rtlCol="0">
             <a:spAutoFit/>
           </a:bodyPr>
+          <a:lstStyle/>
           <a:p>
             <a:r>
               <a:rPr lang="en-GB" altLang="en-US" sz="1600"/>
               <a:t>q= min(x,y,z)</a:t>
             </a:r>
-            <a:endParaRPr lang="en-GB" altLang="en-US" sz="1600"/>
           </a:p>
           <a:p>
             <a:r>
               <a:rPr lang="en-GB" altLang="en-US" sz="1600"/>
               <a:t>r= max(x,y,z)</a:t>
             </a:r>
-            <a:endParaRPr lang="en-GB" altLang="en-US" sz="1600"/>
           </a:p>
           <a:p>
             <a:r>
               <a:rPr lang="en-GB" altLang="en-US" sz="1600"/>
               <a:t>s= (x+y+z) - q -r</a:t>
             </a:r>
-            <a:endParaRPr lang="en-GB" altLang="en-US" sz="1600"/>
           </a:p>
         </p:txBody>
       </p:sp>
@@ -6508,12 +6554,12 @@
           <a:bodyPr wrap="square" rtlCol="0">
             <a:spAutoFit/>
           </a:bodyPr>
+          <a:lstStyle/>
           <a:p>
             <a:r>
               <a:rPr lang="en-GB" altLang="en-US"/>
               <a:t>print(‘Numbers in sorted order: ‘ , q,r, s)</a:t>
             </a:r>
-            <a:endParaRPr lang="en-GB" altLang="en-US"/>
           </a:p>
         </p:txBody>
       </p:sp>
@@ -6537,12 +6583,12 @@
           <a:bodyPr wrap="square" rtlCol="0">
             <a:spAutoFit/>
           </a:bodyPr>
+          <a:lstStyle/>
           <a:p>
             <a:r>
               <a:rPr lang="en-GB" altLang="en-US"/>
               <a:t>END</a:t>
             </a:r>
-            <a:endParaRPr lang="en-GB" altLang="en-US"/>
           </a:p>
         </p:txBody>
       </p:sp>
@@ -6563,7 +6609,14 @@
         <p:cNvGrpSpPr/>
         <p:nvPr/>
       </p:nvGrpSpPr>
-      <p:grpSpPr/>
+      <p:grpSpPr>
+        <a:xfrm>
+          <a:off x="0" y="0"/>
+          <a:ext cx="0" cy="0"/>
+          <a:chOff x="0" y="0"/>
+          <a:chExt cx="0" cy="0"/>
+        </a:xfrm>
+      </p:grpSpPr>
       <p:sp>
         <p:nvSpPr>
           <p:cNvPr id="2" name="Title 1"/>
@@ -6582,6 +6635,7 @@
         </p:spPr>
         <p:txBody>
           <a:bodyPr/>
+          <a:lstStyle/>
           <a:p>
             <a:r>
               <a:rPr lang="en-GB" altLang="en-US"/>
@@ -6591,7 +6645,6 @@
               <a:rPr lang="en-GB" altLang="en-US" b="1"/>
               <a:t>V</a:t>
             </a:r>
-            <a:endParaRPr lang="en-GB" altLang="en-US" b="1"/>
           </a:p>
         </p:txBody>
       </p:sp>
@@ -6631,6 +6684,7 @@
         </p:style>
         <p:txBody>
           <a:bodyPr rtlCol="0" anchor="ctr"/>
+          <a:lstStyle/>
           <a:p>
             <a:pPr algn="ctr"/>
             <a:endParaRPr lang="en-US"/>
@@ -6654,6 +6708,9 @@
             <a:avLst/>
           </a:prstGeom>
           <a:ln>
+            <a:solidFill>
+              <a:schemeClr val="tx1"/>
+            </a:solidFill>
             <a:tailEnd type="arrow"/>
           </a:ln>
         </p:spPr>
@@ -6689,6 +6746,9 @@
             <a:avLst/>
           </a:prstGeom>
           <a:ln>
+            <a:solidFill>
+              <a:schemeClr val="tx1"/>
+            </a:solidFill>
             <a:tailEnd type="arrow"/>
           </a:ln>
         </p:spPr>
@@ -6740,6 +6800,7 @@
         </p:style>
         <p:txBody>
           <a:bodyPr rtlCol="0" anchor="ctr"/>
+          <a:lstStyle/>
           <a:p>
             <a:pPr algn="ctr"/>
             <a:endParaRPr lang="en-US"/>
@@ -6763,6 +6824,9 @@
             <a:avLst/>
           </a:prstGeom>
           <a:ln>
+            <a:solidFill>
+              <a:schemeClr val="tx1"/>
+            </a:solidFill>
             <a:tailEnd type="arrow"/>
           </a:ln>
         </p:spPr>
@@ -6817,6 +6881,7 @@
         </p:style>
         <p:txBody>
           <a:bodyPr rtlCol="0" anchor="ctr"/>
+          <a:lstStyle/>
           <a:p>
             <a:pPr algn="ctr"/>
             <a:endParaRPr lang="en-US"/>
@@ -6840,6 +6905,9 @@
             <a:avLst/>
           </a:prstGeom>
           <a:ln>
+            <a:solidFill>
+              <a:schemeClr val="tx1"/>
+            </a:solidFill>
             <a:tailEnd type="arrow"/>
           </a:ln>
         </p:spPr>
@@ -6894,6 +6962,7 @@
         </p:style>
         <p:txBody>
           <a:bodyPr rtlCol="0" anchor="ctr"/>
+          <a:lstStyle/>
           <a:p>
             <a:pPr algn="ctr"/>
             <a:endParaRPr lang="en-US"/>
@@ -6917,6 +6986,9 @@
             <a:avLst/>
           </a:prstGeom>
           <a:ln>
+            <a:solidFill>
+              <a:schemeClr val="tx1"/>
+            </a:solidFill>
             <a:tailEnd type="arrow"/>
           </a:ln>
         </p:spPr>
@@ -6979,6 +7051,7 @@
         </p:style>
         <p:txBody>
           <a:bodyPr rtlCol="0" anchor="ctr"/>
+          <a:lstStyle/>
           <a:p>
             <a:pPr algn="ctr"/>
             <a:endParaRPr lang="en-US"/>
@@ -7002,6 +7075,9 @@
             <a:avLst/>
           </a:prstGeom>
           <a:ln>
+            <a:solidFill>
+              <a:schemeClr val="tx1"/>
+            </a:solidFill>
             <a:tailEnd type="arrow"/>
           </a:ln>
         </p:spPr>
@@ -7056,6 +7132,7 @@
         </p:style>
         <p:txBody>
           <a:bodyPr rtlCol="0" anchor="ctr"/>
+          <a:lstStyle/>
           <a:p>
             <a:pPr algn="ctr"/>
             <a:endParaRPr lang="en-US"/>
@@ -7077,6 +7154,9 @@
             <a:avLst/>
           </a:prstGeom>
           <a:ln>
+            <a:solidFill>
+              <a:schemeClr val="tx1"/>
+            </a:solidFill>
             <a:tailEnd type="arrow"/>
           </a:ln>
         </p:spPr>
@@ -7131,6 +7211,7 @@
         </p:style>
         <p:txBody>
           <a:bodyPr rtlCol="0" anchor="ctr"/>
+          <a:lstStyle/>
           <a:p>
             <a:pPr algn="ctr"/>
             <a:endParaRPr lang="en-US"/>
@@ -7157,13 +7238,13 @@
           <a:bodyPr wrap="square" rtlCol="0">
             <a:spAutoFit/>
           </a:bodyPr>
+          <a:lstStyle/>
           <a:p>
             <a:pPr algn="ctr"/>
             <a:r>
               <a:rPr lang="en-GB" altLang="en-US"/>
               <a:t>start</a:t>
             </a:r>
-            <a:endParaRPr lang="en-GB" altLang="en-US"/>
           </a:p>
         </p:txBody>
       </p:sp>
@@ -7187,12 +7268,12 @@
           <a:bodyPr wrap="square" rtlCol="0">
             <a:spAutoFit/>
           </a:bodyPr>
+          <a:lstStyle/>
           <a:p>
             <a:r>
               <a:rPr lang="en-GB" altLang="en-US" sz="1600"/>
               <a:t>positive integer value</a:t>
             </a:r>
-            <a:endParaRPr lang="en-GB" altLang="en-US" sz="1600"/>
           </a:p>
         </p:txBody>
       </p:sp>
@@ -7204,7 +7285,7 @@
         </p:nvSpPr>
         <p:spPr>
           <a:xfrm>
-            <a:off x="4857115" y="2947035"/>
+            <a:off x="4970145" y="2971165"/>
             <a:ext cx="2293620" cy="1198880"/>
           </a:xfrm>
           <a:prstGeom prst="rect">
@@ -7216,26 +7297,24 @@
           <a:bodyPr wrap="square" rtlCol="0">
             <a:spAutoFit/>
           </a:bodyPr>
+          <a:lstStyle/>
           <a:p>
             <a:r>
               <a:rPr lang="en-GB" altLang="en-US"/>
               <a:t>numcuber()</a:t>
             </a:r>
-            <a:endParaRPr lang="en-GB" altLang="en-US"/>
           </a:p>
           <a:p>
             <a:r>
               <a:rPr lang="en-GB" altLang="en-US"/>
               <a:t>cuber=range(1,3)</a:t>
             </a:r>
-            <a:endParaRPr lang="en-GB" altLang="en-US"/>
           </a:p>
           <a:p>
             <a:r>
               <a:rPr lang="en-GB" altLang="en-US"/>
               <a:t>result=0</a:t>
             </a:r>
-            <a:endParaRPr lang="en-GB" altLang="en-US"/>
           </a:p>
           <a:p>
             <a:endParaRPr lang="en-GB" altLang="en-US"/>
@@ -7262,26 +7341,48 @@
           <a:bodyPr wrap="square" rtlCol="0">
             <a:spAutoFit/>
           </a:bodyPr>
-          <a:p>
-            <a:r>
-              <a:rPr lang="en-GB" altLang="en-US"/>
-              <a:t>for i in cuber:</a:t>
-            </a:r>
-            <a:endParaRPr lang="en-GB" altLang="en-US"/>
-          </a:p>
-          <a:p>
-            <a:r>
-              <a:rPr lang="en-GB" altLang="en-US"/>
-              <a:t>result+=(i**3)</a:t>
-            </a:r>
-            <a:endParaRPr lang="en-GB" altLang="en-US"/>
-          </a:p>
-          <a:p>
-            <a:r>
-              <a:rPr lang="en-GB" altLang="en-US"/>
+          <a:lstStyle/>
+          <a:p>
+            <a:r>
+              <a:rPr lang="en-GB" altLang="en-US" dirty="0"/>
+              <a:t>for </a:t>
+            </a:r>
+            <a:r>
+              <a:rPr lang="en-GB" altLang="en-US" dirty="0" err="1"/>
+              <a:t>i</a:t>
+            </a:r>
+            <a:r>
+              <a:rPr lang="en-GB" altLang="en-US" dirty="0"/>
+              <a:t> in </a:t>
+            </a:r>
+            <a:r>
+              <a:rPr lang="en-GB" altLang="en-US" dirty="0" err="1"/>
+              <a:t>cuber</a:t>
+            </a:r>
+            <a:r>
+              <a:rPr lang="en-GB" altLang="en-US" dirty="0"/>
+              <a:t>:</a:t>
+            </a:r>
+          </a:p>
+          <a:p>
+            <a:r>
+              <a:rPr lang="en-GB" altLang="en-US" dirty="0"/>
+              <a:t>result+=(</a:t>
+            </a:r>
+            <a:r>
+              <a:rPr lang="en-GB" altLang="en-US" dirty="0" err="1"/>
+              <a:t>i</a:t>
+            </a:r>
+            <a:r>
+              <a:rPr lang="en-GB" altLang="en-US" dirty="0"/>
+              <a:t>**3)</a:t>
+            </a:r>
+          </a:p>
+          <a:p>
+            <a:r>
+              <a:rPr lang="en-GB" altLang="en-US" dirty="0"/>
               <a:t>return result</a:t>
             </a:r>
-            <a:endParaRPr lang="en-GB" altLang="en-US"/>
           </a:p>
         </p:txBody>
       </p:sp>
@@ -7305,12 +7406,12 @@
           <a:bodyPr wrap="square" rtlCol="0">
             <a:spAutoFit/>
           </a:bodyPr>
+          <a:lstStyle/>
           <a:p>
             <a:r>
               <a:rPr lang="en-GB" altLang="en-US"/>
               <a:t>if a &gt;0</a:t>
             </a:r>
-            <a:endParaRPr lang="en-GB" altLang="en-US"/>
           </a:p>
         </p:txBody>
       </p:sp>
@@ -7334,12 +7435,12 @@
           <a:bodyPr wrap="square" rtlCol="0">
             <a:spAutoFit/>
           </a:bodyPr>
+          <a:lstStyle/>
           <a:p>
             <a:r>
               <a:rPr lang="en-GB" altLang="en-US"/>
               <a:t>print(‘Your answer is= ‘, numcuber())</a:t>
             </a:r>
-            <a:endParaRPr lang="en-GB" altLang="en-US"/>
           </a:p>
         </p:txBody>
       </p:sp>
@@ -7363,13 +7464,13 @@
           <a:bodyPr wrap="square" rtlCol="0">
             <a:spAutoFit/>
           </a:bodyPr>
+          <a:lstStyle/>
           <a:p>
             <a:pPr algn="ctr"/>
             <a:r>
               <a:rPr lang="en-GB" altLang="en-US"/>
               <a:t>END</a:t>
             </a:r>
-            <a:endParaRPr lang="en-GB" altLang="en-US"/>
           </a:p>
         </p:txBody>
       </p:sp>
@@ -7381,8 +7482,8 @@
         </p:nvSpPr>
         <p:spPr>
           <a:xfrm>
-            <a:off x="5085080" y="837565"/>
-            <a:ext cx="1976755" cy="482600"/>
+            <a:off x="5085080" y="837564"/>
+            <a:ext cx="1976755" cy="744855"/>
           </a:xfrm>
           <a:prstGeom prst="flowChartInputOutput">
             <a:avLst/>
@@ -7406,6 +7507,7 @@
         </p:style>
         <p:txBody>
           <a:bodyPr rtlCol="0" anchor="ctr"/>
+          <a:lstStyle/>
           <a:p>
             <a:pPr algn="ctr"/>
             <a:endParaRPr lang="en-US"/>
@@ -7420,8 +7522,8 @@
         </p:nvSpPr>
         <p:spPr>
           <a:xfrm>
-            <a:off x="5288280" y="873760"/>
-            <a:ext cx="1477010" cy="521970"/>
+            <a:off x="5097953" y="1028700"/>
+            <a:ext cx="2060171" cy="528955"/>
           </a:xfrm>
           <a:prstGeom prst="rect">
             <a:avLst/>
@@ -7432,13 +7534,29 @@
           <a:bodyPr wrap="square" rtlCol="0">
             <a:spAutoFit/>
           </a:bodyPr>
+          <a:lstStyle/>
           <a:p>
             <a:pPr algn="ctr"/>
             <a:r>
-              <a:rPr lang="en-GB" altLang="en-US" sz="1400"/>
-              <a:t>a=int(input(‘positve integer value’))</a:t>
-            </a:r>
-            <a:endParaRPr lang="en-GB" altLang="en-US" sz="1400"/>
+              <a:rPr lang="en-GB" altLang="en-US" sz="1400" dirty="0"/>
+              <a:t>a=</a:t>
+            </a:r>
+            <a:r>
+              <a:rPr lang="en-GB" altLang="en-US" sz="1400" dirty="0" err="1"/>
+              <a:t>int</a:t>
+            </a:r>
+            <a:r>
+              <a:rPr lang="en-GB" altLang="en-US" sz="1400" dirty="0"/>
+              <a:t>(input(‘</a:t>
+            </a:r>
+            <a:r>
+              <a:rPr lang="en-GB" altLang="en-US" sz="1400" dirty="0" err="1"/>
+              <a:t>positve</a:t>
+            </a:r>
+            <a:r>
+              <a:rPr lang="en-GB" altLang="en-US" sz="1400" dirty="0"/>
+              <a:t> integer value’))</a:t>
+            </a:r>
           </a:p>
         </p:txBody>
       </p:sp>
@@ -7701,6 +7819,8 @@
       </a:bgFillStyleLst>
     </a:fmtScheme>
   </a:themeElements>
+  <a:objectDefaults/>
+  <a:extraClrSchemeLst/>
   <a:extLst>
     <a:ext uri="{05A4C25C-085E-4340-85A3-A5531E510DB2}">
       <thm15:themeFamily xmlns:thm15="http://schemas.microsoft.com/office/thememl/2012/main" name="Office Theme" id="{62F939B6-93AF-4DB8-9C6B-D6C7DFDC589F}" vid="{4A3C46E8-61CC-4603-A589-7422A47A8E4A}"/>
